--- a/doc/sundials/figures/sunorg.pptx
+++ b/doc/sundials/figures/sunorg.pptx
@@ -24,6 +24,7 @@
     <p:sldId id="260" r:id="rId18"/>
     <p:sldId id="278" r:id="rId19"/>
     <p:sldId id="266" r:id="rId20"/>
+    <p:sldId id="279" r:id="rId21"/>
   </p:sldIdLst>
   <p:sldSz cx="7772400" cy="10058400"/>
   <p:notesSz cx="6858000" cy="9144000"/>
@@ -269,7 +270,7 @@
           <a:p>
             <a:fld id="{F9A6519E-B196-1D4F-BD88-7C03AA8CDF66}" type="datetimeFigureOut">
               <a:rPr lang="en-US" smtClean="0"/>
-              <a:t>2/2/21</a:t>
+              <a:t>4/26/22</a:t>
             </a:fld>
             <a:endParaRPr lang="en-US"/>
           </a:p>
@@ -461,7 +462,7 @@
           <a:p>
             <a:fld id="{F9A6519E-B196-1D4F-BD88-7C03AA8CDF66}" type="datetimeFigureOut">
               <a:rPr lang="en-US" smtClean="0"/>
-              <a:t>2/2/21</a:t>
+              <a:t>4/26/22</a:t>
             </a:fld>
             <a:endParaRPr lang="en-US"/>
           </a:p>
@@ -29724,6 +29725,6569 @@
 </p:sld>
 </file>
 
+<file path=ppt/slides/slide20.xml><?xml version="1.0" encoding="utf-8"?>
+<p:sld xmlns:a="http://schemas.openxmlformats.org/drawingml/2006/main" xmlns:r="http://schemas.openxmlformats.org/officeDocument/2006/relationships" xmlns:p="http://schemas.openxmlformats.org/presentationml/2006/main">
+  <p:cSld>
+    <p:spTree>
+      <p:nvGrpSpPr>
+        <p:cNvPr id="1" name=""/>
+        <p:cNvGrpSpPr/>
+        <p:nvPr/>
+      </p:nvGrpSpPr>
+      <p:grpSpPr>
+        <a:xfrm>
+          <a:off x="0" y="0"/>
+          <a:ext cx="0" cy="0"/>
+          <a:chOff x="0" y="0"/>
+          <a:chExt cx="0" cy="0"/>
+        </a:xfrm>
+      </p:grpSpPr>
+      <p:grpSp>
+        <p:nvGrpSpPr>
+          <p:cNvPr id="12" name="Group 11">
+            <a:extLst>
+              <a:ext uri="{FF2B5EF4-FFF2-40B4-BE49-F238E27FC236}">
+                <a16:creationId xmlns:a16="http://schemas.microsoft.com/office/drawing/2014/main" id="{8598B04D-A398-E886-866F-A0735DC378B1}"/>
+              </a:ext>
+            </a:extLst>
+          </p:cNvPr>
+          <p:cNvGrpSpPr/>
+          <p:nvPr/>
+        </p:nvGrpSpPr>
+        <p:grpSpPr>
+          <a:xfrm>
+            <a:off x="590550" y="605914"/>
+            <a:ext cx="6621016" cy="2774125"/>
+            <a:chOff x="590550" y="605914"/>
+            <a:chExt cx="6621016" cy="2774125"/>
+          </a:xfrm>
+        </p:grpSpPr>
+        <p:sp>
+          <p:nvSpPr>
+            <p:cNvPr id="17" name="Rectangle 16">
+              <a:extLst>
+                <a:ext uri="{FF2B5EF4-FFF2-40B4-BE49-F238E27FC236}">
+                  <a16:creationId xmlns:a16="http://schemas.microsoft.com/office/drawing/2014/main" id="{2EBC4184-1214-7943-BDBE-B20ABF0BBC5D}"/>
+                </a:ext>
+              </a:extLst>
+            </p:cNvPr>
+            <p:cNvSpPr/>
+            <p:nvPr/>
+          </p:nvSpPr>
+          <p:spPr>
+            <a:xfrm>
+              <a:off x="5149636" y="1000921"/>
+              <a:ext cx="2061930" cy="2379118"/>
+            </a:xfrm>
+            <a:prstGeom prst="rect">
+              <a:avLst/>
+            </a:prstGeom>
+            <a:solidFill>
+              <a:srgbClr val="E7E6E6"/>
+            </a:solidFill>
+            <a:ln w="12700" cap="flat" cmpd="sng" algn="ctr">
+              <a:solidFill>
+                <a:sysClr val="windowText" lastClr="000000"/>
+              </a:solidFill>
+              <a:prstDash val="solid"/>
+              <a:miter lim="800000"/>
+            </a:ln>
+            <a:effectLst/>
+          </p:spPr>
+          <p:txBody>
+            <a:bodyPr rtlCol="0" anchor="ctr"/>
+            <a:lstStyle/>
+            <a:p>
+              <a:pPr marL="0" marR="0" lvl="0" indent="0" algn="ctr" defTabSz="914400" eaLnBrk="0" fontAlgn="base" latinLnBrk="0" hangingPunct="0">
+                <a:lnSpc>
+                  <a:spcPct val="100000"/>
+                </a:lnSpc>
+                <a:spcBef>
+                  <a:spcPct val="50000"/>
+                </a:spcBef>
+                <a:spcAft>
+                  <a:spcPct val="0"/>
+                </a:spcAft>
+                <a:buClrTx/>
+                <a:buSzTx/>
+                <a:buFontTx/>
+                <a:buNone/>
+                <a:tabLst/>
+                <a:defRPr/>
+              </a:pPr>
+              <a:endParaRPr kumimoji="0" lang="en-US" sz="1800" b="0" i="0" u="none" strike="noStrike" kern="0" cap="none" spc="0" normalizeH="0" baseline="0" noProof="0">
+                <a:ln>
+                  <a:noFill/>
+                </a:ln>
+                <a:solidFill>
+                  <a:prstClr val="white"/>
+                </a:solidFill>
+                <a:effectLst>
+                  <a:outerShdw blurRad="38100" dist="38100" dir="2700000" algn="tl">
+                    <a:srgbClr val="000000">
+                      <a:alpha val="43137"/>
+                    </a:srgbClr>
+                  </a:outerShdw>
+                </a:effectLst>
+                <a:uLnTx/>
+                <a:uFillTx/>
+                <a:latin typeface="Calibri" panose="020F0502020204030204"/>
+                <a:ea typeface="+mn-ea"/>
+                <a:cs typeface="+mn-cs"/>
+              </a:endParaRPr>
+            </a:p>
+          </p:txBody>
+        </p:sp>
+        <p:sp>
+          <p:nvSpPr>
+            <p:cNvPr id="18" name="Rectangle 17">
+              <a:extLst>
+                <a:ext uri="{FF2B5EF4-FFF2-40B4-BE49-F238E27FC236}">
+                  <a16:creationId xmlns:a16="http://schemas.microsoft.com/office/drawing/2014/main" id="{407F4CBD-4722-D842-969B-A2FAE3E3512C}"/>
+                </a:ext>
+              </a:extLst>
+            </p:cNvPr>
+            <p:cNvSpPr/>
+            <p:nvPr/>
+          </p:nvSpPr>
+          <p:spPr>
+            <a:xfrm>
+              <a:off x="2871194" y="1000921"/>
+              <a:ext cx="2061930" cy="2379118"/>
+            </a:xfrm>
+            <a:prstGeom prst="rect">
+              <a:avLst/>
+            </a:prstGeom>
+            <a:solidFill>
+              <a:srgbClr val="E7E6E6"/>
+            </a:solidFill>
+            <a:ln w="12700" cap="flat" cmpd="sng" algn="ctr">
+              <a:solidFill>
+                <a:sysClr val="windowText" lastClr="000000"/>
+              </a:solidFill>
+              <a:prstDash val="solid"/>
+              <a:miter lim="800000"/>
+            </a:ln>
+            <a:effectLst/>
+          </p:spPr>
+          <p:txBody>
+            <a:bodyPr rtlCol="0" anchor="ctr"/>
+            <a:lstStyle/>
+            <a:p>
+              <a:pPr marL="0" marR="0" lvl="0" indent="0" algn="ctr" defTabSz="914400" eaLnBrk="0" fontAlgn="base" latinLnBrk="0" hangingPunct="0">
+                <a:lnSpc>
+                  <a:spcPct val="100000"/>
+                </a:lnSpc>
+                <a:spcBef>
+                  <a:spcPct val="50000"/>
+                </a:spcBef>
+                <a:spcAft>
+                  <a:spcPct val="0"/>
+                </a:spcAft>
+                <a:buClrTx/>
+                <a:buSzTx/>
+                <a:buFontTx/>
+                <a:buNone/>
+                <a:tabLst/>
+                <a:defRPr/>
+              </a:pPr>
+              <a:endParaRPr kumimoji="0" lang="en-US" sz="1800" b="0" i="0" u="none" strike="noStrike" kern="0" cap="none" spc="0" normalizeH="0" baseline="0" noProof="0">
+                <a:ln>
+                  <a:noFill/>
+                </a:ln>
+                <a:solidFill>
+                  <a:prstClr val="white"/>
+                </a:solidFill>
+                <a:effectLst>
+                  <a:outerShdw blurRad="38100" dist="38100" dir="2700000" algn="tl">
+                    <a:srgbClr val="000000">
+                      <a:alpha val="43137"/>
+                    </a:srgbClr>
+                  </a:outerShdw>
+                </a:effectLst>
+                <a:uLnTx/>
+                <a:uFillTx/>
+                <a:latin typeface="Calibri" panose="020F0502020204030204"/>
+                <a:ea typeface="+mn-ea"/>
+                <a:cs typeface="+mn-cs"/>
+              </a:endParaRPr>
+            </a:p>
+          </p:txBody>
+        </p:sp>
+        <p:sp>
+          <p:nvSpPr>
+            <p:cNvPr id="19" name="Rectangle 18">
+              <a:extLst>
+                <a:ext uri="{FF2B5EF4-FFF2-40B4-BE49-F238E27FC236}">
+                  <a16:creationId xmlns:a16="http://schemas.microsoft.com/office/drawing/2014/main" id="{D4164442-E87A-1F45-AD88-BAC072B77FC0}"/>
+                </a:ext>
+              </a:extLst>
+            </p:cNvPr>
+            <p:cNvSpPr/>
+            <p:nvPr/>
+          </p:nvSpPr>
+          <p:spPr>
+            <a:xfrm>
+              <a:off x="590550" y="1000920"/>
+              <a:ext cx="2062157" cy="2379119"/>
+            </a:xfrm>
+            <a:prstGeom prst="rect">
+              <a:avLst/>
+            </a:prstGeom>
+            <a:solidFill>
+              <a:srgbClr val="E7E6E6"/>
+            </a:solidFill>
+            <a:ln w="12700" cap="flat" cmpd="sng" algn="ctr">
+              <a:solidFill>
+                <a:sysClr val="windowText" lastClr="000000"/>
+              </a:solidFill>
+              <a:prstDash val="solid"/>
+              <a:miter lim="800000"/>
+            </a:ln>
+            <a:effectLst/>
+          </p:spPr>
+          <p:txBody>
+            <a:bodyPr rtlCol="0" anchor="ctr"/>
+            <a:lstStyle/>
+            <a:p>
+              <a:pPr marL="0" marR="0" lvl="0" indent="0" algn="ctr" defTabSz="914400" eaLnBrk="0" fontAlgn="base" latinLnBrk="0" hangingPunct="0">
+                <a:lnSpc>
+                  <a:spcPct val="100000"/>
+                </a:lnSpc>
+                <a:spcBef>
+                  <a:spcPct val="50000"/>
+                </a:spcBef>
+                <a:spcAft>
+                  <a:spcPct val="0"/>
+                </a:spcAft>
+                <a:buClrTx/>
+                <a:buSzTx/>
+                <a:buFontTx/>
+                <a:buNone/>
+                <a:tabLst/>
+                <a:defRPr/>
+              </a:pPr>
+              <a:endParaRPr kumimoji="0" lang="en-US" sz="1800" b="0" i="0" u="none" strike="noStrike" kern="0" cap="none" spc="0" normalizeH="0" baseline="0" noProof="0">
+                <a:ln>
+                  <a:noFill/>
+                </a:ln>
+                <a:solidFill>
+                  <a:prstClr val="white"/>
+                </a:solidFill>
+                <a:effectLst>
+                  <a:outerShdw blurRad="38100" dist="38100" dir="2700000" algn="tl">
+                    <a:srgbClr val="000000">
+                      <a:alpha val="43137"/>
+                    </a:srgbClr>
+                  </a:outerShdw>
+                </a:effectLst>
+                <a:uLnTx/>
+                <a:uFillTx/>
+                <a:latin typeface="Calibri" panose="020F0502020204030204"/>
+                <a:ea typeface="+mn-ea"/>
+                <a:cs typeface="+mn-cs"/>
+              </a:endParaRPr>
+            </a:p>
+          </p:txBody>
+        </p:sp>
+        <p:sp>
+          <p:nvSpPr>
+            <p:cNvPr id="120" name="Rectangle 119">
+              <a:extLst>
+                <a:ext uri="{FF2B5EF4-FFF2-40B4-BE49-F238E27FC236}">
+                  <a16:creationId xmlns:a16="http://schemas.microsoft.com/office/drawing/2014/main" id="{4086880F-7E1C-0E05-F8AD-F28FC739E961}"/>
+                </a:ext>
+              </a:extLst>
+            </p:cNvPr>
+            <p:cNvSpPr/>
+            <p:nvPr/>
+          </p:nvSpPr>
+          <p:spPr>
+            <a:xfrm>
+              <a:off x="694560" y="1316873"/>
+              <a:ext cx="1853303" cy="1079246"/>
+            </a:xfrm>
+            <a:prstGeom prst="rect">
+              <a:avLst/>
+            </a:prstGeom>
+            <a:solidFill>
+              <a:srgbClr val="E7E6E6"/>
+            </a:solidFill>
+            <a:ln w="12700" cap="flat" cmpd="sng" algn="ctr">
+              <a:solidFill>
+                <a:sysClr val="windowText" lastClr="000000"/>
+              </a:solidFill>
+              <a:prstDash val="solid"/>
+              <a:miter lim="800000"/>
+            </a:ln>
+            <a:effectLst/>
+          </p:spPr>
+          <p:txBody>
+            <a:bodyPr rtlCol="0" anchor="ctr"/>
+            <a:lstStyle/>
+            <a:p>
+              <a:pPr marL="0" marR="0" lvl="0" indent="0" algn="ctr" defTabSz="914400" eaLnBrk="0" fontAlgn="base" latinLnBrk="0" hangingPunct="0">
+                <a:lnSpc>
+                  <a:spcPct val="100000"/>
+                </a:lnSpc>
+                <a:spcBef>
+                  <a:spcPct val="50000"/>
+                </a:spcBef>
+                <a:spcAft>
+                  <a:spcPct val="0"/>
+                </a:spcAft>
+                <a:buClrTx/>
+                <a:buSzTx/>
+                <a:buFontTx/>
+                <a:buNone/>
+                <a:tabLst/>
+                <a:defRPr/>
+              </a:pPr>
+              <a:endParaRPr kumimoji="0" lang="en-US" sz="1800" b="0" i="0" u="none" strike="noStrike" kern="0" cap="none" spc="0" normalizeH="0" baseline="0" noProof="0">
+                <a:ln>
+                  <a:noFill/>
+                </a:ln>
+                <a:solidFill>
+                  <a:prstClr val="white"/>
+                </a:solidFill>
+                <a:effectLst>
+                  <a:outerShdw blurRad="38100" dist="38100" dir="2700000" algn="tl">
+                    <a:srgbClr val="000000">
+                      <a:alpha val="43137"/>
+                    </a:srgbClr>
+                  </a:outerShdw>
+                </a:effectLst>
+                <a:uLnTx/>
+                <a:uFillTx/>
+                <a:latin typeface="Calibri" panose="020F0502020204030204"/>
+                <a:ea typeface="+mn-ea"/>
+                <a:cs typeface="+mn-cs"/>
+              </a:endParaRPr>
+            </a:p>
+          </p:txBody>
+        </p:sp>
+        <p:sp>
+          <p:nvSpPr>
+            <p:cNvPr id="130" name="Rectangle 129">
+              <a:extLst>
+                <a:ext uri="{FF2B5EF4-FFF2-40B4-BE49-F238E27FC236}">
+                  <a16:creationId xmlns:a16="http://schemas.microsoft.com/office/drawing/2014/main" id="{4BC51905-2919-0F70-76B3-EABBFC681A8A}"/>
+                </a:ext>
+              </a:extLst>
+            </p:cNvPr>
+            <p:cNvSpPr/>
+            <p:nvPr/>
+          </p:nvSpPr>
+          <p:spPr>
+            <a:xfrm>
+              <a:off x="5270230" y="1316873"/>
+              <a:ext cx="1853303" cy="1079246"/>
+            </a:xfrm>
+            <a:prstGeom prst="rect">
+              <a:avLst/>
+            </a:prstGeom>
+            <a:solidFill>
+              <a:srgbClr val="E7E6E6"/>
+            </a:solidFill>
+            <a:ln w="12700" cap="flat" cmpd="sng" algn="ctr">
+              <a:solidFill>
+                <a:sysClr val="windowText" lastClr="000000"/>
+              </a:solidFill>
+              <a:prstDash val="solid"/>
+              <a:miter lim="800000"/>
+            </a:ln>
+            <a:effectLst/>
+          </p:spPr>
+          <p:txBody>
+            <a:bodyPr rtlCol="0" anchor="ctr"/>
+            <a:lstStyle/>
+            <a:p>
+              <a:pPr marL="0" marR="0" lvl="0" indent="0" algn="ctr" defTabSz="914400" eaLnBrk="0" fontAlgn="base" latinLnBrk="0" hangingPunct="0">
+                <a:lnSpc>
+                  <a:spcPct val="100000"/>
+                </a:lnSpc>
+                <a:spcBef>
+                  <a:spcPct val="50000"/>
+                </a:spcBef>
+                <a:spcAft>
+                  <a:spcPct val="0"/>
+                </a:spcAft>
+                <a:buClrTx/>
+                <a:buSzTx/>
+                <a:buFontTx/>
+                <a:buNone/>
+                <a:tabLst/>
+                <a:defRPr/>
+              </a:pPr>
+              <a:endParaRPr kumimoji="0" lang="en-US" sz="1800" b="0" i="0" u="none" strike="noStrike" kern="0" cap="none" spc="0" normalizeH="0" baseline="0" noProof="0">
+                <a:ln>
+                  <a:noFill/>
+                </a:ln>
+                <a:solidFill>
+                  <a:prstClr val="white"/>
+                </a:solidFill>
+                <a:effectLst>
+                  <a:outerShdw blurRad="38100" dist="38100" dir="2700000" algn="tl">
+                    <a:srgbClr val="000000">
+                      <a:alpha val="43137"/>
+                    </a:srgbClr>
+                  </a:outerShdw>
+                </a:effectLst>
+                <a:uLnTx/>
+                <a:uFillTx/>
+                <a:latin typeface="Calibri" panose="020F0502020204030204"/>
+                <a:ea typeface="+mn-ea"/>
+                <a:cs typeface="+mn-cs"/>
+              </a:endParaRPr>
+            </a:p>
+          </p:txBody>
+        </p:sp>
+        <p:grpSp>
+          <p:nvGrpSpPr>
+            <p:cNvPr id="20" name="Group 19">
+              <a:extLst>
+                <a:ext uri="{FF2B5EF4-FFF2-40B4-BE49-F238E27FC236}">
+                  <a16:creationId xmlns:a16="http://schemas.microsoft.com/office/drawing/2014/main" id="{0017EFB1-8C7E-B548-B63C-57554AD6844C}"/>
+                </a:ext>
+              </a:extLst>
+            </p:cNvPr>
+            <p:cNvGrpSpPr/>
+            <p:nvPr/>
+          </p:nvGrpSpPr>
+          <p:grpSpPr>
+            <a:xfrm>
+              <a:off x="5502763" y="1366298"/>
+              <a:ext cx="269281" cy="931939"/>
+              <a:chOff x="7432783" y="2120588"/>
+              <a:chExt cx="314960" cy="1090028"/>
+            </a:xfrm>
+          </p:grpSpPr>
+          <p:sp>
+            <p:nvSpPr>
+              <p:cNvPr id="118" name="Rectangle 117">
+                <a:extLst>
+                  <a:ext uri="{FF2B5EF4-FFF2-40B4-BE49-F238E27FC236}">
+                    <a16:creationId xmlns:a16="http://schemas.microsoft.com/office/drawing/2014/main" id="{B3450BAB-4B11-6640-B8FB-71DEE083668E}"/>
+                  </a:ext>
+                </a:extLst>
+              </p:cNvPr>
+              <p:cNvSpPr/>
+              <p:nvPr/>
+            </p:nvSpPr>
+            <p:spPr>
+              <a:xfrm>
+                <a:off x="7432783" y="2418136"/>
+                <a:ext cx="314960" cy="792480"/>
+              </a:xfrm>
+              <a:prstGeom prst="rect">
+                <a:avLst/>
+              </a:prstGeom>
+              <a:solidFill>
+                <a:srgbClr val="FFACA9"/>
+              </a:solidFill>
+              <a:ln w="12700" cap="flat" cmpd="sng" algn="ctr">
+                <a:solidFill>
+                  <a:srgbClr val="C00000"/>
+                </a:solidFill>
+                <a:prstDash val="solid"/>
+                <a:miter lim="800000"/>
+              </a:ln>
+              <a:effectLst/>
+            </p:spPr>
+            <p:txBody>
+              <a:bodyPr rtlCol="0" anchor="ctr"/>
+              <a:lstStyle/>
+              <a:p>
+                <a:pPr marL="0" marR="0" lvl="0" indent="0" algn="ctr" defTabSz="914400" eaLnBrk="0" fontAlgn="base" latinLnBrk="0" hangingPunct="0">
+                  <a:lnSpc>
+                    <a:spcPct val="100000"/>
+                  </a:lnSpc>
+                  <a:spcBef>
+                    <a:spcPct val="50000"/>
+                  </a:spcBef>
+                  <a:spcAft>
+                    <a:spcPct val="0"/>
+                  </a:spcAft>
+                  <a:buClrTx/>
+                  <a:buSzTx/>
+                  <a:buFontTx/>
+                  <a:buNone/>
+                  <a:tabLst/>
+                  <a:defRPr/>
+                </a:pPr>
+                <a:endParaRPr kumimoji="0" lang="en-US" sz="1800" b="0" i="0" u="none" strike="noStrike" kern="0" cap="none" spc="0" normalizeH="0" baseline="0" noProof="0">
+                  <a:ln>
+                    <a:noFill/>
+                  </a:ln>
+                  <a:solidFill>
+                    <a:prstClr val="white"/>
+                  </a:solidFill>
+                  <a:effectLst>
+                    <a:outerShdw blurRad="38100" dist="38100" dir="2700000" algn="tl">
+                      <a:srgbClr val="000000">
+                        <a:alpha val="43137"/>
+                      </a:srgbClr>
+                    </a:outerShdw>
+                  </a:effectLst>
+                  <a:uLnTx/>
+                  <a:uFillTx/>
+                  <a:latin typeface="Calibri" panose="020F0502020204030204"/>
+                  <a:ea typeface="+mn-ea"/>
+                  <a:cs typeface="+mn-cs"/>
+                </a:endParaRPr>
+              </a:p>
+            </p:txBody>
+          </p:sp>
+          <mc:AlternateContent xmlns:mc="http://schemas.openxmlformats.org/markup-compatibility/2006">
+            <mc:Choice xmlns:a14="http://schemas.microsoft.com/office/drawing/2010/main" Requires="a14">
+              <p:sp>
+                <p:nvSpPr>
+                  <p:cNvPr id="119" name="TextBox 118">
+                    <a:extLst>
+                      <a:ext uri="{FF2B5EF4-FFF2-40B4-BE49-F238E27FC236}">
+                        <a16:creationId xmlns:a16="http://schemas.microsoft.com/office/drawing/2014/main" id="{BEE1E159-8FE1-394B-92A9-D5A16F6DF40F}"/>
+                      </a:ext>
+                    </a:extLst>
+                  </p:cNvPr>
+                  <p:cNvSpPr txBox="1"/>
+                  <p:nvPr/>
+                </p:nvSpPr>
+                <p:spPr>
+                  <a:xfrm>
+                    <a:off x="7508061" y="2120588"/>
+                    <a:ext cx="186292" cy="251991"/>
+                  </a:xfrm>
+                  <a:prstGeom prst="rect">
+                    <a:avLst/>
+                  </a:prstGeom>
+                  <a:noFill/>
+                </p:spPr>
+                <p:txBody>
+                  <a:bodyPr wrap="none" lIns="0" tIns="0" rIns="0" bIns="0" rtlCol="0">
+                    <a:spAutoFit/>
+                  </a:bodyPr>
+                  <a:lstStyle/>
+                  <a:p>
+                    <a:pPr marL="0" marR="0" lvl="0" indent="0" defTabSz="914400" eaLnBrk="0" fontAlgn="base" latinLnBrk="0" hangingPunct="0">
+                      <a:lnSpc>
+                        <a:spcPct val="100000"/>
+                      </a:lnSpc>
+                      <a:spcBef>
+                        <a:spcPct val="50000"/>
+                      </a:spcBef>
+                      <a:spcAft>
+                        <a:spcPct val="0"/>
+                      </a:spcAft>
+                      <a:buClrTx/>
+                      <a:buSzTx/>
+                      <a:buFontTx/>
+                      <a:buNone/>
+                      <a:tabLst/>
+                      <a:defRPr/>
+                    </a:pPr>
+                    <a14:m>
+                      <m:oMathPara xmlns:m="http://schemas.openxmlformats.org/officeDocument/2006/math">
+                        <m:oMathParaPr>
+                          <m:jc m:val="centerGroup"/>
+                        </m:oMathParaPr>
+                        <m:oMath xmlns:m="http://schemas.openxmlformats.org/officeDocument/2006/math">
+                          <m:r>
+                            <a:rPr kumimoji="0" lang="en-US" sz="1400" b="0" i="1" u="none" strike="noStrike" kern="0" cap="none" spc="0" normalizeH="0" baseline="0" noProof="0" smtClean="0">
+                              <a:ln>
+                                <a:noFill/>
+                              </a:ln>
+                              <a:solidFill>
+                                <a:prstClr val="black"/>
+                              </a:solidFill>
+                              <a:effectLst/>
+                              <a:uLnTx/>
+                              <a:uFillTx/>
+                              <a:latin typeface="Cambria Math" panose="02040503050406030204" pitchFamily="18" charset="0"/>
+                              <a:ea typeface="Cambria Math" panose="02040503050406030204" pitchFamily="18" charset="0"/>
+                            </a:rPr>
+                            <m:t>𝜌</m:t>
+                          </m:r>
+                        </m:oMath>
+                      </m:oMathPara>
+                    </a14:m>
+                    <a:endParaRPr kumimoji="0" lang="en-US" sz="1400" b="0" i="0" u="none" strike="noStrike" kern="0" cap="none" spc="0" normalizeH="0" baseline="0" noProof="0">
+                      <a:ln>
+                        <a:noFill/>
+                      </a:ln>
+                      <a:solidFill>
+                        <a:prstClr val="black"/>
+                      </a:solidFill>
+                      <a:effectLst/>
+                      <a:uLnTx/>
+                      <a:uFillTx/>
+                      <a:latin typeface="Tahoma" pitchFamily="34" charset="0"/>
+                    </a:endParaRPr>
+                  </a:p>
+                </p:txBody>
+              </p:sp>
+            </mc:Choice>
+            <mc:Fallback>
+              <p:sp>
+                <p:nvSpPr>
+                  <p:cNvPr id="119" name="TextBox 118">
+                    <a:extLst>
+                      <a:ext uri="{FF2B5EF4-FFF2-40B4-BE49-F238E27FC236}">
+                        <a16:creationId xmlns:a16="http://schemas.microsoft.com/office/drawing/2014/main" id="{BEE1E159-8FE1-394B-92A9-D5A16F6DF40F}"/>
+                      </a:ext>
+                    </a:extLst>
+                  </p:cNvPr>
+                  <p:cNvSpPr txBox="1">
+                    <a:spLocks noRot="1" noChangeAspect="1" noMove="1" noResize="1" noEditPoints="1" noAdjustHandles="1" noChangeArrowheads="1" noChangeShapeType="1" noTextEdit="1"/>
+                  </p:cNvSpPr>
+                  <p:nvPr/>
+                </p:nvSpPr>
+                <p:spPr>
+                  <a:xfrm>
+                    <a:off x="7508061" y="2120588"/>
+                    <a:ext cx="186292" cy="251991"/>
+                  </a:xfrm>
+                  <a:prstGeom prst="rect">
+                    <a:avLst/>
+                  </a:prstGeom>
+                  <a:blipFill>
+                    <a:blip r:embed="rId2"/>
+                    <a:stretch>
+                      <a:fillRect l="-23077" r="-23077" b="-27778"/>
+                    </a:stretch>
+                  </a:blipFill>
+                </p:spPr>
+                <p:txBody>
+                  <a:bodyPr/>
+                  <a:lstStyle/>
+                  <a:p>
+                    <a:r>
+                      <a:rPr lang="en-US">
+                        <a:noFill/>
+                      </a:rPr>
+                      <a:t> </a:t>
+                    </a:r>
+                  </a:p>
+                </p:txBody>
+              </p:sp>
+            </mc:Fallback>
+          </mc:AlternateContent>
+        </p:grpSp>
+        <p:grpSp>
+          <p:nvGrpSpPr>
+            <p:cNvPr id="21" name="Group 20">
+              <a:extLst>
+                <a:ext uri="{FF2B5EF4-FFF2-40B4-BE49-F238E27FC236}">
+                  <a16:creationId xmlns:a16="http://schemas.microsoft.com/office/drawing/2014/main" id="{BB39C2C5-4052-7E43-838E-ED7953AFCD1C}"/>
+                </a:ext>
+              </a:extLst>
+            </p:cNvPr>
+            <p:cNvGrpSpPr/>
+            <p:nvPr/>
+          </p:nvGrpSpPr>
+          <p:grpSpPr>
+            <a:xfrm>
+              <a:off x="6153086" y="1366298"/>
+              <a:ext cx="300788" cy="931939"/>
+              <a:chOff x="8188999" y="2120588"/>
+              <a:chExt cx="351812" cy="1090028"/>
+            </a:xfrm>
+          </p:grpSpPr>
+          <p:sp>
+            <p:nvSpPr>
+              <p:cNvPr id="116" name="Rectangle 115">
+                <a:extLst>
+                  <a:ext uri="{FF2B5EF4-FFF2-40B4-BE49-F238E27FC236}">
+                    <a16:creationId xmlns:a16="http://schemas.microsoft.com/office/drawing/2014/main" id="{D031E877-E8CD-4E42-AC63-F0337AFE1FBD}"/>
+                  </a:ext>
+                </a:extLst>
+              </p:cNvPr>
+              <p:cNvSpPr/>
+              <p:nvPr/>
+            </p:nvSpPr>
+            <p:spPr>
+              <a:xfrm>
+                <a:off x="8193903" y="2418136"/>
+                <a:ext cx="314960" cy="792480"/>
+              </a:xfrm>
+              <a:prstGeom prst="rect">
+                <a:avLst/>
+              </a:prstGeom>
+              <a:solidFill>
+                <a:srgbClr val="70AD47">
+                  <a:lumMod val="60000"/>
+                  <a:lumOff val="40000"/>
+                </a:srgbClr>
+              </a:solidFill>
+              <a:ln w="12700" cap="flat" cmpd="sng" algn="ctr">
+                <a:solidFill>
+                  <a:srgbClr val="70AD47">
+                    <a:lumMod val="50000"/>
+                  </a:srgbClr>
+                </a:solidFill>
+                <a:prstDash val="solid"/>
+                <a:miter lim="800000"/>
+              </a:ln>
+              <a:effectLst/>
+            </p:spPr>
+            <p:txBody>
+              <a:bodyPr rtlCol="0" anchor="ctr"/>
+              <a:lstStyle/>
+              <a:p>
+                <a:pPr marL="0" marR="0" lvl="0" indent="0" algn="ctr" defTabSz="914400" eaLnBrk="0" fontAlgn="base" latinLnBrk="0" hangingPunct="0">
+                  <a:lnSpc>
+                    <a:spcPct val="100000"/>
+                  </a:lnSpc>
+                  <a:spcBef>
+                    <a:spcPct val="50000"/>
+                  </a:spcBef>
+                  <a:spcAft>
+                    <a:spcPct val="0"/>
+                  </a:spcAft>
+                  <a:buClrTx/>
+                  <a:buSzTx/>
+                  <a:buFontTx/>
+                  <a:buNone/>
+                  <a:tabLst/>
+                  <a:defRPr/>
+                </a:pPr>
+                <a:endParaRPr kumimoji="0" lang="en-US" sz="1800" b="0" i="0" u="none" strike="noStrike" kern="0" cap="none" spc="0" normalizeH="0" baseline="0" noProof="0">
+                  <a:ln>
+                    <a:noFill/>
+                  </a:ln>
+                  <a:solidFill>
+                    <a:prstClr val="white"/>
+                  </a:solidFill>
+                  <a:effectLst>
+                    <a:outerShdw blurRad="38100" dist="38100" dir="2700000" algn="tl">
+                      <a:srgbClr val="000000">
+                        <a:alpha val="43137"/>
+                      </a:srgbClr>
+                    </a:outerShdw>
+                  </a:effectLst>
+                  <a:uLnTx/>
+                  <a:uFillTx/>
+                  <a:latin typeface="Calibri" panose="020F0502020204030204"/>
+                  <a:ea typeface="+mn-ea"/>
+                  <a:cs typeface="+mn-cs"/>
+                </a:endParaRPr>
+              </a:p>
+            </p:txBody>
+          </p:sp>
+          <mc:AlternateContent xmlns:mc="http://schemas.openxmlformats.org/markup-compatibility/2006">
+            <mc:Choice xmlns:a14="http://schemas.microsoft.com/office/drawing/2010/main" Requires="a14">
+              <p:sp>
+                <p:nvSpPr>
+                  <p:cNvPr id="117" name="TextBox 116">
+                    <a:extLst>
+                      <a:ext uri="{FF2B5EF4-FFF2-40B4-BE49-F238E27FC236}">
+                        <a16:creationId xmlns:a16="http://schemas.microsoft.com/office/drawing/2014/main" id="{4EACDDA8-9150-FB4D-8D26-60E3E2D3E4A3}"/>
+                      </a:ext>
+                    </a:extLst>
+                  </p:cNvPr>
+                  <p:cNvSpPr txBox="1"/>
+                  <p:nvPr/>
+                </p:nvSpPr>
+                <p:spPr>
+                  <a:xfrm>
+                    <a:off x="8188999" y="2120588"/>
+                    <a:ext cx="351812" cy="271865"/>
+                  </a:xfrm>
+                  <a:prstGeom prst="rect">
+                    <a:avLst/>
+                  </a:prstGeom>
+                  <a:noFill/>
+                </p:spPr>
+                <p:txBody>
+                  <a:bodyPr wrap="none" lIns="0" tIns="0" rIns="0" bIns="0" rtlCol="0">
+                    <a:spAutoFit/>
+                  </a:bodyPr>
+                  <a:lstStyle/>
+                  <a:p>
+                    <a:pPr marL="0" marR="0" lvl="0" indent="0" defTabSz="914400" eaLnBrk="0" fontAlgn="base" latinLnBrk="0" hangingPunct="0">
+                      <a:lnSpc>
+                        <a:spcPct val="100000"/>
+                      </a:lnSpc>
+                      <a:spcBef>
+                        <a:spcPct val="50000"/>
+                      </a:spcBef>
+                      <a:spcAft>
+                        <a:spcPct val="0"/>
+                      </a:spcAft>
+                      <a:buClrTx/>
+                      <a:buSzTx/>
+                      <a:buFontTx/>
+                      <a:buNone/>
+                      <a:tabLst/>
+                      <a:defRPr/>
+                    </a:pPr>
+                    <a14:m>
+                      <m:oMathPara xmlns:m="http://schemas.openxmlformats.org/officeDocument/2006/math">
+                        <m:oMathParaPr>
+                          <m:jc m:val="centerGroup"/>
+                        </m:oMathParaPr>
+                        <m:oMath xmlns:m="http://schemas.openxmlformats.org/officeDocument/2006/math">
+                          <m:sSub>
+                            <m:sSubPr>
+                              <m:ctrlPr>
+                                <a:rPr kumimoji="0" lang="en-US" sz="1400" b="0" i="1" u="none" strike="noStrike" kern="0" cap="none" spc="0" normalizeH="0" baseline="0" noProof="0" smtClean="0">
+                                  <a:ln>
+                                    <a:noFill/>
+                                  </a:ln>
+                                  <a:solidFill>
+                                    <a:prstClr val="black"/>
+                                  </a:solidFill>
+                                  <a:effectLst/>
+                                  <a:uLnTx/>
+                                  <a:uFillTx/>
+                                  <a:latin typeface="Cambria Math" panose="02040503050406030204" pitchFamily="18" charset="0"/>
+                                  <a:ea typeface="Cambria Math" panose="02040503050406030204" pitchFamily="18" charset="0"/>
+                                </a:rPr>
+                              </m:ctrlPr>
+                            </m:sSubPr>
+                            <m:e>
+                              <m:r>
+                                <a:rPr kumimoji="0" lang="en-US" sz="1400" b="0" i="1" u="none" strike="noStrike" kern="0" cap="none" spc="0" normalizeH="0" baseline="0" noProof="0" smtClean="0">
+                                  <a:ln>
+                                    <a:noFill/>
+                                  </a:ln>
+                                  <a:solidFill>
+                                    <a:prstClr val="black"/>
+                                  </a:solidFill>
+                                  <a:effectLst/>
+                                  <a:uLnTx/>
+                                  <a:uFillTx/>
+                                  <a:latin typeface="Cambria Math" panose="02040503050406030204" pitchFamily="18" charset="0"/>
+                                  <a:ea typeface="Cambria Math" panose="02040503050406030204" pitchFamily="18" charset="0"/>
+                                </a:rPr>
+                                <m:t>𝑚</m:t>
+                              </m:r>
+                            </m:e>
+                            <m:sub>
+                              <m:r>
+                                <a:rPr kumimoji="0" lang="en-US" sz="1400" b="0" i="1" u="none" strike="noStrike" kern="0" cap="none" spc="0" normalizeH="0" baseline="0" noProof="0" smtClean="0">
+                                  <a:ln>
+                                    <a:noFill/>
+                                  </a:ln>
+                                  <a:solidFill>
+                                    <a:prstClr val="black"/>
+                                  </a:solidFill>
+                                  <a:effectLst/>
+                                  <a:uLnTx/>
+                                  <a:uFillTx/>
+                                  <a:latin typeface="Cambria Math" panose="02040503050406030204" pitchFamily="18" charset="0"/>
+                                  <a:ea typeface="Cambria Math" panose="02040503050406030204" pitchFamily="18" charset="0"/>
+                                </a:rPr>
+                                <m:t>𝑦</m:t>
+                              </m:r>
+                            </m:sub>
+                          </m:sSub>
+                        </m:oMath>
+                      </m:oMathPara>
+                    </a14:m>
+                    <a:endParaRPr kumimoji="0" lang="en-US" sz="1400" b="0" i="0" u="none" strike="noStrike" kern="0" cap="none" spc="0" normalizeH="0" baseline="0" noProof="0">
+                      <a:ln>
+                        <a:noFill/>
+                      </a:ln>
+                      <a:solidFill>
+                        <a:prstClr val="black"/>
+                      </a:solidFill>
+                      <a:effectLst/>
+                      <a:uLnTx/>
+                      <a:uFillTx/>
+                      <a:latin typeface="Tahoma" pitchFamily="34" charset="0"/>
+                    </a:endParaRPr>
+                  </a:p>
+                </p:txBody>
+              </p:sp>
+            </mc:Choice>
+            <mc:Fallback>
+              <p:sp>
+                <p:nvSpPr>
+                  <p:cNvPr id="117" name="TextBox 116">
+                    <a:extLst>
+                      <a:ext uri="{FF2B5EF4-FFF2-40B4-BE49-F238E27FC236}">
+                        <a16:creationId xmlns:a16="http://schemas.microsoft.com/office/drawing/2014/main" id="{4EACDDA8-9150-FB4D-8D26-60E3E2D3E4A3}"/>
+                      </a:ext>
+                    </a:extLst>
+                  </p:cNvPr>
+                  <p:cNvSpPr txBox="1">
+                    <a:spLocks noRot="1" noChangeAspect="1" noMove="1" noResize="1" noEditPoints="1" noAdjustHandles="1" noChangeArrowheads="1" noChangeShapeType="1" noTextEdit="1"/>
+                  </p:cNvSpPr>
+                  <p:nvPr/>
+                </p:nvSpPr>
+                <p:spPr>
+                  <a:xfrm>
+                    <a:off x="8188999" y="2120588"/>
+                    <a:ext cx="351812" cy="271865"/>
+                  </a:xfrm>
+                  <a:prstGeom prst="rect">
+                    <a:avLst/>
+                  </a:prstGeom>
+                  <a:blipFill>
+                    <a:blip r:embed="rId3"/>
+                    <a:stretch>
+                      <a:fillRect l="-8000" b="-21053"/>
+                    </a:stretch>
+                  </a:blipFill>
+                </p:spPr>
+                <p:txBody>
+                  <a:bodyPr/>
+                  <a:lstStyle/>
+                  <a:p>
+                    <a:r>
+                      <a:rPr lang="en-US">
+                        <a:noFill/>
+                      </a:rPr>
+                      <a:t> </a:t>
+                    </a:r>
+                  </a:p>
+                </p:txBody>
+              </p:sp>
+            </mc:Fallback>
+          </mc:AlternateContent>
+        </p:grpSp>
+        <p:grpSp>
+          <p:nvGrpSpPr>
+            <p:cNvPr id="22" name="Group 21">
+              <a:extLst>
+                <a:ext uri="{FF2B5EF4-FFF2-40B4-BE49-F238E27FC236}">
+                  <a16:creationId xmlns:a16="http://schemas.microsoft.com/office/drawing/2014/main" id="{BFFC4387-DF64-C14B-9148-547BBEBA461E}"/>
+                </a:ext>
+              </a:extLst>
+            </p:cNvPr>
+            <p:cNvGrpSpPr/>
+            <p:nvPr/>
+          </p:nvGrpSpPr>
+          <p:grpSpPr>
+            <a:xfrm>
+              <a:off x="6485015" y="1366298"/>
+              <a:ext cx="288865" cy="931939"/>
+              <a:chOff x="8589061" y="2120588"/>
+              <a:chExt cx="337866" cy="1090028"/>
+            </a:xfrm>
+          </p:grpSpPr>
+          <p:sp>
+            <p:nvSpPr>
+              <p:cNvPr id="114" name="Rectangle 113">
+                <a:extLst>
+                  <a:ext uri="{FF2B5EF4-FFF2-40B4-BE49-F238E27FC236}">
+                    <a16:creationId xmlns:a16="http://schemas.microsoft.com/office/drawing/2014/main" id="{FF40E3A8-CCA0-4642-B3CB-B526BFCA372C}"/>
+                  </a:ext>
+                </a:extLst>
+              </p:cNvPr>
+              <p:cNvSpPr/>
+              <p:nvPr/>
+            </p:nvSpPr>
+            <p:spPr>
+              <a:xfrm>
+                <a:off x="8589061" y="2418136"/>
+                <a:ext cx="314960" cy="792480"/>
+              </a:xfrm>
+              <a:prstGeom prst="rect">
+                <a:avLst/>
+              </a:prstGeom>
+              <a:solidFill>
+                <a:srgbClr val="A7FEFF"/>
+              </a:solidFill>
+              <a:ln w="12700" cap="flat" cmpd="sng" algn="ctr">
+                <a:solidFill>
+                  <a:srgbClr val="00B0F0"/>
+                </a:solidFill>
+                <a:prstDash val="solid"/>
+                <a:miter lim="800000"/>
+              </a:ln>
+              <a:effectLst/>
+            </p:spPr>
+            <p:txBody>
+              <a:bodyPr rtlCol="0" anchor="ctr"/>
+              <a:lstStyle/>
+              <a:p>
+                <a:pPr marL="0" marR="0" lvl="0" indent="0" algn="ctr" defTabSz="914400" eaLnBrk="0" fontAlgn="base" latinLnBrk="0" hangingPunct="0">
+                  <a:lnSpc>
+                    <a:spcPct val="100000"/>
+                  </a:lnSpc>
+                  <a:spcBef>
+                    <a:spcPct val="50000"/>
+                  </a:spcBef>
+                  <a:spcAft>
+                    <a:spcPct val="0"/>
+                  </a:spcAft>
+                  <a:buClrTx/>
+                  <a:buSzTx/>
+                  <a:buFontTx/>
+                  <a:buNone/>
+                  <a:tabLst/>
+                  <a:defRPr/>
+                </a:pPr>
+                <a:endParaRPr kumimoji="0" lang="en-US" sz="1800" b="0" i="0" u="none" strike="noStrike" kern="0" cap="none" spc="0" normalizeH="0" baseline="0" noProof="0">
+                  <a:ln>
+                    <a:noFill/>
+                  </a:ln>
+                  <a:solidFill>
+                    <a:prstClr val="white"/>
+                  </a:solidFill>
+                  <a:effectLst>
+                    <a:outerShdw blurRad="38100" dist="38100" dir="2700000" algn="tl">
+                      <a:srgbClr val="000000">
+                        <a:alpha val="43137"/>
+                      </a:srgbClr>
+                    </a:outerShdw>
+                  </a:effectLst>
+                  <a:uLnTx/>
+                  <a:uFillTx/>
+                  <a:latin typeface="Calibri" panose="020F0502020204030204"/>
+                  <a:ea typeface="+mn-ea"/>
+                  <a:cs typeface="+mn-cs"/>
+                </a:endParaRPr>
+              </a:p>
+            </p:txBody>
+          </p:sp>
+          <mc:AlternateContent xmlns:mc="http://schemas.openxmlformats.org/markup-compatibility/2006">
+            <mc:Choice xmlns:a14="http://schemas.microsoft.com/office/drawing/2010/main" Requires="a14">
+              <p:sp>
+                <p:nvSpPr>
+                  <p:cNvPr id="115" name="TextBox 114">
+                    <a:extLst>
+                      <a:ext uri="{FF2B5EF4-FFF2-40B4-BE49-F238E27FC236}">
+                        <a16:creationId xmlns:a16="http://schemas.microsoft.com/office/drawing/2014/main" id="{39253BAC-B374-854B-A4D8-762453234EDB}"/>
+                      </a:ext>
+                    </a:extLst>
+                  </p:cNvPr>
+                  <p:cNvSpPr txBox="1"/>
+                  <p:nvPr/>
+                </p:nvSpPr>
+                <p:spPr>
+                  <a:xfrm>
+                    <a:off x="8592364" y="2120588"/>
+                    <a:ext cx="334563" cy="251991"/>
+                  </a:xfrm>
+                  <a:prstGeom prst="rect">
+                    <a:avLst/>
+                  </a:prstGeom>
+                  <a:noFill/>
+                </p:spPr>
+                <p:txBody>
+                  <a:bodyPr wrap="none" lIns="0" tIns="0" rIns="0" bIns="0" rtlCol="0">
+                    <a:spAutoFit/>
+                  </a:bodyPr>
+                  <a:lstStyle/>
+                  <a:p>
+                    <a:pPr marL="0" marR="0" lvl="0" indent="0" defTabSz="914400" eaLnBrk="0" fontAlgn="base" latinLnBrk="0" hangingPunct="0">
+                      <a:lnSpc>
+                        <a:spcPct val="100000"/>
+                      </a:lnSpc>
+                      <a:spcBef>
+                        <a:spcPct val="50000"/>
+                      </a:spcBef>
+                      <a:spcAft>
+                        <a:spcPct val="0"/>
+                      </a:spcAft>
+                      <a:buClrTx/>
+                      <a:buSzTx/>
+                      <a:buFontTx/>
+                      <a:buNone/>
+                      <a:tabLst/>
+                      <a:defRPr/>
+                    </a:pPr>
+                    <a14:m>
+                      <m:oMathPara xmlns:m="http://schemas.openxmlformats.org/officeDocument/2006/math">
+                        <m:oMathParaPr>
+                          <m:jc m:val="centerGroup"/>
+                        </m:oMathParaPr>
+                        <m:oMath xmlns:m="http://schemas.openxmlformats.org/officeDocument/2006/math">
+                          <m:sSub>
+                            <m:sSubPr>
+                              <m:ctrlPr>
+                                <a:rPr kumimoji="0" lang="en-US" sz="1400" b="0" i="1" u="none" strike="noStrike" kern="0" cap="none" spc="0" normalizeH="0" baseline="0" noProof="0" smtClean="0">
+                                  <a:ln>
+                                    <a:noFill/>
+                                  </a:ln>
+                                  <a:solidFill>
+                                    <a:prstClr val="black"/>
+                                  </a:solidFill>
+                                  <a:effectLst/>
+                                  <a:uLnTx/>
+                                  <a:uFillTx/>
+                                  <a:latin typeface="Cambria Math" panose="02040503050406030204" pitchFamily="18" charset="0"/>
+                                  <a:ea typeface="Cambria Math" panose="02040503050406030204" pitchFamily="18" charset="0"/>
+                                </a:rPr>
+                              </m:ctrlPr>
+                            </m:sSubPr>
+                            <m:e>
+                              <m:r>
+                                <a:rPr kumimoji="0" lang="en-US" sz="1400" b="0" i="1" u="none" strike="noStrike" kern="0" cap="none" spc="0" normalizeH="0" baseline="0" noProof="0" smtClean="0">
+                                  <a:ln>
+                                    <a:noFill/>
+                                  </a:ln>
+                                  <a:solidFill>
+                                    <a:prstClr val="black"/>
+                                  </a:solidFill>
+                                  <a:effectLst/>
+                                  <a:uLnTx/>
+                                  <a:uFillTx/>
+                                  <a:latin typeface="Cambria Math" panose="02040503050406030204" pitchFamily="18" charset="0"/>
+                                  <a:ea typeface="Cambria Math" panose="02040503050406030204" pitchFamily="18" charset="0"/>
+                                </a:rPr>
+                                <m:t>𝑚</m:t>
+                              </m:r>
+                            </m:e>
+                            <m:sub>
+                              <m:r>
+                                <a:rPr kumimoji="0" lang="en-US" sz="1400" b="0" i="1" u="none" strike="noStrike" kern="0" cap="none" spc="0" normalizeH="0" baseline="0" noProof="0" smtClean="0">
+                                  <a:ln>
+                                    <a:noFill/>
+                                  </a:ln>
+                                  <a:solidFill>
+                                    <a:prstClr val="black"/>
+                                  </a:solidFill>
+                                  <a:effectLst/>
+                                  <a:uLnTx/>
+                                  <a:uFillTx/>
+                                  <a:latin typeface="Cambria Math" panose="02040503050406030204" pitchFamily="18" charset="0"/>
+                                  <a:ea typeface="Cambria Math" panose="02040503050406030204" pitchFamily="18" charset="0"/>
+                                </a:rPr>
+                                <m:t>𝑧</m:t>
+                              </m:r>
+                            </m:sub>
+                          </m:sSub>
+                        </m:oMath>
+                      </m:oMathPara>
+                    </a14:m>
+                    <a:endParaRPr kumimoji="0" lang="en-US" sz="1400" b="0" i="0" u="none" strike="noStrike" kern="0" cap="none" spc="0" normalizeH="0" baseline="0" noProof="0">
+                      <a:ln>
+                        <a:noFill/>
+                      </a:ln>
+                      <a:solidFill>
+                        <a:prstClr val="black"/>
+                      </a:solidFill>
+                      <a:effectLst/>
+                      <a:uLnTx/>
+                      <a:uFillTx/>
+                      <a:latin typeface="Tahoma" pitchFamily="34" charset="0"/>
+                    </a:endParaRPr>
+                  </a:p>
+                </p:txBody>
+              </p:sp>
+            </mc:Choice>
+            <mc:Fallback>
+              <p:sp>
+                <p:nvSpPr>
+                  <p:cNvPr id="115" name="TextBox 114">
+                    <a:extLst>
+                      <a:ext uri="{FF2B5EF4-FFF2-40B4-BE49-F238E27FC236}">
+                        <a16:creationId xmlns:a16="http://schemas.microsoft.com/office/drawing/2014/main" id="{39253BAC-B374-854B-A4D8-762453234EDB}"/>
+                      </a:ext>
+                    </a:extLst>
+                  </p:cNvPr>
+                  <p:cNvSpPr txBox="1">
+                    <a:spLocks noRot="1" noChangeAspect="1" noMove="1" noResize="1" noEditPoints="1" noAdjustHandles="1" noChangeArrowheads="1" noChangeShapeType="1" noTextEdit="1"/>
+                  </p:cNvSpPr>
+                  <p:nvPr/>
+                </p:nvSpPr>
+                <p:spPr>
+                  <a:xfrm>
+                    <a:off x="8592364" y="2120588"/>
+                    <a:ext cx="334563" cy="251991"/>
+                  </a:xfrm>
+                  <a:prstGeom prst="rect">
+                    <a:avLst/>
+                  </a:prstGeom>
+                  <a:blipFill>
+                    <a:blip r:embed="rId4"/>
+                    <a:stretch>
+                      <a:fillRect l="-4167" b="-16667"/>
+                    </a:stretch>
+                  </a:blipFill>
+                </p:spPr>
+                <p:txBody>
+                  <a:bodyPr/>
+                  <a:lstStyle/>
+                  <a:p>
+                    <a:r>
+                      <a:rPr lang="en-US">
+                        <a:noFill/>
+                      </a:rPr>
+                      <a:t> </a:t>
+                    </a:r>
+                  </a:p>
+                </p:txBody>
+              </p:sp>
+            </mc:Fallback>
+          </mc:AlternateContent>
+        </p:grpSp>
+        <p:grpSp>
+          <p:nvGrpSpPr>
+            <p:cNvPr id="23" name="Group 22">
+              <a:extLst>
+                <a:ext uri="{FF2B5EF4-FFF2-40B4-BE49-F238E27FC236}">
+                  <a16:creationId xmlns:a16="http://schemas.microsoft.com/office/drawing/2014/main" id="{C5EFA04F-63EB-544D-998D-169BA363D9D5}"/>
+                </a:ext>
+              </a:extLst>
+            </p:cNvPr>
+            <p:cNvGrpSpPr/>
+            <p:nvPr/>
+          </p:nvGrpSpPr>
+          <p:grpSpPr>
+            <a:xfrm>
+              <a:off x="921003" y="1366298"/>
+              <a:ext cx="269281" cy="931939"/>
+              <a:chOff x="2124793" y="2120588"/>
+              <a:chExt cx="314960" cy="1090028"/>
+            </a:xfrm>
+          </p:grpSpPr>
+          <p:sp>
+            <p:nvSpPr>
+              <p:cNvPr id="112" name="Rectangle 111">
+                <a:extLst>
+                  <a:ext uri="{FF2B5EF4-FFF2-40B4-BE49-F238E27FC236}">
+                    <a16:creationId xmlns:a16="http://schemas.microsoft.com/office/drawing/2014/main" id="{C486A9C9-F9B8-3C4F-9C22-D41E32E857B1}"/>
+                  </a:ext>
+                </a:extLst>
+              </p:cNvPr>
+              <p:cNvSpPr/>
+              <p:nvPr/>
+            </p:nvSpPr>
+            <p:spPr>
+              <a:xfrm>
+                <a:off x="2124793" y="2418136"/>
+                <a:ext cx="314960" cy="792480"/>
+              </a:xfrm>
+              <a:prstGeom prst="rect">
+                <a:avLst/>
+              </a:prstGeom>
+              <a:solidFill>
+                <a:srgbClr val="FFACA9"/>
+              </a:solidFill>
+              <a:ln w="12700" cap="flat" cmpd="sng" algn="ctr">
+                <a:solidFill>
+                  <a:srgbClr val="C00000"/>
+                </a:solidFill>
+                <a:prstDash val="solid"/>
+                <a:miter lim="800000"/>
+              </a:ln>
+              <a:effectLst/>
+            </p:spPr>
+            <p:txBody>
+              <a:bodyPr rtlCol="0" anchor="ctr"/>
+              <a:lstStyle/>
+              <a:p>
+                <a:pPr marL="0" marR="0" lvl="0" indent="0" algn="ctr" defTabSz="914400" eaLnBrk="0" fontAlgn="base" latinLnBrk="0" hangingPunct="0">
+                  <a:lnSpc>
+                    <a:spcPct val="100000"/>
+                  </a:lnSpc>
+                  <a:spcBef>
+                    <a:spcPct val="50000"/>
+                  </a:spcBef>
+                  <a:spcAft>
+                    <a:spcPct val="0"/>
+                  </a:spcAft>
+                  <a:buClrTx/>
+                  <a:buSzTx/>
+                  <a:buFontTx/>
+                  <a:buNone/>
+                  <a:tabLst/>
+                  <a:defRPr/>
+                </a:pPr>
+                <a:endParaRPr kumimoji="0" lang="en-US" sz="1800" b="0" i="0" u="none" strike="noStrike" kern="0" cap="none" spc="0" normalizeH="0" baseline="0" noProof="0">
+                  <a:ln>
+                    <a:noFill/>
+                  </a:ln>
+                  <a:solidFill>
+                    <a:prstClr val="white"/>
+                  </a:solidFill>
+                  <a:effectLst>
+                    <a:outerShdw blurRad="38100" dist="38100" dir="2700000" algn="tl">
+                      <a:srgbClr val="000000">
+                        <a:alpha val="43137"/>
+                      </a:srgbClr>
+                    </a:outerShdw>
+                  </a:effectLst>
+                  <a:uLnTx/>
+                  <a:uFillTx/>
+                  <a:latin typeface="Calibri" panose="020F0502020204030204"/>
+                  <a:ea typeface="+mn-ea"/>
+                  <a:cs typeface="+mn-cs"/>
+                </a:endParaRPr>
+              </a:p>
+            </p:txBody>
+          </p:sp>
+          <mc:AlternateContent xmlns:mc="http://schemas.openxmlformats.org/markup-compatibility/2006">
+            <mc:Choice xmlns:a14="http://schemas.microsoft.com/office/drawing/2010/main" Requires="a14">
+              <p:sp>
+                <p:nvSpPr>
+                  <p:cNvPr id="113" name="TextBox 112">
+                    <a:extLst>
+                      <a:ext uri="{FF2B5EF4-FFF2-40B4-BE49-F238E27FC236}">
+                        <a16:creationId xmlns:a16="http://schemas.microsoft.com/office/drawing/2014/main" id="{6D78AE8D-14FC-C242-8F25-ABA4AADFD7FB}"/>
+                      </a:ext>
+                    </a:extLst>
+                  </p:cNvPr>
+                  <p:cNvSpPr txBox="1"/>
+                  <p:nvPr/>
+                </p:nvSpPr>
+                <p:spPr>
+                  <a:xfrm>
+                    <a:off x="2200071" y="2120588"/>
+                    <a:ext cx="186292" cy="251991"/>
+                  </a:xfrm>
+                  <a:prstGeom prst="rect">
+                    <a:avLst/>
+                  </a:prstGeom>
+                  <a:noFill/>
+                </p:spPr>
+                <p:txBody>
+                  <a:bodyPr wrap="none" lIns="0" tIns="0" rIns="0" bIns="0" rtlCol="0">
+                    <a:spAutoFit/>
+                  </a:bodyPr>
+                  <a:lstStyle/>
+                  <a:p>
+                    <a:pPr marL="0" marR="0" lvl="0" indent="0" defTabSz="914400" eaLnBrk="0" fontAlgn="base" latinLnBrk="0" hangingPunct="0">
+                      <a:lnSpc>
+                        <a:spcPct val="100000"/>
+                      </a:lnSpc>
+                      <a:spcBef>
+                        <a:spcPct val="50000"/>
+                      </a:spcBef>
+                      <a:spcAft>
+                        <a:spcPct val="0"/>
+                      </a:spcAft>
+                      <a:buClrTx/>
+                      <a:buSzTx/>
+                      <a:buFontTx/>
+                      <a:buNone/>
+                      <a:tabLst/>
+                      <a:defRPr/>
+                    </a:pPr>
+                    <a14:m>
+                      <m:oMathPara xmlns:m="http://schemas.openxmlformats.org/officeDocument/2006/math">
+                        <m:oMathParaPr>
+                          <m:jc m:val="centerGroup"/>
+                        </m:oMathParaPr>
+                        <m:oMath xmlns:m="http://schemas.openxmlformats.org/officeDocument/2006/math">
+                          <m:r>
+                            <a:rPr kumimoji="0" lang="en-US" sz="1400" b="0" i="1" u="none" strike="noStrike" kern="0" cap="none" spc="0" normalizeH="0" baseline="0" noProof="0" smtClean="0">
+                              <a:ln>
+                                <a:noFill/>
+                              </a:ln>
+                              <a:solidFill>
+                                <a:prstClr val="black"/>
+                              </a:solidFill>
+                              <a:effectLst/>
+                              <a:uLnTx/>
+                              <a:uFillTx/>
+                              <a:latin typeface="Cambria Math" panose="02040503050406030204" pitchFamily="18" charset="0"/>
+                              <a:ea typeface="Cambria Math" panose="02040503050406030204" pitchFamily="18" charset="0"/>
+                            </a:rPr>
+                            <m:t>𝜌</m:t>
+                          </m:r>
+                        </m:oMath>
+                      </m:oMathPara>
+                    </a14:m>
+                    <a:endParaRPr kumimoji="0" lang="en-US" sz="1400" b="0" i="0" u="none" strike="noStrike" kern="0" cap="none" spc="0" normalizeH="0" baseline="0" noProof="0" dirty="0">
+                      <a:ln>
+                        <a:noFill/>
+                      </a:ln>
+                      <a:solidFill>
+                        <a:prstClr val="black"/>
+                      </a:solidFill>
+                      <a:effectLst/>
+                      <a:uLnTx/>
+                      <a:uFillTx/>
+                      <a:latin typeface="Tahoma" pitchFamily="34" charset="0"/>
+                    </a:endParaRPr>
+                  </a:p>
+                </p:txBody>
+              </p:sp>
+            </mc:Choice>
+            <mc:Fallback>
+              <p:sp>
+                <p:nvSpPr>
+                  <p:cNvPr id="113" name="TextBox 112">
+                    <a:extLst>
+                      <a:ext uri="{FF2B5EF4-FFF2-40B4-BE49-F238E27FC236}">
+                        <a16:creationId xmlns:a16="http://schemas.microsoft.com/office/drawing/2014/main" id="{6D78AE8D-14FC-C242-8F25-ABA4AADFD7FB}"/>
+                      </a:ext>
+                    </a:extLst>
+                  </p:cNvPr>
+                  <p:cNvSpPr txBox="1">
+                    <a:spLocks noRot="1" noChangeAspect="1" noMove="1" noResize="1" noEditPoints="1" noAdjustHandles="1" noChangeArrowheads="1" noChangeShapeType="1" noTextEdit="1"/>
+                  </p:cNvSpPr>
+                  <p:nvPr/>
+                </p:nvSpPr>
+                <p:spPr>
+                  <a:xfrm>
+                    <a:off x="2200071" y="2120588"/>
+                    <a:ext cx="186292" cy="251991"/>
+                  </a:xfrm>
+                  <a:prstGeom prst="rect">
+                    <a:avLst/>
+                  </a:prstGeom>
+                  <a:blipFill>
+                    <a:blip r:embed="rId5"/>
+                    <a:stretch>
+                      <a:fillRect l="-21429" r="-21429" b="-27778"/>
+                    </a:stretch>
+                  </a:blipFill>
+                </p:spPr>
+                <p:txBody>
+                  <a:bodyPr/>
+                  <a:lstStyle/>
+                  <a:p>
+                    <a:r>
+                      <a:rPr lang="en-US">
+                        <a:noFill/>
+                      </a:rPr>
+                      <a:t> </a:t>
+                    </a:r>
+                  </a:p>
+                </p:txBody>
+              </p:sp>
+            </mc:Fallback>
+          </mc:AlternateContent>
+        </p:grpSp>
+        <p:grpSp>
+          <p:nvGrpSpPr>
+            <p:cNvPr id="24" name="Group 23">
+              <a:extLst>
+                <a:ext uri="{FF2B5EF4-FFF2-40B4-BE49-F238E27FC236}">
+                  <a16:creationId xmlns:a16="http://schemas.microsoft.com/office/drawing/2014/main" id="{B3AB0ACE-C725-3B4A-A3D2-EE031EBBD6B5}"/>
+                </a:ext>
+              </a:extLst>
+            </p:cNvPr>
+            <p:cNvGrpSpPr/>
+            <p:nvPr/>
+          </p:nvGrpSpPr>
+          <p:grpSpPr>
+            <a:xfrm>
+              <a:off x="5826307" y="1366298"/>
+              <a:ext cx="294696" cy="931939"/>
+              <a:chOff x="7813282" y="2120588"/>
+              <a:chExt cx="344687" cy="1090028"/>
+            </a:xfrm>
+          </p:grpSpPr>
+          <p:sp>
+            <p:nvSpPr>
+              <p:cNvPr id="110" name="Rectangle 109">
+                <a:extLst>
+                  <a:ext uri="{FF2B5EF4-FFF2-40B4-BE49-F238E27FC236}">
+                    <a16:creationId xmlns:a16="http://schemas.microsoft.com/office/drawing/2014/main" id="{91E58760-89EE-FB4B-AA46-2746BA6B6641}"/>
+                  </a:ext>
+                </a:extLst>
+              </p:cNvPr>
+              <p:cNvSpPr/>
+              <p:nvPr/>
+            </p:nvSpPr>
+            <p:spPr>
+              <a:xfrm>
+                <a:off x="7815173" y="2418136"/>
+                <a:ext cx="314960" cy="792480"/>
+              </a:xfrm>
+              <a:prstGeom prst="rect">
+                <a:avLst/>
+              </a:prstGeom>
+              <a:solidFill>
+                <a:srgbClr val="AB82FF"/>
+              </a:solidFill>
+              <a:ln w="12700" cap="flat" cmpd="sng" algn="ctr">
+                <a:solidFill>
+                  <a:srgbClr val="7030A0"/>
+                </a:solidFill>
+                <a:prstDash val="solid"/>
+                <a:miter lim="800000"/>
+              </a:ln>
+              <a:effectLst/>
+            </p:spPr>
+            <p:txBody>
+              <a:bodyPr rtlCol="0" anchor="ctr"/>
+              <a:lstStyle/>
+              <a:p>
+                <a:pPr marL="0" marR="0" lvl="0" indent="0" algn="ctr" defTabSz="914400" eaLnBrk="0" fontAlgn="base" latinLnBrk="0" hangingPunct="0">
+                  <a:lnSpc>
+                    <a:spcPct val="100000"/>
+                  </a:lnSpc>
+                  <a:spcBef>
+                    <a:spcPct val="50000"/>
+                  </a:spcBef>
+                  <a:spcAft>
+                    <a:spcPct val="0"/>
+                  </a:spcAft>
+                  <a:buClrTx/>
+                  <a:buSzTx/>
+                  <a:buFontTx/>
+                  <a:buNone/>
+                  <a:tabLst/>
+                  <a:defRPr/>
+                </a:pPr>
+                <a:endParaRPr kumimoji="0" lang="en-US" sz="1800" b="0" i="0" u="none" strike="noStrike" kern="0" cap="none" spc="0" normalizeH="0" baseline="0" noProof="0">
+                  <a:ln>
+                    <a:noFill/>
+                  </a:ln>
+                  <a:solidFill>
+                    <a:prstClr val="black"/>
+                  </a:solidFill>
+                  <a:effectLst>
+                    <a:outerShdw blurRad="38100" dist="38100" dir="2700000" algn="tl">
+                      <a:srgbClr val="000000">
+                        <a:alpha val="43137"/>
+                      </a:srgbClr>
+                    </a:outerShdw>
+                  </a:effectLst>
+                  <a:uLnTx/>
+                  <a:uFillTx/>
+                  <a:latin typeface="Calibri" panose="020F0502020204030204"/>
+                  <a:ea typeface="+mn-ea"/>
+                  <a:cs typeface="+mn-cs"/>
+                </a:endParaRPr>
+              </a:p>
+            </p:txBody>
+          </p:sp>
+          <mc:AlternateContent xmlns:mc="http://schemas.openxmlformats.org/markup-compatibility/2006">
+            <mc:Choice xmlns:a14="http://schemas.microsoft.com/office/drawing/2010/main" Requires="a14">
+              <p:sp>
+                <p:nvSpPr>
+                  <p:cNvPr id="111" name="TextBox 110">
+                    <a:extLst>
+                      <a:ext uri="{FF2B5EF4-FFF2-40B4-BE49-F238E27FC236}">
+                        <a16:creationId xmlns:a16="http://schemas.microsoft.com/office/drawing/2014/main" id="{025D7B10-D0D6-EA4E-A195-7F5E6E9CFEBE}"/>
+                      </a:ext>
+                    </a:extLst>
+                  </p:cNvPr>
+                  <p:cNvSpPr txBox="1"/>
+                  <p:nvPr/>
+                </p:nvSpPr>
+                <p:spPr>
+                  <a:xfrm>
+                    <a:off x="7813282" y="2120588"/>
+                    <a:ext cx="344687" cy="251991"/>
+                  </a:xfrm>
+                  <a:prstGeom prst="rect">
+                    <a:avLst/>
+                  </a:prstGeom>
+                  <a:noFill/>
+                </p:spPr>
+                <p:txBody>
+                  <a:bodyPr wrap="none" lIns="0" tIns="0" rIns="0" bIns="0" rtlCol="0">
+                    <a:spAutoFit/>
+                  </a:bodyPr>
+                  <a:lstStyle/>
+                  <a:p>
+                    <a:pPr marL="0" marR="0" lvl="0" indent="0" defTabSz="914400" eaLnBrk="0" fontAlgn="base" latinLnBrk="0" hangingPunct="0">
+                      <a:lnSpc>
+                        <a:spcPct val="100000"/>
+                      </a:lnSpc>
+                      <a:spcBef>
+                        <a:spcPct val="50000"/>
+                      </a:spcBef>
+                      <a:spcAft>
+                        <a:spcPct val="0"/>
+                      </a:spcAft>
+                      <a:buClrTx/>
+                      <a:buSzTx/>
+                      <a:buFontTx/>
+                      <a:buNone/>
+                      <a:tabLst/>
+                      <a:defRPr/>
+                    </a:pPr>
+                    <a14:m>
+                      <m:oMathPara xmlns:m="http://schemas.openxmlformats.org/officeDocument/2006/math">
+                        <m:oMathParaPr>
+                          <m:jc m:val="centerGroup"/>
+                        </m:oMathParaPr>
+                        <m:oMath xmlns:m="http://schemas.openxmlformats.org/officeDocument/2006/math">
+                          <m:sSub>
+                            <m:sSubPr>
+                              <m:ctrlPr>
+                                <a:rPr kumimoji="0" lang="en-US" sz="1400" b="0" i="1" u="none" strike="noStrike" kern="0" cap="none" spc="0" normalizeH="0" baseline="0" noProof="0" smtClean="0">
+                                  <a:ln>
+                                    <a:noFill/>
+                                  </a:ln>
+                                  <a:solidFill>
+                                    <a:prstClr val="black"/>
+                                  </a:solidFill>
+                                  <a:effectLst/>
+                                  <a:uLnTx/>
+                                  <a:uFillTx/>
+                                  <a:latin typeface="Cambria Math" panose="02040503050406030204" pitchFamily="18" charset="0"/>
+                                </a:rPr>
+                              </m:ctrlPr>
+                            </m:sSubPr>
+                            <m:e>
+                              <m:r>
+                                <a:rPr kumimoji="0" lang="en-US" sz="1400" b="0" i="1" u="none" strike="noStrike" kern="0" cap="none" spc="0" normalizeH="0" baseline="0" noProof="0" smtClean="0">
+                                  <a:ln>
+                                    <a:noFill/>
+                                  </a:ln>
+                                  <a:solidFill>
+                                    <a:prstClr val="black"/>
+                                  </a:solidFill>
+                                  <a:effectLst/>
+                                  <a:uLnTx/>
+                                  <a:uFillTx/>
+                                  <a:latin typeface="Cambria Math" panose="02040503050406030204" pitchFamily="18" charset="0"/>
+                                </a:rPr>
+                                <m:t>𝑚</m:t>
+                              </m:r>
+                            </m:e>
+                            <m:sub>
+                              <m:r>
+                                <a:rPr kumimoji="0" lang="en-US" sz="1400" b="0" i="1" u="none" strike="noStrike" kern="0" cap="none" spc="0" normalizeH="0" baseline="0" noProof="0" smtClean="0">
+                                  <a:ln>
+                                    <a:noFill/>
+                                  </a:ln>
+                                  <a:solidFill>
+                                    <a:prstClr val="black"/>
+                                  </a:solidFill>
+                                  <a:effectLst/>
+                                  <a:uLnTx/>
+                                  <a:uFillTx/>
+                                  <a:latin typeface="Cambria Math" panose="02040503050406030204" pitchFamily="18" charset="0"/>
+                                </a:rPr>
+                                <m:t>𝑥</m:t>
+                              </m:r>
+                            </m:sub>
+                          </m:sSub>
+                        </m:oMath>
+                      </m:oMathPara>
+                    </a14:m>
+                    <a:endParaRPr kumimoji="0" lang="en-US" sz="1400" b="0" i="0" u="none" strike="noStrike" kern="0" cap="none" spc="0" normalizeH="0" baseline="0" noProof="0">
+                      <a:ln>
+                        <a:noFill/>
+                      </a:ln>
+                      <a:solidFill>
+                        <a:prstClr val="black"/>
+                      </a:solidFill>
+                      <a:effectLst/>
+                      <a:uLnTx/>
+                      <a:uFillTx/>
+                      <a:latin typeface="Tahoma" pitchFamily="34" charset="0"/>
+                    </a:endParaRPr>
+                  </a:p>
+                </p:txBody>
+              </p:sp>
+            </mc:Choice>
+            <mc:Fallback>
+              <p:sp>
+                <p:nvSpPr>
+                  <p:cNvPr id="111" name="TextBox 110">
+                    <a:extLst>
+                      <a:ext uri="{FF2B5EF4-FFF2-40B4-BE49-F238E27FC236}">
+                        <a16:creationId xmlns:a16="http://schemas.microsoft.com/office/drawing/2014/main" id="{025D7B10-D0D6-EA4E-A195-7F5E6E9CFEBE}"/>
+                      </a:ext>
+                    </a:extLst>
+                  </p:cNvPr>
+                  <p:cNvSpPr txBox="1">
+                    <a:spLocks noRot="1" noChangeAspect="1" noMove="1" noResize="1" noEditPoints="1" noAdjustHandles="1" noChangeArrowheads="1" noChangeShapeType="1" noTextEdit="1"/>
+                  </p:cNvSpPr>
+                  <p:nvPr/>
+                </p:nvSpPr>
+                <p:spPr>
+                  <a:xfrm>
+                    <a:off x="7813282" y="2120588"/>
+                    <a:ext cx="344687" cy="251991"/>
+                  </a:xfrm>
+                  <a:prstGeom prst="rect">
+                    <a:avLst/>
+                  </a:prstGeom>
+                  <a:blipFill>
+                    <a:blip r:embed="rId6"/>
+                    <a:stretch>
+                      <a:fillRect l="-4167" b="-16667"/>
+                    </a:stretch>
+                  </a:blipFill>
+                </p:spPr>
+                <p:txBody>
+                  <a:bodyPr/>
+                  <a:lstStyle/>
+                  <a:p>
+                    <a:r>
+                      <a:rPr lang="en-US">
+                        <a:noFill/>
+                      </a:rPr>
+                      <a:t> </a:t>
+                    </a:r>
+                  </a:p>
+                </p:txBody>
+              </p:sp>
+            </mc:Fallback>
+          </mc:AlternateContent>
+        </p:grpSp>
+        <p:grpSp>
+          <p:nvGrpSpPr>
+            <p:cNvPr id="26" name="Group 25">
+              <a:extLst>
+                <a:ext uri="{FF2B5EF4-FFF2-40B4-BE49-F238E27FC236}">
+                  <a16:creationId xmlns:a16="http://schemas.microsoft.com/office/drawing/2014/main" id="{41AB37A0-843F-9E40-8FB2-CA1EAEB19456}"/>
+                </a:ext>
+              </a:extLst>
+            </p:cNvPr>
+            <p:cNvGrpSpPr/>
+            <p:nvPr/>
+          </p:nvGrpSpPr>
+          <p:grpSpPr>
+            <a:xfrm>
+              <a:off x="6808560" y="1366298"/>
+              <a:ext cx="269281" cy="931939"/>
+              <a:chOff x="8960087" y="2120588"/>
+              <a:chExt cx="314960" cy="1090028"/>
+            </a:xfrm>
+          </p:grpSpPr>
+          <p:sp>
+            <p:nvSpPr>
+              <p:cNvPr id="108" name="Rectangle 107">
+                <a:extLst>
+                  <a:ext uri="{FF2B5EF4-FFF2-40B4-BE49-F238E27FC236}">
+                    <a16:creationId xmlns:a16="http://schemas.microsoft.com/office/drawing/2014/main" id="{AB73E35B-F422-B643-8552-08DFD32181DA}"/>
+                  </a:ext>
+                </a:extLst>
+              </p:cNvPr>
+              <p:cNvSpPr/>
+              <p:nvPr/>
+            </p:nvSpPr>
+            <p:spPr>
+              <a:xfrm>
+                <a:off x="8960087" y="2418136"/>
+                <a:ext cx="314960" cy="792480"/>
+              </a:xfrm>
+              <a:prstGeom prst="rect">
+                <a:avLst/>
+              </a:prstGeom>
+              <a:solidFill>
+                <a:srgbClr val="FFC000">
+                  <a:lumMod val="60000"/>
+                  <a:lumOff val="40000"/>
+                </a:srgbClr>
+              </a:solidFill>
+              <a:ln w="12700" cap="flat" cmpd="sng" algn="ctr">
+                <a:solidFill>
+                  <a:srgbClr val="ED7D31"/>
+                </a:solidFill>
+                <a:prstDash val="solid"/>
+                <a:miter lim="800000"/>
+              </a:ln>
+              <a:effectLst/>
+            </p:spPr>
+            <p:txBody>
+              <a:bodyPr rtlCol="0" anchor="ctr"/>
+              <a:lstStyle/>
+              <a:p>
+                <a:pPr marL="0" marR="0" lvl="0" indent="0" algn="ctr" defTabSz="914400" eaLnBrk="0" fontAlgn="base" latinLnBrk="0" hangingPunct="0">
+                  <a:lnSpc>
+                    <a:spcPct val="100000"/>
+                  </a:lnSpc>
+                  <a:spcBef>
+                    <a:spcPct val="50000"/>
+                  </a:spcBef>
+                  <a:spcAft>
+                    <a:spcPct val="0"/>
+                  </a:spcAft>
+                  <a:buClrTx/>
+                  <a:buSzTx/>
+                  <a:buFontTx/>
+                  <a:buNone/>
+                  <a:tabLst/>
+                  <a:defRPr/>
+                </a:pPr>
+                <a:endParaRPr kumimoji="0" lang="en-US" sz="1800" b="0" i="0" u="none" strike="noStrike" kern="0" cap="none" spc="0" normalizeH="0" baseline="0" noProof="0">
+                  <a:ln>
+                    <a:noFill/>
+                  </a:ln>
+                  <a:solidFill>
+                    <a:prstClr val="white"/>
+                  </a:solidFill>
+                  <a:effectLst>
+                    <a:outerShdw blurRad="38100" dist="38100" dir="2700000" algn="tl">
+                      <a:srgbClr val="000000">
+                        <a:alpha val="43137"/>
+                      </a:srgbClr>
+                    </a:outerShdw>
+                  </a:effectLst>
+                  <a:uLnTx/>
+                  <a:uFillTx/>
+                  <a:latin typeface="Calibri" panose="020F0502020204030204"/>
+                  <a:ea typeface="+mn-ea"/>
+                  <a:cs typeface="+mn-cs"/>
+                </a:endParaRPr>
+              </a:p>
+            </p:txBody>
+          </p:sp>
+          <mc:AlternateContent xmlns:mc="http://schemas.openxmlformats.org/markup-compatibility/2006">
+            <mc:Choice xmlns:a14="http://schemas.microsoft.com/office/drawing/2010/main" Requires="a14">
+              <p:sp>
+                <p:nvSpPr>
+                  <p:cNvPr id="109" name="TextBox 108">
+                    <a:extLst>
+                      <a:ext uri="{FF2B5EF4-FFF2-40B4-BE49-F238E27FC236}">
+                        <a16:creationId xmlns:a16="http://schemas.microsoft.com/office/drawing/2014/main" id="{B9263AD6-F91D-1445-949A-F76263F26963}"/>
+                      </a:ext>
+                    </a:extLst>
+                  </p:cNvPr>
+                  <p:cNvSpPr txBox="1"/>
+                  <p:nvPr/>
+                </p:nvSpPr>
+                <p:spPr>
+                  <a:xfrm>
+                    <a:off x="9006896" y="2120588"/>
+                    <a:ext cx="244790" cy="251991"/>
+                  </a:xfrm>
+                  <a:prstGeom prst="rect">
+                    <a:avLst/>
+                  </a:prstGeom>
+                  <a:noFill/>
+                </p:spPr>
+                <p:txBody>
+                  <a:bodyPr wrap="none" lIns="0" tIns="0" rIns="0" bIns="0" rtlCol="0">
+                    <a:spAutoFit/>
+                  </a:bodyPr>
+                  <a:lstStyle/>
+                  <a:p>
+                    <a:pPr marL="0" marR="0" lvl="0" indent="0" defTabSz="914400" eaLnBrk="0" fontAlgn="base" latinLnBrk="0" hangingPunct="0">
+                      <a:lnSpc>
+                        <a:spcPct val="100000"/>
+                      </a:lnSpc>
+                      <a:spcBef>
+                        <a:spcPct val="50000"/>
+                      </a:spcBef>
+                      <a:spcAft>
+                        <a:spcPct val="0"/>
+                      </a:spcAft>
+                      <a:buClrTx/>
+                      <a:buSzTx/>
+                      <a:buFontTx/>
+                      <a:buNone/>
+                      <a:tabLst/>
+                      <a:defRPr/>
+                    </a:pPr>
+                    <a14:m>
+                      <m:oMathPara xmlns:m="http://schemas.openxmlformats.org/officeDocument/2006/math">
+                        <m:oMathParaPr>
+                          <m:jc m:val="centerGroup"/>
+                        </m:oMathParaPr>
+                        <m:oMath xmlns:m="http://schemas.openxmlformats.org/officeDocument/2006/math">
+                          <m:sSub>
+                            <m:sSubPr>
+                              <m:ctrlPr>
+                                <a:rPr kumimoji="0" lang="en-US" sz="1400" b="0" i="1" u="none" strike="noStrike" kern="0" cap="none" spc="0" normalizeH="0" baseline="0" noProof="0" smtClean="0">
+                                  <a:ln>
+                                    <a:noFill/>
+                                  </a:ln>
+                                  <a:solidFill>
+                                    <a:prstClr val="black"/>
+                                  </a:solidFill>
+                                  <a:effectLst/>
+                                  <a:uLnTx/>
+                                  <a:uFillTx/>
+                                  <a:latin typeface="Cambria Math" panose="02040503050406030204" pitchFamily="18" charset="0"/>
+                                  <a:ea typeface="Cambria Math" panose="02040503050406030204" pitchFamily="18" charset="0"/>
+                                </a:rPr>
+                              </m:ctrlPr>
+                            </m:sSubPr>
+                            <m:e>
+                              <m:r>
+                                <a:rPr kumimoji="0" lang="en-US" sz="1400" b="0" i="1" u="none" strike="noStrike" kern="0" cap="none" spc="0" normalizeH="0" baseline="0" noProof="0" smtClean="0">
+                                  <a:ln>
+                                    <a:noFill/>
+                                  </a:ln>
+                                  <a:solidFill>
+                                    <a:prstClr val="black"/>
+                                  </a:solidFill>
+                                  <a:effectLst/>
+                                  <a:uLnTx/>
+                                  <a:uFillTx/>
+                                  <a:latin typeface="Cambria Math" panose="02040503050406030204" pitchFamily="18" charset="0"/>
+                                  <a:ea typeface="Cambria Math" panose="02040503050406030204" pitchFamily="18" charset="0"/>
+                                </a:rPr>
+                                <m:t>𝑒</m:t>
+                              </m:r>
+                            </m:e>
+                            <m:sub>
+                              <m:r>
+                                <a:rPr kumimoji="0" lang="en-US" sz="1400" b="0" i="1" u="none" strike="noStrike" kern="0" cap="none" spc="0" normalizeH="0" baseline="0" noProof="0" smtClean="0">
+                                  <a:ln>
+                                    <a:noFill/>
+                                  </a:ln>
+                                  <a:solidFill>
+                                    <a:prstClr val="black"/>
+                                  </a:solidFill>
+                                  <a:effectLst/>
+                                  <a:uLnTx/>
+                                  <a:uFillTx/>
+                                  <a:latin typeface="Cambria Math" panose="02040503050406030204" pitchFamily="18" charset="0"/>
+                                  <a:ea typeface="Cambria Math" panose="02040503050406030204" pitchFamily="18" charset="0"/>
+                                </a:rPr>
+                                <m:t>𝑡</m:t>
+                              </m:r>
+                            </m:sub>
+                          </m:sSub>
+                        </m:oMath>
+                      </m:oMathPara>
+                    </a14:m>
+                    <a:endParaRPr kumimoji="0" lang="en-US" sz="1400" b="0" i="0" u="none" strike="noStrike" kern="0" cap="none" spc="0" normalizeH="0" baseline="0" noProof="0">
+                      <a:ln>
+                        <a:noFill/>
+                      </a:ln>
+                      <a:solidFill>
+                        <a:prstClr val="black"/>
+                      </a:solidFill>
+                      <a:effectLst/>
+                      <a:uLnTx/>
+                      <a:uFillTx/>
+                      <a:latin typeface="Tahoma" pitchFamily="34" charset="0"/>
+                    </a:endParaRPr>
+                  </a:p>
+                </p:txBody>
+              </p:sp>
+            </mc:Choice>
+            <mc:Fallback>
+              <p:sp>
+                <p:nvSpPr>
+                  <p:cNvPr id="109" name="TextBox 108">
+                    <a:extLst>
+                      <a:ext uri="{FF2B5EF4-FFF2-40B4-BE49-F238E27FC236}">
+                        <a16:creationId xmlns:a16="http://schemas.microsoft.com/office/drawing/2014/main" id="{B9263AD6-F91D-1445-949A-F76263F26963}"/>
+                      </a:ext>
+                    </a:extLst>
+                  </p:cNvPr>
+                  <p:cNvSpPr txBox="1">
+                    <a:spLocks noRot="1" noChangeAspect="1" noMove="1" noResize="1" noEditPoints="1" noAdjustHandles="1" noChangeArrowheads="1" noChangeShapeType="1" noTextEdit="1"/>
+                  </p:cNvSpPr>
+                  <p:nvPr/>
+                </p:nvSpPr>
+                <p:spPr>
+                  <a:xfrm>
+                    <a:off x="9006896" y="2120588"/>
+                    <a:ext cx="244790" cy="251991"/>
+                  </a:xfrm>
+                  <a:prstGeom prst="rect">
+                    <a:avLst/>
+                  </a:prstGeom>
+                  <a:blipFill>
+                    <a:blip r:embed="rId7"/>
+                    <a:stretch>
+                      <a:fillRect l="-11765" b="-16667"/>
+                    </a:stretch>
+                  </a:blipFill>
+                </p:spPr>
+                <p:txBody>
+                  <a:bodyPr/>
+                  <a:lstStyle/>
+                  <a:p>
+                    <a:r>
+                      <a:rPr lang="en-US">
+                        <a:noFill/>
+                      </a:rPr>
+                      <a:t> </a:t>
+                    </a:r>
+                  </a:p>
+                </p:txBody>
+              </p:sp>
+            </mc:Fallback>
+          </mc:AlternateContent>
+        </p:grpSp>
+        <p:sp>
+          <p:nvSpPr>
+            <p:cNvPr id="129" name="Rectangle 128">
+              <a:extLst>
+                <a:ext uri="{FF2B5EF4-FFF2-40B4-BE49-F238E27FC236}">
+                  <a16:creationId xmlns:a16="http://schemas.microsoft.com/office/drawing/2014/main" id="{22B2A8EB-3701-8788-E1A7-108105A638FA}"/>
+                </a:ext>
+              </a:extLst>
+            </p:cNvPr>
+            <p:cNvSpPr/>
+            <p:nvPr/>
+          </p:nvSpPr>
+          <p:spPr>
+            <a:xfrm>
+              <a:off x="2954759" y="1316873"/>
+              <a:ext cx="1853303" cy="1079246"/>
+            </a:xfrm>
+            <a:prstGeom prst="rect">
+              <a:avLst/>
+            </a:prstGeom>
+            <a:solidFill>
+              <a:srgbClr val="E7E6E6"/>
+            </a:solidFill>
+            <a:ln w="12700" cap="flat" cmpd="sng" algn="ctr">
+              <a:solidFill>
+                <a:sysClr val="windowText" lastClr="000000"/>
+              </a:solidFill>
+              <a:prstDash val="solid"/>
+              <a:miter lim="800000"/>
+            </a:ln>
+            <a:effectLst/>
+          </p:spPr>
+          <p:txBody>
+            <a:bodyPr rtlCol="0" anchor="ctr"/>
+            <a:lstStyle/>
+            <a:p>
+              <a:pPr marL="0" marR="0" lvl="0" indent="0" algn="ctr" defTabSz="914400" eaLnBrk="0" fontAlgn="base" latinLnBrk="0" hangingPunct="0">
+                <a:lnSpc>
+                  <a:spcPct val="100000"/>
+                </a:lnSpc>
+                <a:spcBef>
+                  <a:spcPct val="50000"/>
+                </a:spcBef>
+                <a:spcAft>
+                  <a:spcPct val="0"/>
+                </a:spcAft>
+                <a:buClrTx/>
+                <a:buSzTx/>
+                <a:buFontTx/>
+                <a:buNone/>
+                <a:tabLst/>
+                <a:defRPr/>
+              </a:pPr>
+              <a:endParaRPr kumimoji="0" lang="en-US" sz="1800" b="0" i="0" u="none" strike="noStrike" kern="0" cap="none" spc="0" normalizeH="0" baseline="0" noProof="0">
+                <a:ln>
+                  <a:noFill/>
+                </a:ln>
+                <a:solidFill>
+                  <a:prstClr val="white"/>
+                </a:solidFill>
+                <a:effectLst>
+                  <a:outerShdw blurRad="38100" dist="38100" dir="2700000" algn="tl">
+                    <a:srgbClr val="000000">
+                      <a:alpha val="43137"/>
+                    </a:srgbClr>
+                  </a:outerShdw>
+                </a:effectLst>
+                <a:uLnTx/>
+                <a:uFillTx/>
+                <a:latin typeface="Calibri" panose="020F0502020204030204"/>
+                <a:ea typeface="+mn-ea"/>
+                <a:cs typeface="+mn-cs"/>
+              </a:endParaRPr>
+            </a:p>
+          </p:txBody>
+        </p:sp>
+        <p:grpSp>
+          <p:nvGrpSpPr>
+            <p:cNvPr id="27" name="Group 26">
+              <a:extLst>
+                <a:ext uri="{FF2B5EF4-FFF2-40B4-BE49-F238E27FC236}">
+                  <a16:creationId xmlns:a16="http://schemas.microsoft.com/office/drawing/2014/main" id="{1606A113-F836-DA48-B4C5-A7E63A284F2E}"/>
+                </a:ext>
+              </a:extLst>
+            </p:cNvPr>
+            <p:cNvGrpSpPr/>
+            <p:nvPr/>
+          </p:nvGrpSpPr>
+          <p:grpSpPr>
+            <a:xfrm>
+              <a:off x="4503521" y="1366298"/>
+              <a:ext cx="269281" cy="931939"/>
+              <a:chOff x="6306092" y="2120588"/>
+              <a:chExt cx="314960" cy="1090028"/>
+            </a:xfrm>
+          </p:grpSpPr>
+          <p:sp>
+            <p:nvSpPr>
+              <p:cNvPr id="106" name="Rectangle 105">
+                <a:extLst>
+                  <a:ext uri="{FF2B5EF4-FFF2-40B4-BE49-F238E27FC236}">
+                    <a16:creationId xmlns:a16="http://schemas.microsoft.com/office/drawing/2014/main" id="{FF44B53E-A8EC-C240-BF79-D1895D1D2A02}"/>
+                  </a:ext>
+                </a:extLst>
+              </p:cNvPr>
+              <p:cNvSpPr/>
+              <p:nvPr/>
+            </p:nvSpPr>
+            <p:spPr>
+              <a:xfrm>
+                <a:off x="6306092" y="2418136"/>
+                <a:ext cx="314960" cy="792480"/>
+              </a:xfrm>
+              <a:prstGeom prst="rect">
+                <a:avLst/>
+              </a:prstGeom>
+              <a:solidFill>
+                <a:srgbClr val="FFC000">
+                  <a:lumMod val="60000"/>
+                  <a:lumOff val="40000"/>
+                </a:srgbClr>
+              </a:solidFill>
+              <a:ln w="12700" cap="flat" cmpd="sng" algn="ctr">
+                <a:solidFill>
+                  <a:srgbClr val="ED7D31"/>
+                </a:solidFill>
+                <a:prstDash val="solid"/>
+                <a:miter lim="800000"/>
+              </a:ln>
+              <a:effectLst/>
+            </p:spPr>
+            <p:txBody>
+              <a:bodyPr rtlCol="0" anchor="ctr"/>
+              <a:lstStyle/>
+              <a:p>
+                <a:pPr marL="0" marR="0" lvl="0" indent="0" algn="ctr" defTabSz="914400" eaLnBrk="0" fontAlgn="base" latinLnBrk="0" hangingPunct="0">
+                  <a:lnSpc>
+                    <a:spcPct val="100000"/>
+                  </a:lnSpc>
+                  <a:spcBef>
+                    <a:spcPct val="50000"/>
+                  </a:spcBef>
+                  <a:spcAft>
+                    <a:spcPct val="0"/>
+                  </a:spcAft>
+                  <a:buClrTx/>
+                  <a:buSzTx/>
+                  <a:buFontTx/>
+                  <a:buNone/>
+                  <a:tabLst/>
+                  <a:defRPr/>
+                </a:pPr>
+                <a:endParaRPr kumimoji="0" lang="en-US" sz="1800" b="0" i="0" u="none" strike="noStrike" kern="0" cap="none" spc="0" normalizeH="0" baseline="0" noProof="0">
+                  <a:ln>
+                    <a:noFill/>
+                  </a:ln>
+                  <a:solidFill>
+                    <a:prstClr val="white"/>
+                  </a:solidFill>
+                  <a:effectLst>
+                    <a:outerShdw blurRad="38100" dist="38100" dir="2700000" algn="tl">
+                      <a:srgbClr val="000000">
+                        <a:alpha val="43137"/>
+                      </a:srgbClr>
+                    </a:outerShdw>
+                  </a:effectLst>
+                  <a:uLnTx/>
+                  <a:uFillTx/>
+                  <a:latin typeface="Calibri" panose="020F0502020204030204"/>
+                  <a:ea typeface="+mn-ea"/>
+                  <a:cs typeface="+mn-cs"/>
+                </a:endParaRPr>
+              </a:p>
+            </p:txBody>
+          </p:sp>
+          <mc:AlternateContent xmlns:mc="http://schemas.openxmlformats.org/markup-compatibility/2006">
+            <mc:Choice xmlns:a14="http://schemas.microsoft.com/office/drawing/2010/main" Requires="a14">
+              <p:sp>
+                <p:nvSpPr>
+                  <p:cNvPr id="107" name="TextBox 106">
+                    <a:extLst>
+                      <a:ext uri="{FF2B5EF4-FFF2-40B4-BE49-F238E27FC236}">
+                        <a16:creationId xmlns:a16="http://schemas.microsoft.com/office/drawing/2014/main" id="{613F3A3D-BAE4-5C4C-996C-1F3096C2E8D3}"/>
+                      </a:ext>
+                    </a:extLst>
+                  </p:cNvPr>
+                  <p:cNvSpPr txBox="1"/>
+                  <p:nvPr/>
+                </p:nvSpPr>
+                <p:spPr>
+                  <a:xfrm>
+                    <a:off x="6352901" y="2120588"/>
+                    <a:ext cx="244790" cy="251991"/>
+                  </a:xfrm>
+                  <a:prstGeom prst="rect">
+                    <a:avLst/>
+                  </a:prstGeom>
+                  <a:noFill/>
+                </p:spPr>
+                <p:txBody>
+                  <a:bodyPr wrap="none" lIns="0" tIns="0" rIns="0" bIns="0" rtlCol="0">
+                    <a:spAutoFit/>
+                  </a:bodyPr>
+                  <a:lstStyle/>
+                  <a:p>
+                    <a:pPr marL="0" marR="0" lvl="0" indent="0" defTabSz="914400" eaLnBrk="0" fontAlgn="base" latinLnBrk="0" hangingPunct="0">
+                      <a:lnSpc>
+                        <a:spcPct val="100000"/>
+                      </a:lnSpc>
+                      <a:spcBef>
+                        <a:spcPct val="50000"/>
+                      </a:spcBef>
+                      <a:spcAft>
+                        <a:spcPct val="0"/>
+                      </a:spcAft>
+                      <a:buClrTx/>
+                      <a:buSzTx/>
+                      <a:buFontTx/>
+                      <a:buNone/>
+                      <a:tabLst/>
+                      <a:defRPr/>
+                    </a:pPr>
+                    <a14:m>
+                      <m:oMathPara xmlns:m="http://schemas.openxmlformats.org/officeDocument/2006/math">
+                        <m:oMathParaPr>
+                          <m:jc m:val="centerGroup"/>
+                        </m:oMathParaPr>
+                        <m:oMath xmlns:m="http://schemas.openxmlformats.org/officeDocument/2006/math">
+                          <m:sSub>
+                            <m:sSubPr>
+                              <m:ctrlPr>
+                                <a:rPr kumimoji="0" lang="en-US" sz="1400" b="0" i="1" u="none" strike="noStrike" kern="0" cap="none" spc="0" normalizeH="0" baseline="0" noProof="0" smtClean="0">
+                                  <a:ln>
+                                    <a:noFill/>
+                                  </a:ln>
+                                  <a:solidFill>
+                                    <a:prstClr val="black"/>
+                                  </a:solidFill>
+                                  <a:effectLst/>
+                                  <a:uLnTx/>
+                                  <a:uFillTx/>
+                                  <a:latin typeface="Cambria Math" panose="02040503050406030204" pitchFamily="18" charset="0"/>
+                                  <a:ea typeface="Cambria Math" panose="02040503050406030204" pitchFamily="18" charset="0"/>
+                                </a:rPr>
+                              </m:ctrlPr>
+                            </m:sSubPr>
+                            <m:e>
+                              <m:r>
+                                <a:rPr kumimoji="0" lang="en-US" sz="1400" b="0" i="1" u="none" strike="noStrike" kern="0" cap="none" spc="0" normalizeH="0" baseline="0" noProof="0" smtClean="0">
+                                  <a:ln>
+                                    <a:noFill/>
+                                  </a:ln>
+                                  <a:solidFill>
+                                    <a:prstClr val="black"/>
+                                  </a:solidFill>
+                                  <a:effectLst/>
+                                  <a:uLnTx/>
+                                  <a:uFillTx/>
+                                  <a:latin typeface="Cambria Math" panose="02040503050406030204" pitchFamily="18" charset="0"/>
+                                  <a:ea typeface="Cambria Math" panose="02040503050406030204" pitchFamily="18" charset="0"/>
+                                </a:rPr>
+                                <m:t>𝑒</m:t>
+                              </m:r>
+                            </m:e>
+                            <m:sub>
+                              <m:r>
+                                <a:rPr kumimoji="0" lang="en-US" sz="1400" b="0" i="1" u="none" strike="noStrike" kern="0" cap="none" spc="0" normalizeH="0" baseline="0" noProof="0" smtClean="0">
+                                  <a:ln>
+                                    <a:noFill/>
+                                  </a:ln>
+                                  <a:solidFill>
+                                    <a:prstClr val="black"/>
+                                  </a:solidFill>
+                                  <a:effectLst/>
+                                  <a:uLnTx/>
+                                  <a:uFillTx/>
+                                  <a:latin typeface="Cambria Math" panose="02040503050406030204" pitchFamily="18" charset="0"/>
+                                  <a:ea typeface="Cambria Math" panose="02040503050406030204" pitchFamily="18" charset="0"/>
+                                </a:rPr>
+                                <m:t>𝑡</m:t>
+                              </m:r>
+                            </m:sub>
+                          </m:sSub>
+                        </m:oMath>
+                      </m:oMathPara>
+                    </a14:m>
+                    <a:endParaRPr kumimoji="0" lang="en-US" sz="1400" b="0" i="0" u="none" strike="noStrike" kern="0" cap="none" spc="0" normalizeH="0" baseline="0" noProof="0">
+                      <a:ln>
+                        <a:noFill/>
+                      </a:ln>
+                      <a:solidFill>
+                        <a:prstClr val="black"/>
+                      </a:solidFill>
+                      <a:effectLst/>
+                      <a:uLnTx/>
+                      <a:uFillTx/>
+                      <a:latin typeface="Tahoma" pitchFamily="34" charset="0"/>
+                    </a:endParaRPr>
+                  </a:p>
+                </p:txBody>
+              </p:sp>
+            </mc:Choice>
+            <mc:Fallback>
+              <p:sp>
+                <p:nvSpPr>
+                  <p:cNvPr id="107" name="TextBox 106">
+                    <a:extLst>
+                      <a:ext uri="{FF2B5EF4-FFF2-40B4-BE49-F238E27FC236}">
+                        <a16:creationId xmlns:a16="http://schemas.microsoft.com/office/drawing/2014/main" id="{613F3A3D-BAE4-5C4C-996C-1F3096C2E8D3}"/>
+                      </a:ext>
+                    </a:extLst>
+                  </p:cNvPr>
+                  <p:cNvSpPr txBox="1">
+                    <a:spLocks noRot="1" noChangeAspect="1" noMove="1" noResize="1" noEditPoints="1" noAdjustHandles="1" noChangeArrowheads="1" noChangeShapeType="1" noTextEdit="1"/>
+                  </p:cNvSpPr>
+                  <p:nvPr/>
+                </p:nvSpPr>
+                <p:spPr>
+                  <a:xfrm>
+                    <a:off x="6352901" y="2120588"/>
+                    <a:ext cx="244790" cy="251991"/>
+                  </a:xfrm>
+                  <a:prstGeom prst="rect">
+                    <a:avLst/>
+                  </a:prstGeom>
+                  <a:blipFill>
+                    <a:blip r:embed="rId8"/>
+                    <a:stretch>
+                      <a:fillRect l="-5556" b="-16667"/>
+                    </a:stretch>
+                  </a:blipFill>
+                </p:spPr>
+                <p:txBody>
+                  <a:bodyPr/>
+                  <a:lstStyle/>
+                  <a:p>
+                    <a:r>
+                      <a:rPr lang="en-US">
+                        <a:noFill/>
+                      </a:rPr>
+                      <a:t> </a:t>
+                    </a:r>
+                  </a:p>
+                </p:txBody>
+              </p:sp>
+            </mc:Fallback>
+          </mc:AlternateContent>
+        </p:grpSp>
+        <p:grpSp>
+          <p:nvGrpSpPr>
+            <p:cNvPr id="29" name="Group 28">
+              <a:extLst>
+                <a:ext uri="{FF2B5EF4-FFF2-40B4-BE49-F238E27FC236}">
+                  <a16:creationId xmlns:a16="http://schemas.microsoft.com/office/drawing/2014/main" id="{BA3DEA0C-9558-BC4D-988A-614D8D44B2A8}"/>
+                </a:ext>
+              </a:extLst>
+            </p:cNvPr>
+            <p:cNvGrpSpPr/>
+            <p:nvPr/>
+          </p:nvGrpSpPr>
+          <p:grpSpPr>
+            <a:xfrm>
+              <a:off x="1244547" y="1366298"/>
+              <a:ext cx="294696" cy="931939"/>
+              <a:chOff x="2503015" y="2120588"/>
+              <a:chExt cx="344687" cy="1090028"/>
+            </a:xfrm>
+          </p:grpSpPr>
+          <p:sp>
+            <p:nvSpPr>
+              <p:cNvPr id="104" name="Rectangle 103">
+                <a:extLst>
+                  <a:ext uri="{FF2B5EF4-FFF2-40B4-BE49-F238E27FC236}">
+                    <a16:creationId xmlns:a16="http://schemas.microsoft.com/office/drawing/2014/main" id="{8993BA9F-BF9B-C64C-B0B7-D3FD76876241}"/>
+                  </a:ext>
+                </a:extLst>
+              </p:cNvPr>
+              <p:cNvSpPr/>
+              <p:nvPr/>
+            </p:nvSpPr>
+            <p:spPr>
+              <a:xfrm>
+                <a:off x="2504906" y="2418136"/>
+                <a:ext cx="314960" cy="792480"/>
+              </a:xfrm>
+              <a:prstGeom prst="rect">
+                <a:avLst/>
+              </a:prstGeom>
+              <a:solidFill>
+                <a:srgbClr val="AB82FF"/>
+              </a:solidFill>
+              <a:ln w="12700" cap="flat" cmpd="sng" algn="ctr">
+                <a:solidFill>
+                  <a:srgbClr val="7030A0"/>
+                </a:solidFill>
+                <a:prstDash val="solid"/>
+                <a:miter lim="800000"/>
+              </a:ln>
+              <a:effectLst/>
+            </p:spPr>
+            <p:txBody>
+              <a:bodyPr rtlCol="0" anchor="ctr"/>
+              <a:lstStyle/>
+              <a:p>
+                <a:pPr marL="0" marR="0" lvl="0" indent="0" algn="ctr" defTabSz="914400" eaLnBrk="0" fontAlgn="base" latinLnBrk="0" hangingPunct="0">
+                  <a:lnSpc>
+                    <a:spcPct val="100000"/>
+                  </a:lnSpc>
+                  <a:spcBef>
+                    <a:spcPct val="50000"/>
+                  </a:spcBef>
+                  <a:spcAft>
+                    <a:spcPct val="0"/>
+                  </a:spcAft>
+                  <a:buClrTx/>
+                  <a:buSzTx/>
+                  <a:buFontTx/>
+                  <a:buNone/>
+                  <a:tabLst/>
+                  <a:defRPr/>
+                </a:pPr>
+                <a:endParaRPr kumimoji="0" lang="en-US" sz="1800" b="0" i="0" u="none" strike="noStrike" kern="0" cap="none" spc="0" normalizeH="0" baseline="0" noProof="0">
+                  <a:ln>
+                    <a:noFill/>
+                  </a:ln>
+                  <a:solidFill>
+                    <a:prstClr val="black"/>
+                  </a:solidFill>
+                  <a:effectLst>
+                    <a:outerShdw blurRad="38100" dist="38100" dir="2700000" algn="tl">
+                      <a:srgbClr val="000000">
+                        <a:alpha val="43137"/>
+                      </a:srgbClr>
+                    </a:outerShdw>
+                  </a:effectLst>
+                  <a:uLnTx/>
+                  <a:uFillTx/>
+                  <a:latin typeface="Calibri" panose="020F0502020204030204"/>
+                  <a:ea typeface="+mn-ea"/>
+                  <a:cs typeface="+mn-cs"/>
+                </a:endParaRPr>
+              </a:p>
+            </p:txBody>
+          </p:sp>
+          <mc:AlternateContent xmlns:mc="http://schemas.openxmlformats.org/markup-compatibility/2006">
+            <mc:Choice xmlns:a14="http://schemas.microsoft.com/office/drawing/2010/main" Requires="a14">
+              <p:sp>
+                <p:nvSpPr>
+                  <p:cNvPr id="105" name="TextBox 104">
+                    <a:extLst>
+                      <a:ext uri="{FF2B5EF4-FFF2-40B4-BE49-F238E27FC236}">
+                        <a16:creationId xmlns:a16="http://schemas.microsoft.com/office/drawing/2014/main" id="{A6C6DBB8-9211-B34A-A36D-E66D86570795}"/>
+                      </a:ext>
+                    </a:extLst>
+                  </p:cNvPr>
+                  <p:cNvSpPr txBox="1"/>
+                  <p:nvPr/>
+                </p:nvSpPr>
+                <p:spPr>
+                  <a:xfrm>
+                    <a:off x="2503015" y="2120588"/>
+                    <a:ext cx="344687" cy="251991"/>
+                  </a:xfrm>
+                  <a:prstGeom prst="rect">
+                    <a:avLst/>
+                  </a:prstGeom>
+                  <a:noFill/>
+                </p:spPr>
+                <p:txBody>
+                  <a:bodyPr wrap="none" lIns="0" tIns="0" rIns="0" bIns="0" rtlCol="0">
+                    <a:spAutoFit/>
+                  </a:bodyPr>
+                  <a:lstStyle/>
+                  <a:p>
+                    <a:pPr marL="0" marR="0" lvl="0" indent="0" defTabSz="914400" eaLnBrk="0" fontAlgn="base" latinLnBrk="0" hangingPunct="0">
+                      <a:lnSpc>
+                        <a:spcPct val="100000"/>
+                      </a:lnSpc>
+                      <a:spcBef>
+                        <a:spcPct val="50000"/>
+                      </a:spcBef>
+                      <a:spcAft>
+                        <a:spcPct val="0"/>
+                      </a:spcAft>
+                      <a:buClrTx/>
+                      <a:buSzTx/>
+                      <a:buFontTx/>
+                      <a:buNone/>
+                      <a:tabLst/>
+                      <a:defRPr/>
+                    </a:pPr>
+                    <a14:m>
+                      <m:oMathPara xmlns:m="http://schemas.openxmlformats.org/officeDocument/2006/math">
+                        <m:oMathParaPr>
+                          <m:jc m:val="centerGroup"/>
+                        </m:oMathParaPr>
+                        <m:oMath xmlns:m="http://schemas.openxmlformats.org/officeDocument/2006/math">
+                          <m:sSub>
+                            <m:sSubPr>
+                              <m:ctrlPr>
+                                <a:rPr kumimoji="0" lang="en-US" sz="1400" b="0" i="1" u="none" strike="noStrike" kern="0" cap="none" spc="0" normalizeH="0" baseline="0" noProof="0" smtClean="0">
+                                  <a:ln>
+                                    <a:noFill/>
+                                  </a:ln>
+                                  <a:solidFill>
+                                    <a:prstClr val="black"/>
+                                  </a:solidFill>
+                                  <a:effectLst/>
+                                  <a:uLnTx/>
+                                  <a:uFillTx/>
+                                  <a:latin typeface="Cambria Math" panose="02040503050406030204" pitchFamily="18" charset="0"/>
+                                </a:rPr>
+                              </m:ctrlPr>
+                            </m:sSubPr>
+                            <m:e>
+                              <m:r>
+                                <a:rPr kumimoji="0" lang="en-US" sz="1400" b="0" i="1" u="none" strike="noStrike" kern="0" cap="none" spc="0" normalizeH="0" baseline="0" noProof="0" smtClean="0">
+                                  <a:ln>
+                                    <a:noFill/>
+                                  </a:ln>
+                                  <a:solidFill>
+                                    <a:prstClr val="black"/>
+                                  </a:solidFill>
+                                  <a:effectLst/>
+                                  <a:uLnTx/>
+                                  <a:uFillTx/>
+                                  <a:latin typeface="Cambria Math" panose="02040503050406030204" pitchFamily="18" charset="0"/>
+                                </a:rPr>
+                                <m:t>𝑚</m:t>
+                              </m:r>
+                            </m:e>
+                            <m:sub>
+                              <m:r>
+                                <a:rPr kumimoji="0" lang="en-US" sz="1400" b="0" i="1" u="none" strike="noStrike" kern="0" cap="none" spc="0" normalizeH="0" baseline="0" noProof="0" smtClean="0">
+                                  <a:ln>
+                                    <a:noFill/>
+                                  </a:ln>
+                                  <a:solidFill>
+                                    <a:prstClr val="black"/>
+                                  </a:solidFill>
+                                  <a:effectLst/>
+                                  <a:uLnTx/>
+                                  <a:uFillTx/>
+                                  <a:latin typeface="Cambria Math" panose="02040503050406030204" pitchFamily="18" charset="0"/>
+                                </a:rPr>
+                                <m:t>𝑥</m:t>
+                              </m:r>
+                            </m:sub>
+                          </m:sSub>
+                        </m:oMath>
+                      </m:oMathPara>
+                    </a14:m>
+                    <a:endParaRPr kumimoji="0" lang="en-US" sz="1400" b="0" i="0" u="none" strike="noStrike" kern="0" cap="none" spc="0" normalizeH="0" baseline="0" noProof="0">
+                      <a:ln>
+                        <a:noFill/>
+                      </a:ln>
+                      <a:solidFill>
+                        <a:prstClr val="black"/>
+                      </a:solidFill>
+                      <a:effectLst/>
+                      <a:uLnTx/>
+                      <a:uFillTx/>
+                      <a:latin typeface="Tahoma" pitchFamily="34" charset="0"/>
+                    </a:endParaRPr>
+                  </a:p>
+                </p:txBody>
+              </p:sp>
+            </mc:Choice>
+            <mc:Fallback>
+              <p:sp>
+                <p:nvSpPr>
+                  <p:cNvPr id="105" name="TextBox 104">
+                    <a:extLst>
+                      <a:ext uri="{FF2B5EF4-FFF2-40B4-BE49-F238E27FC236}">
+                        <a16:creationId xmlns:a16="http://schemas.microsoft.com/office/drawing/2014/main" id="{A6C6DBB8-9211-B34A-A36D-E66D86570795}"/>
+                      </a:ext>
+                    </a:extLst>
+                  </p:cNvPr>
+                  <p:cNvSpPr txBox="1">
+                    <a:spLocks noRot="1" noChangeAspect="1" noMove="1" noResize="1" noEditPoints="1" noAdjustHandles="1" noChangeArrowheads="1" noChangeShapeType="1" noTextEdit="1"/>
+                  </p:cNvSpPr>
+                  <p:nvPr/>
+                </p:nvSpPr>
+                <p:spPr>
+                  <a:xfrm>
+                    <a:off x="2503015" y="2120588"/>
+                    <a:ext cx="344687" cy="251991"/>
+                  </a:xfrm>
+                  <a:prstGeom prst="rect">
+                    <a:avLst/>
+                  </a:prstGeom>
+                  <a:blipFill>
+                    <a:blip r:embed="rId9"/>
+                    <a:stretch>
+                      <a:fillRect l="-4000" b="-16667"/>
+                    </a:stretch>
+                  </a:blipFill>
+                </p:spPr>
+                <p:txBody>
+                  <a:bodyPr/>
+                  <a:lstStyle/>
+                  <a:p>
+                    <a:r>
+                      <a:rPr lang="en-US">
+                        <a:noFill/>
+                      </a:rPr>
+                      <a:t> </a:t>
+                    </a:r>
+                  </a:p>
+                </p:txBody>
+              </p:sp>
+            </mc:Fallback>
+          </mc:AlternateContent>
+        </p:grpSp>
+        <p:grpSp>
+          <p:nvGrpSpPr>
+            <p:cNvPr id="30" name="Group 29">
+              <a:extLst>
+                <a:ext uri="{FF2B5EF4-FFF2-40B4-BE49-F238E27FC236}">
+                  <a16:creationId xmlns:a16="http://schemas.microsoft.com/office/drawing/2014/main" id="{9ED9C1CB-ABAA-F14C-8300-3C509EA9FCF4}"/>
+                </a:ext>
+              </a:extLst>
+            </p:cNvPr>
+            <p:cNvGrpSpPr/>
+            <p:nvPr/>
+          </p:nvGrpSpPr>
+          <p:grpSpPr>
+            <a:xfrm>
+              <a:off x="3197724" y="1366298"/>
+              <a:ext cx="269281" cy="931939"/>
+              <a:chOff x="4778788" y="2120588"/>
+              <a:chExt cx="314960" cy="1090028"/>
+            </a:xfrm>
+          </p:grpSpPr>
+          <p:sp>
+            <p:nvSpPr>
+              <p:cNvPr id="102" name="Rectangle 101">
+                <a:extLst>
+                  <a:ext uri="{FF2B5EF4-FFF2-40B4-BE49-F238E27FC236}">
+                    <a16:creationId xmlns:a16="http://schemas.microsoft.com/office/drawing/2014/main" id="{B687178F-499F-9D42-B426-7F2FECDE693F}"/>
+                  </a:ext>
+                </a:extLst>
+              </p:cNvPr>
+              <p:cNvSpPr/>
+              <p:nvPr/>
+            </p:nvSpPr>
+            <p:spPr>
+              <a:xfrm>
+                <a:off x="4778788" y="2418136"/>
+                <a:ext cx="314960" cy="792480"/>
+              </a:xfrm>
+              <a:prstGeom prst="rect">
+                <a:avLst/>
+              </a:prstGeom>
+              <a:solidFill>
+                <a:srgbClr val="FFACA9"/>
+              </a:solidFill>
+              <a:ln w="12700" cap="flat" cmpd="sng" algn="ctr">
+                <a:solidFill>
+                  <a:srgbClr val="C00000"/>
+                </a:solidFill>
+                <a:prstDash val="solid"/>
+                <a:miter lim="800000"/>
+              </a:ln>
+              <a:effectLst/>
+            </p:spPr>
+            <p:txBody>
+              <a:bodyPr rtlCol="0" anchor="ctr"/>
+              <a:lstStyle/>
+              <a:p>
+                <a:pPr marL="0" marR="0" lvl="0" indent="0" algn="ctr" defTabSz="914400" eaLnBrk="0" fontAlgn="base" latinLnBrk="0" hangingPunct="0">
+                  <a:lnSpc>
+                    <a:spcPct val="100000"/>
+                  </a:lnSpc>
+                  <a:spcBef>
+                    <a:spcPct val="50000"/>
+                  </a:spcBef>
+                  <a:spcAft>
+                    <a:spcPct val="0"/>
+                  </a:spcAft>
+                  <a:buClrTx/>
+                  <a:buSzTx/>
+                  <a:buFontTx/>
+                  <a:buNone/>
+                  <a:tabLst/>
+                  <a:defRPr/>
+                </a:pPr>
+                <a:endParaRPr kumimoji="0" lang="en-US" sz="1800" b="0" i="0" u="none" strike="noStrike" kern="0" cap="none" spc="0" normalizeH="0" baseline="0" noProof="0">
+                  <a:ln>
+                    <a:noFill/>
+                  </a:ln>
+                  <a:solidFill>
+                    <a:prstClr val="white"/>
+                  </a:solidFill>
+                  <a:effectLst>
+                    <a:outerShdw blurRad="38100" dist="38100" dir="2700000" algn="tl">
+                      <a:srgbClr val="000000">
+                        <a:alpha val="43137"/>
+                      </a:srgbClr>
+                    </a:outerShdw>
+                  </a:effectLst>
+                  <a:uLnTx/>
+                  <a:uFillTx/>
+                  <a:latin typeface="Calibri" panose="020F0502020204030204"/>
+                  <a:ea typeface="+mn-ea"/>
+                  <a:cs typeface="+mn-cs"/>
+                </a:endParaRPr>
+              </a:p>
+            </p:txBody>
+          </p:sp>
+          <mc:AlternateContent xmlns:mc="http://schemas.openxmlformats.org/markup-compatibility/2006">
+            <mc:Choice xmlns:a14="http://schemas.microsoft.com/office/drawing/2010/main" Requires="a14">
+              <p:sp>
+                <p:nvSpPr>
+                  <p:cNvPr id="103" name="TextBox 102">
+                    <a:extLst>
+                      <a:ext uri="{FF2B5EF4-FFF2-40B4-BE49-F238E27FC236}">
+                        <a16:creationId xmlns:a16="http://schemas.microsoft.com/office/drawing/2014/main" id="{DDAC5A38-F8CF-3A47-B859-E61B4918A411}"/>
+                      </a:ext>
+                    </a:extLst>
+                  </p:cNvPr>
+                  <p:cNvSpPr txBox="1"/>
+                  <p:nvPr/>
+                </p:nvSpPr>
+                <p:spPr>
+                  <a:xfrm>
+                    <a:off x="4854066" y="2120588"/>
+                    <a:ext cx="186292" cy="251991"/>
+                  </a:xfrm>
+                  <a:prstGeom prst="rect">
+                    <a:avLst/>
+                  </a:prstGeom>
+                  <a:noFill/>
+                </p:spPr>
+                <p:txBody>
+                  <a:bodyPr wrap="none" lIns="0" tIns="0" rIns="0" bIns="0" rtlCol="0">
+                    <a:spAutoFit/>
+                  </a:bodyPr>
+                  <a:lstStyle/>
+                  <a:p>
+                    <a:pPr marL="0" marR="0" lvl="0" indent="0" defTabSz="914400" eaLnBrk="0" fontAlgn="base" latinLnBrk="0" hangingPunct="0">
+                      <a:lnSpc>
+                        <a:spcPct val="100000"/>
+                      </a:lnSpc>
+                      <a:spcBef>
+                        <a:spcPct val="50000"/>
+                      </a:spcBef>
+                      <a:spcAft>
+                        <a:spcPct val="0"/>
+                      </a:spcAft>
+                      <a:buClrTx/>
+                      <a:buSzTx/>
+                      <a:buFontTx/>
+                      <a:buNone/>
+                      <a:tabLst/>
+                      <a:defRPr/>
+                    </a:pPr>
+                    <a14:m>
+                      <m:oMathPara xmlns:m="http://schemas.openxmlformats.org/officeDocument/2006/math">
+                        <m:oMathParaPr>
+                          <m:jc m:val="centerGroup"/>
+                        </m:oMathParaPr>
+                        <m:oMath xmlns:m="http://schemas.openxmlformats.org/officeDocument/2006/math">
+                          <m:r>
+                            <a:rPr kumimoji="0" lang="en-US" sz="1400" b="0" i="1" u="none" strike="noStrike" kern="0" cap="none" spc="0" normalizeH="0" baseline="0" noProof="0" smtClean="0">
+                              <a:ln>
+                                <a:noFill/>
+                              </a:ln>
+                              <a:solidFill>
+                                <a:prstClr val="black"/>
+                              </a:solidFill>
+                              <a:effectLst/>
+                              <a:uLnTx/>
+                              <a:uFillTx/>
+                              <a:latin typeface="Cambria Math" panose="02040503050406030204" pitchFamily="18" charset="0"/>
+                              <a:ea typeface="Cambria Math" panose="02040503050406030204" pitchFamily="18" charset="0"/>
+                            </a:rPr>
+                            <m:t>𝜌</m:t>
+                          </m:r>
+                        </m:oMath>
+                      </m:oMathPara>
+                    </a14:m>
+                    <a:endParaRPr kumimoji="0" lang="en-US" sz="1400" b="0" i="0" u="none" strike="noStrike" kern="0" cap="none" spc="0" normalizeH="0" baseline="0" noProof="0">
+                      <a:ln>
+                        <a:noFill/>
+                      </a:ln>
+                      <a:solidFill>
+                        <a:prstClr val="black"/>
+                      </a:solidFill>
+                      <a:effectLst/>
+                      <a:uLnTx/>
+                      <a:uFillTx/>
+                      <a:latin typeface="Tahoma" pitchFamily="34" charset="0"/>
+                    </a:endParaRPr>
+                  </a:p>
+                </p:txBody>
+              </p:sp>
+            </mc:Choice>
+            <mc:Fallback>
+              <p:sp>
+                <p:nvSpPr>
+                  <p:cNvPr id="103" name="TextBox 102">
+                    <a:extLst>
+                      <a:ext uri="{FF2B5EF4-FFF2-40B4-BE49-F238E27FC236}">
+                        <a16:creationId xmlns:a16="http://schemas.microsoft.com/office/drawing/2014/main" id="{DDAC5A38-F8CF-3A47-B859-E61B4918A411}"/>
+                      </a:ext>
+                    </a:extLst>
+                  </p:cNvPr>
+                  <p:cNvSpPr txBox="1">
+                    <a:spLocks noRot="1" noChangeAspect="1" noMove="1" noResize="1" noEditPoints="1" noAdjustHandles="1" noChangeArrowheads="1" noChangeShapeType="1" noTextEdit="1"/>
+                  </p:cNvSpPr>
+                  <p:nvPr/>
+                </p:nvSpPr>
+                <p:spPr>
+                  <a:xfrm>
+                    <a:off x="4854066" y="2120588"/>
+                    <a:ext cx="186292" cy="251991"/>
+                  </a:xfrm>
+                  <a:prstGeom prst="rect">
+                    <a:avLst/>
+                  </a:prstGeom>
+                  <a:blipFill>
+                    <a:blip r:embed="rId10"/>
+                    <a:stretch>
+                      <a:fillRect l="-21429" r="-21429" b="-27778"/>
+                    </a:stretch>
+                  </a:blipFill>
+                </p:spPr>
+                <p:txBody>
+                  <a:bodyPr/>
+                  <a:lstStyle/>
+                  <a:p>
+                    <a:r>
+                      <a:rPr lang="en-US">
+                        <a:noFill/>
+                      </a:rPr>
+                      <a:t> </a:t>
+                    </a:r>
+                  </a:p>
+                </p:txBody>
+              </p:sp>
+            </mc:Fallback>
+          </mc:AlternateContent>
+        </p:grpSp>
+        <p:grpSp>
+          <p:nvGrpSpPr>
+            <p:cNvPr id="31" name="Group 30">
+              <a:extLst>
+                <a:ext uri="{FF2B5EF4-FFF2-40B4-BE49-F238E27FC236}">
+                  <a16:creationId xmlns:a16="http://schemas.microsoft.com/office/drawing/2014/main" id="{BB276211-F4FA-E44B-9CE9-4635703CC153}"/>
+                </a:ext>
+              </a:extLst>
+            </p:cNvPr>
+            <p:cNvGrpSpPr/>
+            <p:nvPr/>
+          </p:nvGrpSpPr>
+          <p:grpSpPr>
+            <a:xfrm>
+              <a:off x="4179976" y="1366298"/>
+              <a:ext cx="288865" cy="931939"/>
+              <a:chOff x="5933928" y="2120588"/>
+              <a:chExt cx="337866" cy="1090028"/>
+            </a:xfrm>
+          </p:grpSpPr>
+          <p:sp>
+            <p:nvSpPr>
+              <p:cNvPr id="100" name="Rectangle 99">
+                <a:extLst>
+                  <a:ext uri="{FF2B5EF4-FFF2-40B4-BE49-F238E27FC236}">
+                    <a16:creationId xmlns:a16="http://schemas.microsoft.com/office/drawing/2014/main" id="{A998C82D-A11C-354C-9E5E-F815BEC1263A}"/>
+                  </a:ext>
+                </a:extLst>
+              </p:cNvPr>
+              <p:cNvSpPr/>
+              <p:nvPr/>
+            </p:nvSpPr>
+            <p:spPr>
+              <a:xfrm>
+                <a:off x="5933928" y="2418136"/>
+                <a:ext cx="314960" cy="792480"/>
+              </a:xfrm>
+              <a:prstGeom prst="rect">
+                <a:avLst/>
+              </a:prstGeom>
+              <a:solidFill>
+                <a:srgbClr val="A7FEFF"/>
+              </a:solidFill>
+              <a:ln w="12700" cap="flat" cmpd="sng" algn="ctr">
+                <a:solidFill>
+                  <a:srgbClr val="00B0F0"/>
+                </a:solidFill>
+                <a:prstDash val="solid"/>
+                <a:miter lim="800000"/>
+              </a:ln>
+              <a:effectLst/>
+            </p:spPr>
+            <p:txBody>
+              <a:bodyPr rtlCol="0" anchor="ctr"/>
+              <a:lstStyle/>
+              <a:p>
+                <a:pPr marL="0" marR="0" lvl="0" indent="0" algn="ctr" defTabSz="914400" eaLnBrk="0" fontAlgn="base" latinLnBrk="0" hangingPunct="0">
+                  <a:lnSpc>
+                    <a:spcPct val="100000"/>
+                  </a:lnSpc>
+                  <a:spcBef>
+                    <a:spcPct val="50000"/>
+                  </a:spcBef>
+                  <a:spcAft>
+                    <a:spcPct val="0"/>
+                  </a:spcAft>
+                  <a:buClrTx/>
+                  <a:buSzTx/>
+                  <a:buFontTx/>
+                  <a:buNone/>
+                  <a:tabLst/>
+                  <a:defRPr/>
+                </a:pPr>
+                <a:endParaRPr kumimoji="0" lang="en-US" sz="1800" b="0" i="0" u="none" strike="noStrike" kern="0" cap="none" spc="0" normalizeH="0" baseline="0" noProof="0">
+                  <a:ln>
+                    <a:noFill/>
+                  </a:ln>
+                  <a:solidFill>
+                    <a:prstClr val="white"/>
+                  </a:solidFill>
+                  <a:effectLst>
+                    <a:outerShdw blurRad="38100" dist="38100" dir="2700000" algn="tl">
+                      <a:srgbClr val="000000">
+                        <a:alpha val="43137"/>
+                      </a:srgbClr>
+                    </a:outerShdw>
+                  </a:effectLst>
+                  <a:uLnTx/>
+                  <a:uFillTx/>
+                  <a:latin typeface="Calibri" panose="020F0502020204030204"/>
+                  <a:ea typeface="+mn-ea"/>
+                  <a:cs typeface="+mn-cs"/>
+                </a:endParaRPr>
+              </a:p>
+            </p:txBody>
+          </p:sp>
+          <mc:AlternateContent xmlns:mc="http://schemas.openxmlformats.org/markup-compatibility/2006">
+            <mc:Choice xmlns:a14="http://schemas.microsoft.com/office/drawing/2010/main" Requires="a14">
+              <p:sp>
+                <p:nvSpPr>
+                  <p:cNvPr id="101" name="TextBox 100">
+                    <a:extLst>
+                      <a:ext uri="{FF2B5EF4-FFF2-40B4-BE49-F238E27FC236}">
+                        <a16:creationId xmlns:a16="http://schemas.microsoft.com/office/drawing/2014/main" id="{EDC7570E-C677-6D4E-A9AE-62D7938D98D6}"/>
+                      </a:ext>
+                    </a:extLst>
+                  </p:cNvPr>
+                  <p:cNvSpPr txBox="1"/>
+                  <p:nvPr/>
+                </p:nvSpPr>
+                <p:spPr>
+                  <a:xfrm>
+                    <a:off x="5937231" y="2120588"/>
+                    <a:ext cx="334563" cy="251991"/>
+                  </a:xfrm>
+                  <a:prstGeom prst="rect">
+                    <a:avLst/>
+                  </a:prstGeom>
+                  <a:noFill/>
+                </p:spPr>
+                <p:txBody>
+                  <a:bodyPr wrap="none" lIns="0" tIns="0" rIns="0" bIns="0" rtlCol="0">
+                    <a:spAutoFit/>
+                  </a:bodyPr>
+                  <a:lstStyle/>
+                  <a:p>
+                    <a:pPr marL="0" marR="0" lvl="0" indent="0" defTabSz="914400" eaLnBrk="0" fontAlgn="base" latinLnBrk="0" hangingPunct="0">
+                      <a:lnSpc>
+                        <a:spcPct val="100000"/>
+                      </a:lnSpc>
+                      <a:spcBef>
+                        <a:spcPct val="50000"/>
+                      </a:spcBef>
+                      <a:spcAft>
+                        <a:spcPct val="0"/>
+                      </a:spcAft>
+                      <a:buClrTx/>
+                      <a:buSzTx/>
+                      <a:buFontTx/>
+                      <a:buNone/>
+                      <a:tabLst/>
+                      <a:defRPr/>
+                    </a:pPr>
+                    <a14:m>
+                      <m:oMathPara xmlns:m="http://schemas.openxmlformats.org/officeDocument/2006/math">
+                        <m:oMathParaPr>
+                          <m:jc m:val="centerGroup"/>
+                        </m:oMathParaPr>
+                        <m:oMath xmlns:m="http://schemas.openxmlformats.org/officeDocument/2006/math">
+                          <m:sSub>
+                            <m:sSubPr>
+                              <m:ctrlPr>
+                                <a:rPr kumimoji="0" lang="en-US" sz="1400" b="0" i="1" u="none" strike="noStrike" kern="0" cap="none" spc="0" normalizeH="0" baseline="0" noProof="0" smtClean="0">
+                                  <a:ln>
+                                    <a:noFill/>
+                                  </a:ln>
+                                  <a:solidFill>
+                                    <a:prstClr val="black"/>
+                                  </a:solidFill>
+                                  <a:effectLst/>
+                                  <a:uLnTx/>
+                                  <a:uFillTx/>
+                                  <a:latin typeface="Cambria Math" panose="02040503050406030204" pitchFamily="18" charset="0"/>
+                                  <a:ea typeface="Cambria Math" panose="02040503050406030204" pitchFamily="18" charset="0"/>
+                                </a:rPr>
+                              </m:ctrlPr>
+                            </m:sSubPr>
+                            <m:e>
+                              <m:r>
+                                <a:rPr kumimoji="0" lang="en-US" sz="1400" b="0" i="1" u="none" strike="noStrike" kern="0" cap="none" spc="0" normalizeH="0" baseline="0" noProof="0" smtClean="0">
+                                  <a:ln>
+                                    <a:noFill/>
+                                  </a:ln>
+                                  <a:solidFill>
+                                    <a:prstClr val="black"/>
+                                  </a:solidFill>
+                                  <a:effectLst/>
+                                  <a:uLnTx/>
+                                  <a:uFillTx/>
+                                  <a:latin typeface="Cambria Math" panose="02040503050406030204" pitchFamily="18" charset="0"/>
+                                  <a:ea typeface="Cambria Math" panose="02040503050406030204" pitchFamily="18" charset="0"/>
+                                </a:rPr>
+                                <m:t>𝑚</m:t>
+                              </m:r>
+                            </m:e>
+                            <m:sub>
+                              <m:r>
+                                <a:rPr kumimoji="0" lang="en-US" sz="1400" b="0" i="1" u="none" strike="noStrike" kern="0" cap="none" spc="0" normalizeH="0" baseline="0" noProof="0" smtClean="0">
+                                  <a:ln>
+                                    <a:noFill/>
+                                  </a:ln>
+                                  <a:solidFill>
+                                    <a:prstClr val="black"/>
+                                  </a:solidFill>
+                                  <a:effectLst/>
+                                  <a:uLnTx/>
+                                  <a:uFillTx/>
+                                  <a:latin typeface="Cambria Math" panose="02040503050406030204" pitchFamily="18" charset="0"/>
+                                  <a:ea typeface="Cambria Math" panose="02040503050406030204" pitchFamily="18" charset="0"/>
+                                </a:rPr>
+                                <m:t>𝑧</m:t>
+                              </m:r>
+                            </m:sub>
+                          </m:sSub>
+                        </m:oMath>
+                      </m:oMathPara>
+                    </a14:m>
+                    <a:endParaRPr kumimoji="0" lang="en-US" sz="1400" b="0" i="0" u="none" strike="noStrike" kern="0" cap="none" spc="0" normalizeH="0" baseline="0" noProof="0">
+                      <a:ln>
+                        <a:noFill/>
+                      </a:ln>
+                      <a:solidFill>
+                        <a:prstClr val="black"/>
+                      </a:solidFill>
+                      <a:effectLst/>
+                      <a:uLnTx/>
+                      <a:uFillTx/>
+                      <a:latin typeface="Tahoma" pitchFamily="34" charset="0"/>
+                    </a:endParaRPr>
+                  </a:p>
+                </p:txBody>
+              </p:sp>
+            </mc:Choice>
+            <mc:Fallback>
+              <p:sp>
+                <p:nvSpPr>
+                  <p:cNvPr id="101" name="TextBox 100">
+                    <a:extLst>
+                      <a:ext uri="{FF2B5EF4-FFF2-40B4-BE49-F238E27FC236}">
+                        <a16:creationId xmlns:a16="http://schemas.microsoft.com/office/drawing/2014/main" id="{EDC7570E-C677-6D4E-A9AE-62D7938D98D6}"/>
+                      </a:ext>
+                    </a:extLst>
+                  </p:cNvPr>
+                  <p:cNvSpPr txBox="1">
+                    <a:spLocks noRot="1" noChangeAspect="1" noMove="1" noResize="1" noEditPoints="1" noAdjustHandles="1" noChangeArrowheads="1" noChangeShapeType="1" noTextEdit="1"/>
+                  </p:cNvSpPr>
+                  <p:nvPr/>
+                </p:nvSpPr>
+                <p:spPr>
+                  <a:xfrm>
+                    <a:off x="5937231" y="2120588"/>
+                    <a:ext cx="334563" cy="251991"/>
+                  </a:xfrm>
+                  <a:prstGeom prst="rect">
+                    <a:avLst/>
+                  </a:prstGeom>
+                  <a:blipFill>
+                    <a:blip r:embed="rId11"/>
+                    <a:stretch>
+                      <a:fillRect l="-8696" b="-16667"/>
+                    </a:stretch>
+                  </a:blipFill>
+                </p:spPr>
+                <p:txBody>
+                  <a:bodyPr/>
+                  <a:lstStyle/>
+                  <a:p>
+                    <a:r>
+                      <a:rPr lang="en-US">
+                        <a:noFill/>
+                      </a:rPr>
+                      <a:t> </a:t>
+                    </a:r>
+                  </a:p>
+                </p:txBody>
+              </p:sp>
+            </mc:Fallback>
+          </mc:AlternateContent>
+        </p:grpSp>
+        <p:grpSp>
+          <p:nvGrpSpPr>
+            <p:cNvPr id="35" name="Group 34">
+              <a:extLst>
+                <a:ext uri="{FF2B5EF4-FFF2-40B4-BE49-F238E27FC236}">
+                  <a16:creationId xmlns:a16="http://schemas.microsoft.com/office/drawing/2014/main" id="{5ABAEF44-342C-7546-868B-814BB4E1E007}"/>
+                </a:ext>
+              </a:extLst>
+            </p:cNvPr>
+            <p:cNvGrpSpPr/>
+            <p:nvPr/>
+          </p:nvGrpSpPr>
+          <p:grpSpPr>
+            <a:xfrm>
+              <a:off x="1571325" y="1366298"/>
+              <a:ext cx="300788" cy="931939"/>
+              <a:chOff x="2888801" y="2120588"/>
+              <a:chExt cx="351812" cy="1090028"/>
+            </a:xfrm>
+          </p:grpSpPr>
+          <p:sp>
+            <p:nvSpPr>
+              <p:cNvPr id="98" name="Rectangle 97">
+                <a:extLst>
+                  <a:ext uri="{FF2B5EF4-FFF2-40B4-BE49-F238E27FC236}">
+                    <a16:creationId xmlns:a16="http://schemas.microsoft.com/office/drawing/2014/main" id="{95FD8029-F8A0-204D-AD35-3421E39D74DA}"/>
+                  </a:ext>
+                </a:extLst>
+              </p:cNvPr>
+              <p:cNvSpPr/>
+              <p:nvPr/>
+            </p:nvSpPr>
+            <p:spPr>
+              <a:xfrm>
+                <a:off x="2893705" y="2418136"/>
+                <a:ext cx="314960" cy="792480"/>
+              </a:xfrm>
+              <a:prstGeom prst="rect">
+                <a:avLst/>
+              </a:prstGeom>
+              <a:solidFill>
+                <a:srgbClr val="70AD47">
+                  <a:lumMod val="60000"/>
+                  <a:lumOff val="40000"/>
+                </a:srgbClr>
+              </a:solidFill>
+              <a:ln w="12700" cap="flat" cmpd="sng" algn="ctr">
+                <a:solidFill>
+                  <a:srgbClr val="70AD47">
+                    <a:lumMod val="50000"/>
+                  </a:srgbClr>
+                </a:solidFill>
+                <a:prstDash val="solid"/>
+                <a:miter lim="800000"/>
+              </a:ln>
+              <a:effectLst/>
+            </p:spPr>
+            <p:txBody>
+              <a:bodyPr rtlCol="0" anchor="ctr"/>
+              <a:lstStyle/>
+              <a:p>
+                <a:pPr marL="0" marR="0" lvl="0" indent="0" algn="ctr" defTabSz="914400" eaLnBrk="0" fontAlgn="base" latinLnBrk="0" hangingPunct="0">
+                  <a:lnSpc>
+                    <a:spcPct val="100000"/>
+                  </a:lnSpc>
+                  <a:spcBef>
+                    <a:spcPct val="50000"/>
+                  </a:spcBef>
+                  <a:spcAft>
+                    <a:spcPct val="0"/>
+                  </a:spcAft>
+                  <a:buClrTx/>
+                  <a:buSzTx/>
+                  <a:buFontTx/>
+                  <a:buNone/>
+                  <a:tabLst/>
+                  <a:defRPr/>
+                </a:pPr>
+                <a:endParaRPr kumimoji="0" lang="en-US" sz="1800" b="0" i="0" u="none" strike="noStrike" kern="0" cap="none" spc="0" normalizeH="0" baseline="0" noProof="0">
+                  <a:ln>
+                    <a:noFill/>
+                  </a:ln>
+                  <a:solidFill>
+                    <a:prstClr val="white"/>
+                  </a:solidFill>
+                  <a:effectLst>
+                    <a:outerShdw blurRad="38100" dist="38100" dir="2700000" algn="tl">
+                      <a:srgbClr val="000000">
+                        <a:alpha val="43137"/>
+                      </a:srgbClr>
+                    </a:outerShdw>
+                  </a:effectLst>
+                  <a:uLnTx/>
+                  <a:uFillTx/>
+                  <a:latin typeface="Calibri" panose="020F0502020204030204"/>
+                  <a:ea typeface="+mn-ea"/>
+                  <a:cs typeface="+mn-cs"/>
+                </a:endParaRPr>
+              </a:p>
+            </p:txBody>
+          </p:sp>
+          <mc:AlternateContent xmlns:mc="http://schemas.openxmlformats.org/markup-compatibility/2006">
+            <mc:Choice xmlns:a14="http://schemas.microsoft.com/office/drawing/2010/main" Requires="a14">
+              <p:sp>
+                <p:nvSpPr>
+                  <p:cNvPr id="99" name="TextBox 98">
+                    <a:extLst>
+                      <a:ext uri="{FF2B5EF4-FFF2-40B4-BE49-F238E27FC236}">
+                        <a16:creationId xmlns:a16="http://schemas.microsoft.com/office/drawing/2014/main" id="{3007C453-B434-A34A-939D-9569FD72D914}"/>
+                      </a:ext>
+                    </a:extLst>
+                  </p:cNvPr>
+                  <p:cNvSpPr txBox="1"/>
+                  <p:nvPr/>
+                </p:nvSpPr>
+                <p:spPr>
+                  <a:xfrm>
+                    <a:off x="2888801" y="2120588"/>
+                    <a:ext cx="351812" cy="271865"/>
+                  </a:xfrm>
+                  <a:prstGeom prst="rect">
+                    <a:avLst/>
+                  </a:prstGeom>
+                  <a:noFill/>
+                </p:spPr>
+                <p:txBody>
+                  <a:bodyPr wrap="none" lIns="0" tIns="0" rIns="0" bIns="0" rtlCol="0">
+                    <a:spAutoFit/>
+                  </a:bodyPr>
+                  <a:lstStyle/>
+                  <a:p>
+                    <a:pPr marL="0" marR="0" lvl="0" indent="0" defTabSz="914400" eaLnBrk="0" fontAlgn="base" latinLnBrk="0" hangingPunct="0">
+                      <a:lnSpc>
+                        <a:spcPct val="100000"/>
+                      </a:lnSpc>
+                      <a:spcBef>
+                        <a:spcPct val="50000"/>
+                      </a:spcBef>
+                      <a:spcAft>
+                        <a:spcPct val="0"/>
+                      </a:spcAft>
+                      <a:buClrTx/>
+                      <a:buSzTx/>
+                      <a:buFontTx/>
+                      <a:buNone/>
+                      <a:tabLst/>
+                      <a:defRPr/>
+                    </a:pPr>
+                    <a14:m>
+                      <m:oMathPara xmlns:m="http://schemas.openxmlformats.org/officeDocument/2006/math">
+                        <m:oMathParaPr>
+                          <m:jc m:val="centerGroup"/>
+                        </m:oMathParaPr>
+                        <m:oMath xmlns:m="http://schemas.openxmlformats.org/officeDocument/2006/math">
+                          <m:sSub>
+                            <m:sSubPr>
+                              <m:ctrlPr>
+                                <a:rPr kumimoji="0" lang="en-US" sz="1400" b="0" i="1" u="none" strike="noStrike" kern="0" cap="none" spc="0" normalizeH="0" baseline="0" noProof="0" smtClean="0">
+                                  <a:ln>
+                                    <a:noFill/>
+                                  </a:ln>
+                                  <a:solidFill>
+                                    <a:prstClr val="black"/>
+                                  </a:solidFill>
+                                  <a:effectLst/>
+                                  <a:uLnTx/>
+                                  <a:uFillTx/>
+                                  <a:latin typeface="Cambria Math" panose="02040503050406030204" pitchFamily="18" charset="0"/>
+                                  <a:ea typeface="Cambria Math" panose="02040503050406030204" pitchFamily="18" charset="0"/>
+                                </a:rPr>
+                              </m:ctrlPr>
+                            </m:sSubPr>
+                            <m:e>
+                              <m:r>
+                                <a:rPr kumimoji="0" lang="en-US" sz="1400" b="0" i="1" u="none" strike="noStrike" kern="0" cap="none" spc="0" normalizeH="0" baseline="0" noProof="0" smtClean="0">
+                                  <a:ln>
+                                    <a:noFill/>
+                                  </a:ln>
+                                  <a:solidFill>
+                                    <a:prstClr val="black"/>
+                                  </a:solidFill>
+                                  <a:effectLst/>
+                                  <a:uLnTx/>
+                                  <a:uFillTx/>
+                                  <a:latin typeface="Cambria Math" panose="02040503050406030204" pitchFamily="18" charset="0"/>
+                                  <a:ea typeface="Cambria Math" panose="02040503050406030204" pitchFamily="18" charset="0"/>
+                                </a:rPr>
+                                <m:t>𝑚</m:t>
+                              </m:r>
+                            </m:e>
+                            <m:sub>
+                              <m:r>
+                                <a:rPr kumimoji="0" lang="en-US" sz="1400" b="0" i="1" u="none" strike="noStrike" kern="0" cap="none" spc="0" normalizeH="0" baseline="0" noProof="0" smtClean="0">
+                                  <a:ln>
+                                    <a:noFill/>
+                                  </a:ln>
+                                  <a:solidFill>
+                                    <a:prstClr val="black"/>
+                                  </a:solidFill>
+                                  <a:effectLst/>
+                                  <a:uLnTx/>
+                                  <a:uFillTx/>
+                                  <a:latin typeface="Cambria Math" panose="02040503050406030204" pitchFamily="18" charset="0"/>
+                                  <a:ea typeface="Cambria Math" panose="02040503050406030204" pitchFamily="18" charset="0"/>
+                                </a:rPr>
+                                <m:t>𝑦</m:t>
+                              </m:r>
+                            </m:sub>
+                          </m:sSub>
+                        </m:oMath>
+                      </m:oMathPara>
+                    </a14:m>
+                    <a:endParaRPr kumimoji="0" lang="en-US" sz="1400" b="0" i="0" u="none" strike="noStrike" kern="0" cap="none" spc="0" normalizeH="0" baseline="0" noProof="0" dirty="0">
+                      <a:ln>
+                        <a:noFill/>
+                      </a:ln>
+                      <a:solidFill>
+                        <a:prstClr val="black"/>
+                      </a:solidFill>
+                      <a:effectLst/>
+                      <a:uLnTx/>
+                      <a:uFillTx/>
+                      <a:latin typeface="Tahoma" pitchFamily="34" charset="0"/>
+                    </a:endParaRPr>
+                  </a:p>
+                </p:txBody>
+              </p:sp>
+            </mc:Choice>
+            <mc:Fallback>
+              <p:sp>
+                <p:nvSpPr>
+                  <p:cNvPr id="99" name="TextBox 98">
+                    <a:extLst>
+                      <a:ext uri="{FF2B5EF4-FFF2-40B4-BE49-F238E27FC236}">
+                        <a16:creationId xmlns:a16="http://schemas.microsoft.com/office/drawing/2014/main" id="{3007C453-B434-A34A-939D-9569FD72D914}"/>
+                      </a:ext>
+                    </a:extLst>
+                  </p:cNvPr>
+                  <p:cNvSpPr txBox="1">
+                    <a:spLocks noRot="1" noChangeAspect="1" noMove="1" noResize="1" noEditPoints="1" noAdjustHandles="1" noChangeArrowheads="1" noChangeShapeType="1" noTextEdit="1"/>
+                  </p:cNvSpPr>
+                  <p:nvPr/>
+                </p:nvSpPr>
+                <p:spPr>
+                  <a:xfrm>
+                    <a:off x="2888801" y="2120588"/>
+                    <a:ext cx="351812" cy="271865"/>
+                  </a:xfrm>
+                  <a:prstGeom prst="rect">
+                    <a:avLst/>
+                  </a:prstGeom>
+                  <a:blipFill>
+                    <a:blip r:embed="rId12"/>
+                    <a:stretch>
+                      <a:fillRect l="-4000" b="-21053"/>
+                    </a:stretch>
+                  </a:blipFill>
+                </p:spPr>
+                <p:txBody>
+                  <a:bodyPr/>
+                  <a:lstStyle/>
+                  <a:p>
+                    <a:r>
+                      <a:rPr lang="en-US">
+                        <a:noFill/>
+                      </a:rPr>
+                      <a:t> </a:t>
+                    </a:r>
+                  </a:p>
+                </p:txBody>
+              </p:sp>
+            </mc:Fallback>
+          </mc:AlternateContent>
+        </p:grpSp>
+        <p:grpSp>
+          <p:nvGrpSpPr>
+            <p:cNvPr id="36" name="Group 35">
+              <a:extLst>
+                <a:ext uri="{FF2B5EF4-FFF2-40B4-BE49-F238E27FC236}">
+                  <a16:creationId xmlns:a16="http://schemas.microsoft.com/office/drawing/2014/main" id="{F4F99580-3EF4-9041-97BA-0D207F04AD92}"/>
+                </a:ext>
+              </a:extLst>
+            </p:cNvPr>
+            <p:cNvGrpSpPr/>
+            <p:nvPr/>
+          </p:nvGrpSpPr>
+          <p:grpSpPr>
+            <a:xfrm>
+              <a:off x="1903254" y="1366298"/>
+              <a:ext cx="288865" cy="931939"/>
+              <a:chOff x="3279933" y="2120588"/>
+              <a:chExt cx="337866" cy="1090028"/>
+            </a:xfrm>
+          </p:grpSpPr>
+          <p:sp>
+            <p:nvSpPr>
+              <p:cNvPr id="96" name="Rectangle 95">
+                <a:extLst>
+                  <a:ext uri="{FF2B5EF4-FFF2-40B4-BE49-F238E27FC236}">
+                    <a16:creationId xmlns:a16="http://schemas.microsoft.com/office/drawing/2014/main" id="{E20EC4E6-72BC-4347-AAAC-602B0F1A8470}"/>
+                  </a:ext>
+                </a:extLst>
+              </p:cNvPr>
+              <p:cNvSpPr/>
+              <p:nvPr/>
+            </p:nvSpPr>
+            <p:spPr>
+              <a:xfrm>
+                <a:off x="3279933" y="2418136"/>
+                <a:ext cx="314960" cy="792480"/>
+              </a:xfrm>
+              <a:prstGeom prst="rect">
+                <a:avLst/>
+              </a:prstGeom>
+              <a:solidFill>
+                <a:srgbClr val="A7FEFF"/>
+              </a:solidFill>
+              <a:ln w="12700" cap="flat" cmpd="sng" algn="ctr">
+                <a:solidFill>
+                  <a:srgbClr val="00B0F0"/>
+                </a:solidFill>
+                <a:prstDash val="solid"/>
+                <a:miter lim="800000"/>
+              </a:ln>
+              <a:effectLst/>
+            </p:spPr>
+            <p:txBody>
+              <a:bodyPr rtlCol="0" anchor="ctr"/>
+              <a:lstStyle/>
+              <a:p>
+                <a:pPr marL="0" marR="0" lvl="0" indent="0" algn="ctr" defTabSz="914400" eaLnBrk="0" fontAlgn="base" latinLnBrk="0" hangingPunct="0">
+                  <a:lnSpc>
+                    <a:spcPct val="100000"/>
+                  </a:lnSpc>
+                  <a:spcBef>
+                    <a:spcPct val="50000"/>
+                  </a:spcBef>
+                  <a:spcAft>
+                    <a:spcPct val="0"/>
+                  </a:spcAft>
+                  <a:buClrTx/>
+                  <a:buSzTx/>
+                  <a:buFontTx/>
+                  <a:buNone/>
+                  <a:tabLst/>
+                  <a:defRPr/>
+                </a:pPr>
+                <a:endParaRPr kumimoji="0" lang="en-US" sz="1800" b="0" i="0" u="none" strike="noStrike" kern="0" cap="none" spc="0" normalizeH="0" baseline="0" noProof="0">
+                  <a:ln>
+                    <a:noFill/>
+                  </a:ln>
+                  <a:solidFill>
+                    <a:prstClr val="white"/>
+                  </a:solidFill>
+                  <a:effectLst>
+                    <a:outerShdw blurRad="38100" dist="38100" dir="2700000" algn="tl">
+                      <a:srgbClr val="000000">
+                        <a:alpha val="43137"/>
+                      </a:srgbClr>
+                    </a:outerShdw>
+                  </a:effectLst>
+                  <a:uLnTx/>
+                  <a:uFillTx/>
+                  <a:latin typeface="Calibri" panose="020F0502020204030204"/>
+                  <a:ea typeface="+mn-ea"/>
+                  <a:cs typeface="+mn-cs"/>
+                </a:endParaRPr>
+              </a:p>
+            </p:txBody>
+          </p:sp>
+          <mc:AlternateContent xmlns:mc="http://schemas.openxmlformats.org/markup-compatibility/2006">
+            <mc:Choice xmlns:a14="http://schemas.microsoft.com/office/drawing/2010/main" Requires="a14">
+              <p:sp>
+                <p:nvSpPr>
+                  <p:cNvPr id="97" name="TextBox 96">
+                    <a:extLst>
+                      <a:ext uri="{FF2B5EF4-FFF2-40B4-BE49-F238E27FC236}">
+                        <a16:creationId xmlns:a16="http://schemas.microsoft.com/office/drawing/2014/main" id="{3F85FE53-A2FA-3045-9DF0-66E7514B0DF3}"/>
+                      </a:ext>
+                    </a:extLst>
+                  </p:cNvPr>
+                  <p:cNvSpPr txBox="1"/>
+                  <p:nvPr/>
+                </p:nvSpPr>
+                <p:spPr>
+                  <a:xfrm>
+                    <a:off x="3283236" y="2120588"/>
+                    <a:ext cx="334563" cy="251991"/>
+                  </a:xfrm>
+                  <a:prstGeom prst="rect">
+                    <a:avLst/>
+                  </a:prstGeom>
+                  <a:noFill/>
+                </p:spPr>
+                <p:txBody>
+                  <a:bodyPr wrap="none" lIns="0" tIns="0" rIns="0" bIns="0" rtlCol="0">
+                    <a:spAutoFit/>
+                  </a:bodyPr>
+                  <a:lstStyle/>
+                  <a:p>
+                    <a:pPr marL="0" marR="0" lvl="0" indent="0" defTabSz="914400" eaLnBrk="0" fontAlgn="base" latinLnBrk="0" hangingPunct="0">
+                      <a:lnSpc>
+                        <a:spcPct val="100000"/>
+                      </a:lnSpc>
+                      <a:spcBef>
+                        <a:spcPct val="50000"/>
+                      </a:spcBef>
+                      <a:spcAft>
+                        <a:spcPct val="0"/>
+                      </a:spcAft>
+                      <a:buClrTx/>
+                      <a:buSzTx/>
+                      <a:buFontTx/>
+                      <a:buNone/>
+                      <a:tabLst/>
+                      <a:defRPr/>
+                    </a:pPr>
+                    <a14:m>
+                      <m:oMathPara xmlns:m="http://schemas.openxmlformats.org/officeDocument/2006/math">
+                        <m:oMathParaPr>
+                          <m:jc m:val="centerGroup"/>
+                        </m:oMathParaPr>
+                        <m:oMath xmlns:m="http://schemas.openxmlformats.org/officeDocument/2006/math">
+                          <m:sSub>
+                            <m:sSubPr>
+                              <m:ctrlPr>
+                                <a:rPr kumimoji="0" lang="en-US" sz="1400" b="0" i="1" u="none" strike="noStrike" kern="0" cap="none" spc="0" normalizeH="0" baseline="0" noProof="0" smtClean="0">
+                                  <a:ln>
+                                    <a:noFill/>
+                                  </a:ln>
+                                  <a:solidFill>
+                                    <a:prstClr val="black"/>
+                                  </a:solidFill>
+                                  <a:effectLst/>
+                                  <a:uLnTx/>
+                                  <a:uFillTx/>
+                                  <a:latin typeface="Cambria Math" panose="02040503050406030204" pitchFamily="18" charset="0"/>
+                                  <a:ea typeface="Cambria Math" panose="02040503050406030204" pitchFamily="18" charset="0"/>
+                                </a:rPr>
+                              </m:ctrlPr>
+                            </m:sSubPr>
+                            <m:e>
+                              <m:r>
+                                <a:rPr kumimoji="0" lang="en-US" sz="1400" b="0" i="1" u="none" strike="noStrike" kern="0" cap="none" spc="0" normalizeH="0" baseline="0" noProof="0" smtClean="0">
+                                  <a:ln>
+                                    <a:noFill/>
+                                  </a:ln>
+                                  <a:solidFill>
+                                    <a:prstClr val="black"/>
+                                  </a:solidFill>
+                                  <a:effectLst/>
+                                  <a:uLnTx/>
+                                  <a:uFillTx/>
+                                  <a:latin typeface="Cambria Math" panose="02040503050406030204" pitchFamily="18" charset="0"/>
+                                  <a:ea typeface="Cambria Math" panose="02040503050406030204" pitchFamily="18" charset="0"/>
+                                </a:rPr>
+                                <m:t>𝑚</m:t>
+                              </m:r>
+                            </m:e>
+                            <m:sub>
+                              <m:r>
+                                <a:rPr kumimoji="0" lang="en-US" sz="1400" b="0" i="1" u="none" strike="noStrike" kern="0" cap="none" spc="0" normalizeH="0" baseline="0" noProof="0" smtClean="0">
+                                  <a:ln>
+                                    <a:noFill/>
+                                  </a:ln>
+                                  <a:solidFill>
+                                    <a:prstClr val="black"/>
+                                  </a:solidFill>
+                                  <a:effectLst/>
+                                  <a:uLnTx/>
+                                  <a:uFillTx/>
+                                  <a:latin typeface="Cambria Math" panose="02040503050406030204" pitchFamily="18" charset="0"/>
+                                  <a:ea typeface="Cambria Math" panose="02040503050406030204" pitchFamily="18" charset="0"/>
+                                </a:rPr>
+                                <m:t>𝑧</m:t>
+                              </m:r>
+                            </m:sub>
+                          </m:sSub>
+                        </m:oMath>
+                      </m:oMathPara>
+                    </a14:m>
+                    <a:endParaRPr kumimoji="0" lang="en-US" sz="1400" b="0" i="0" u="none" strike="noStrike" kern="0" cap="none" spc="0" normalizeH="0" baseline="0" noProof="0">
+                      <a:ln>
+                        <a:noFill/>
+                      </a:ln>
+                      <a:solidFill>
+                        <a:prstClr val="black"/>
+                      </a:solidFill>
+                      <a:effectLst/>
+                      <a:uLnTx/>
+                      <a:uFillTx/>
+                      <a:latin typeface="Tahoma" pitchFamily="34" charset="0"/>
+                    </a:endParaRPr>
+                  </a:p>
+                </p:txBody>
+              </p:sp>
+            </mc:Choice>
+            <mc:Fallback>
+              <p:sp>
+                <p:nvSpPr>
+                  <p:cNvPr id="97" name="TextBox 96">
+                    <a:extLst>
+                      <a:ext uri="{FF2B5EF4-FFF2-40B4-BE49-F238E27FC236}">
+                        <a16:creationId xmlns:a16="http://schemas.microsoft.com/office/drawing/2014/main" id="{3F85FE53-A2FA-3045-9DF0-66E7514B0DF3}"/>
+                      </a:ext>
+                    </a:extLst>
+                  </p:cNvPr>
+                  <p:cNvSpPr txBox="1">
+                    <a:spLocks noRot="1" noChangeAspect="1" noMove="1" noResize="1" noEditPoints="1" noAdjustHandles="1" noChangeArrowheads="1" noChangeShapeType="1" noTextEdit="1"/>
+                  </p:cNvSpPr>
+                  <p:nvPr/>
+                </p:nvSpPr>
+                <p:spPr>
+                  <a:xfrm>
+                    <a:off x="3283236" y="2120588"/>
+                    <a:ext cx="334563" cy="251991"/>
+                  </a:xfrm>
+                  <a:prstGeom prst="rect">
+                    <a:avLst/>
+                  </a:prstGeom>
+                  <a:blipFill>
+                    <a:blip r:embed="rId13"/>
+                    <a:stretch>
+                      <a:fillRect l="-8696" b="-16667"/>
+                    </a:stretch>
+                  </a:blipFill>
+                </p:spPr>
+                <p:txBody>
+                  <a:bodyPr/>
+                  <a:lstStyle/>
+                  <a:p>
+                    <a:r>
+                      <a:rPr lang="en-US">
+                        <a:noFill/>
+                      </a:rPr>
+                      <a:t> </a:t>
+                    </a:r>
+                  </a:p>
+                </p:txBody>
+              </p:sp>
+            </mc:Fallback>
+          </mc:AlternateContent>
+        </p:grpSp>
+        <p:grpSp>
+          <p:nvGrpSpPr>
+            <p:cNvPr id="37" name="Group 36">
+              <a:extLst>
+                <a:ext uri="{FF2B5EF4-FFF2-40B4-BE49-F238E27FC236}">
+                  <a16:creationId xmlns:a16="http://schemas.microsoft.com/office/drawing/2014/main" id="{FF7A5ADD-3B66-484D-8924-67F1035225D7}"/>
+                </a:ext>
+              </a:extLst>
+            </p:cNvPr>
+            <p:cNvGrpSpPr/>
+            <p:nvPr/>
+          </p:nvGrpSpPr>
+          <p:grpSpPr>
+            <a:xfrm>
+              <a:off x="3521269" y="1366298"/>
+              <a:ext cx="294696" cy="931939"/>
+              <a:chOff x="5156067" y="2120588"/>
+              <a:chExt cx="344687" cy="1090028"/>
+            </a:xfrm>
+          </p:grpSpPr>
+          <p:sp>
+            <p:nvSpPr>
+              <p:cNvPr id="94" name="Rectangle 93">
+                <a:extLst>
+                  <a:ext uri="{FF2B5EF4-FFF2-40B4-BE49-F238E27FC236}">
+                    <a16:creationId xmlns:a16="http://schemas.microsoft.com/office/drawing/2014/main" id="{C4EDB886-D368-2C4A-BD81-9CF2DC75E0CB}"/>
+                  </a:ext>
+                </a:extLst>
+              </p:cNvPr>
+              <p:cNvSpPr/>
+              <p:nvPr/>
+            </p:nvSpPr>
+            <p:spPr>
+              <a:xfrm>
+                <a:off x="5157958" y="2418136"/>
+                <a:ext cx="314960" cy="792480"/>
+              </a:xfrm>
+              <a:prstGeom prst="rect">
+                <a:avLst/>
+              </a:prstGeom>
+              <a:solidFill>
+                <a:srgbClr val="AB82FF"/>
+              </a:solidFill>
+              <a:ln w="12700" cap="flat" cmpd="sng" algn="ctr">
+                <a:solidFill>
+                  <a:srgbClr val="7030A0"/>
+                </a:solidFill>
+                <a:prstDash val="solid"/>
+                <a:miter lim="800000"/>
+              </a:ln>
+              <a:effectLst/>
+            </p:spPr>
+            <p:txBody>
+              <a:bodyPr rtlCol="0" anchor="ctr"/>
+              <a:lstStyle/>
+              <a:p>
+                <a:pPr marL="0" marR="0" lvl="0" indent="0" algn="ctr" defTabSz="914400" eaLnBrk="0" fontAlgn="base" latinLnBrk="0" hangingPunct="0">
+                  <a:lnSpc>
+                    <a:spcPct val="100000"/>
+                  </a:lnSpc>
+                  <a:spcBef>
+                    <a:spcPct val="50000"/>
+                  </a:spcBef>
+                  <a:spcAft>
+                    <a:spcPct val="0"/>
+                  </a:spcAft>
+                  <a:buClrTx/>
+                  <a:buSzTx/>
+                  <a:buFontTx/>
+                  <a:buNone/>
+                  <a:tabLst/>
+                  <a:defRPr/>
+                </a:pPr>
+                <a:endParaRPr kumimoji="0" lang="en-US" sz="1800" b="0" i="0" u="none" strike="noStrike" kern="0" cap="none" spc="0" normalizeH="0" baseline="0" noProof="0">
+                  <a:ln>
+                    <a:noFill/>
+                  </a:ln>
+                  <a:solidFill>
+                    <a:prstClr val="black"/>
+                  </a:solidFill>
+                  <a:effectLst>
+                    <a:outerShdw blurRad="38100" dist="38100" dir="2700000" algn="tl">
+                      <a:srgbClr val="000000">
+                        <a:alpha val="43137"/>
+                      </a:srgbClr>
+                    </a:outerShdw>
+                  </a:effectLst>
+                  <a:uLnTx/>
+                  <a:uFillTx/>
+                  <a:latin typeface="Calibri" panose="020F0502020204030204"/>
+                  <a:ea typeface="+mn-ea"/>
+                  <a:cs typeface="+mn-cs"/>
+                </a:endParaRPr>
+              </a:p>
+            </p:txBody>
+          </p:sp>
+          <mc:AlternateContent xmlns:mc="http://schemas.openxmlformats.org/markup-compatibility/2006">
+            <mc:Choice xmlns:a14="http://schemas.microsoft.com/office/drawing/2010/main" Requires="a14">
+              <p:sp>
+                <p:nvSpPr>
+                  <p:cNvPr id="95" name="TextBox 94">
+                    <a:extLst>
+                      <a:ext uri="{FF2B5EF4-FFF2-40B4-BE49-F238E27FC236}">
+                        <a16:creationId xmlns:a16="http://schemas.microsoft.com/office/drawing/2014/main" id="{70F2FD8F-4D5F-4847-B749-A0DBE307E51A}"/>
+                      </a:ext>
+                    </a:extLst>
+                  </p:cNvPr>
+                  <p:cNvSpPr txBox="1"/>
+                  <p:nvPr/>
+                </p:nvSpPr>
+                <p:spPr>
+                  <a:xfrm>
+                    <a:off x="5156067" y="2120588"/>
+                    <a:ext cx="344687" cy="251991"/>
+                  </a:xfrm>
+                  <a:prstGeom prst="rect">
+                    <a:avLst/>
+                  </a:prstGeom>
+                  <a:noFill/>
+                </p:spPr>
+                <p:txBody>
+                  <a:bodyPr wrap="none" lIns="0" tIns="0" rIns="0" bIns="0" rtlCol="0">
+                    <a:spAutoFit/>
+                  </a:bodyPr>
+                  <a:lstStyle/>
+                  <a:p>
+                    <a:pPr marL="0" marR="0" lvl="0" indent="0" defTabSz="914400" eaLnBrk="0" fontAlgn="base" latinLnBrk="0" hangingPunct="0">
+                      <a:lnSpc>
+                        <a:spcPct val="100000"/>
+                      </a:lnSpc>
+                      <a:spcBef>
+                        <a:spcPct val="50000"/>
+                      </a:spcBef>
+                      <a:spcAft>
+                        <a:spcPct val="0"/>
+                      </a:spcAft>
+                      <a:buClrTx/>
+                      <a:buSzTx/>
+                      <a:buFontTx/>
+                      <a:buNone/>
+                      <a:tabLst/>
+                      <a:defRPr/>
+                    </a:pPr>
+                    <a14:m>
+                      <m:oMathPara xmlns:m="http://schemas.openxmlformats.org/officeDocument/2006/math">
+                        <m:oMathParaPr>
+                          <m:jc m:val="centerGroup"/>
+                        </m:oMathParaPr>
+                        <m:oMath xmlns:m="http://schemas.openxmlformats.org/officeDocument/2006/math">
+                          <m:sSub>
+                            <m:sSubPr>
+                              <m:ctrlPr>
+                                <a:rPr kumimoji="0" lang="en-US" sz="1400" b="0" i="1" u="none" strike="noStrike" kern="0" cap="none" spc="0" normalizeH="0" baseline="0" noProof="0" smtClean="0">
+                                  <a:ln>
+                                    <a:noFill/>
+                                  </a:ln>
+                                  <a:solidFill>
+                                    <a:prstClr val="black"/>
+                                  </a:solidFill>
+                                  <a:effectLst/>
+                                  <a:uLnTx/>
+                                  <a:uFillTx/>
+                                  <a:latin typeface="Cambria Math" panose="02040503050406030204" pitchFamily="18" charset="0"/>
+                                </a:rPr>
+                              </m:ctrlPr>
+                            </m:sSubPr>
+                            <m:e>
+                              <m:r>
+                                <a:rPr kumimoji="0" lang="en-US" sz="1400" b="0" i="1" u="none" strike="noStrike" kern="0" cap="none" spc="0" normalizeH="0" baseline="0" noProof="0" smtClean="0">
+                                  <a:ln>
+                                    <a:noFill/>
+                                  </a:ln>
+                                  <a:solidFill>
+                                    <a:prstClr val="black"/>
+                                  </a:solidFill>
+                                  <a:effectLst/>
+                                  <a:uLnTx/>
+                                  <a:uFillTx/>
+                                  <a:latin typeface="Cambria Math" panose="02040503050406030204" pitchFamily="18" charset="0"/>
+                                </a:rPr>
+                                <m:t>𝑚</m:t>
+                              </m:r>
+                            </m:e>
+                            <m:sub>
+                              <m:r>
+                                <a:rPr kumimoji="0" lang="en-US" sz="1400" b="0" i="1" u="none" strike="noStrike" kern="0" cap="none" spc="0" normalizeH="0" baseline="0" noProof="0" smtClean="0">
+                                  <a:ln>
+                                    <a:noFill/>
+                                  </a:ln>
+                                  <a:solidFill>
+                                    <a:prstClr val="black"/>
+                                  </a:solidFill>
+                                  <a:effectLst/>
+                                  <a:uLnTx/>
+                                  <a:uFillTx/>
+                                  <a:latin typeface="Cambria Math" panose="02040503050406030204" pitchFamily="18" charset="0"/>
+                                </a:rPr>
+                                <m:t>𝑥</m:t>
+                              </m:r>
+                            </m:sub>
+                          </m:sSub>
+                        </m:oMath>
+                      </m:oMathPara>
+                    </a14:m>
+                    <a:endParaRPr kumimoji="0" lang="en-US" sz="1400" b="0" i="0" u="none" strike="noStrike" kern="0" cap="none" spc="0" normalizeH="0" baseline="0" noProof="0">
+                      <a:ln>
+                        <a:noFill/>
+                      </a:ln>
+                      <a:solidFill>
+                        <a:prstClr val="black"/>
+                      </a:solidFill>
+                      <a:effectLst/>
+                      <a:uLnTx/>
+                      <a:uFillTx/>
+                      <a:latin typeface="Tahoma" pitchFamily="34" charset="0"/>
+                    </a:endParaRPr>
+                  </a:p>
+                </p:txBody>
+              </p:sp>
+            </mc:Choice>
+            <mc:Fallback>
+              <p:sp>
+                <p:nvSpPr>
+                  <p:cNvPr id="95" name="TextBox 94">
+                    <a:extLst>
+                      <a:ext uri="{FF2B5EF4-FFF2-40B4-BE49-F238E27FC236}">
+                        <a16:creationId xmlns:a16="http://schemas.microsoft.com/office/drawing/2014/main" id="{70F2FD8F-4D5F-4847-B749-A0DBE307E51A}"/>
+                      </a:ext>
+                    </a:extLst>
+                  </p:cNvPr>
+                  <p:cNvSpPr txBox="1">
+                    <a:spLocks noRot="1" noChangeAspect="1" noMove="1" noResize="1" noEditPoints="1" noAdjustHandles="1" noChangeArrowheads="1" noChangeShapeType="1" noTextEdit="1"/>
+                  </p:cNvSpPr>
+                  <p:nvPr/>
+                </p:nvSpPr>
+                <p:spPr>
+                  <a:xfrm>
+                    <a:off x="5156067" y="2120588"/>
+                    <a:ext cx="344687" cy="251991"/>
+                  </a:xfrm>
+                  <a:prstGeom prst="rect">
+                    <a:avLst/>
+                  </a:prstGeom>
+                  <a:blipFill>
+                    <a:blip r:embed="rId14"/>
+                    <a:stretch>
+                      <a:fillRect l="-4167" b="-16667"/>
+                    </a:stretch>
+                  </a:blipFill>
+                </p:spPr>
+                <p:txBody>
+                  <a:bodyPr/>
+                  <a:lstStyle/>
+                  <a:p>
+                    <a:r>
+                      <a:rPr lang="en-US">
+                        <a:noFill/>
+                      </a:rPr>
+                      <a:t> </a:t>
+                    </a:r>
+                  </a:p>
+                </p:txBody>
+              </p:sp>
+            </mc:Fallback>
+          </mc:AlternateContent>
+        </p:grpSp>
+        <p:grpSp>
+          <p:nvGrpSpPr>
+            <p:cNvPr id="41" name="Group 40">
+              <a:extLst>
+                <a:ext uri="{FF2B5EF4-FFF2-40B4-BE49-F238E27FC236}">
+                  <a16:creationId xmlns:a16="http://schemas.microsoft.com/office/drawing/2014/main" id="{E832FC27-0B52-F146-A0A8-9B3E903B4B4C}"/>
+                </a:ext>
+              </a:extLst>
+            </p:cNvPr>
+            <p:cNvGrpSpPr/>
+            <p:nvPr/>
+          </p:nvGrpSpPr>
+          <p:grpSpPr>
+            <a:xfrm>
+              <a:off x="2226799" y="1366298"/>
+              <a:ext cx="269281" cy="931939"/>
+              <a:chOff x="3652097" y="2120588"/>
+              <a:chExt cx="314960" cy="1090028"/>
+            </a:xfrm>
+          </p:grpSpPr>
+          <p:sp>
+            <p:nvSpPr>
+              <p:cNvPr id="92" name="Rectangle 91">
+                <a:extLst>
+                  <a:ext uri="{FF2B5EF4-FFF2-40B4-BE49-F238E27FC236}">
+                    <a16:creationId xmlns:a16="http://schemas.microsoft.com/office/drawing/2014/main" id="{17AFBF21-914C-D848-B242-4E394B69ED89}"/>
+                  </a:ext>
+                </a:extLst>
+              </p:cNvPr>
+              <p:cNvSpPr/>
+              <p:nvPr/>
+            </p:nvSpPr>
+            <p:spPr>
+              <a:xfrm>
+                <a:off x="3652097" y="2418136"/>
+                <a:ext cx="314960" cy="792480"/>
+              </a:xfrm>
+              <a:prstGeom prst="rect">
+                <a:avLst/>
+              </a:prstGeom>
+              <a:solidFill>
+                <a:srgbClr val="FFC000">
+                  <a:lumMod val="60000"/>
+                  <a:lumOff val="40000"/>
+                </a:srgbClr>
+              </a:solidFill>
+              <a:ln w="12700" cap="flat" cmpd="sng" algn="ctr">
+                <a:solidFill>
+                  <a:srgbClr val="ED7D31"/>
+                </a:solidFill>
+                <a:prstDash val="solid"/>
+                <a:miter lim="800000"/>
+              </a:ln>
+              <a:effectLst/>
+            </p:spPr>
+            <p:txBody>
+              <a:bodyPr rtlCol="0" anchor="ctr"/>
+              <a:lstStyle/>
+              <a:p>
+                <a:pPr marL="0" marR="0" lvl="0" indent="0" algn="ctr" defTabSz="914400" eaLnBrk="0" fontAlgn="base" latinLnBrk="0" hangingPunct="0">
+                  <a:lnSpc>
+                    <a:spcPct val="100000"/>
+                  </a:lnSpc>
+                  <a:spcBef>
+                    <a:spcPct val="50000"/>
+                  </a:spcBef>
+                  <a:spcAft>
+                    <a:spcPct val="0"/>
+                  </a:spcAft>
+                  <a:buClrTx/>
+                  <a:buSzTx/>
+                  <a:buFontTx/>
+                  <a:buNone/>
+                  <a:tabLst/>
+                  <a:defRPr/>
+                </a:pPr>
+                <a:endParaRPr kumimoji="0" lang="en-US" sz="1800" b="0" i="0" u="none" strike="noStrike" kern="0" cap="none" spc="0" normalizeH="0" baseline="0" noProof="0">
+                  <a:ln>
+                    <a:noFill/>
+                  </a:ln>
+                  <a:solidFill>
+                    <a:prstClr val="white"/>
+                  </a:solidFill>
+                  <a:effectLst>
+                    <a:outerShdw blurRad="38100" dist="38100" dir="2700000" algn="tl">
+                      <a:srgbClr val="000000">
+                        <a:alpha val="43137"/>
+                      </a:srgbClr>
+                    </a:outerShdw>
+                  </a:effectLst>
+                  <a:uLnTx/>
+                  <a:uFillTx/>
+                  <a:latin typeface="Calibri" panose="020F0502020204030204"/>
+                  <a:ea typeface="+mn-ea"/>
+                  <a:cs typeface="+mn-cs"/>
+                </a:endParaRPr>
+              </a:p>
+            </p:txBody>
+          </p:sp>
+          <mc:AlternateContent xmlns:mc="http://schemas.openxmlformats.org/markup-compatibility/2006">
+            <mc:Choice xmlns:a14="http://schemas.microsoft.com/office/drawing/2010/main" Requires="a14">
+              <p:sp>
+                <p:nvSpPr>
+                  <p:cNvPr id="93" name="TextBox 92">
+                    <a:extLst>
+                      <a:ext uri="{FF2B5EF4-FFF2-40B4-BE49-F238E27FC236}">
+                        <a16:creationId xmlns:a16="http://schemas.microsoft.com/office/drawing/2014/main" id="{276CC573-E68A-7F4E-AC90-A74DD2579DCD}"/>
+                      </a:ext>
+                    </a:extLst>
+                  </p:cNvPr>
+                  <p:cNvSpPr txBox="1"/>
+                  <p:nvPr/>
+                </p:nvSpPr>
+                <p:spPr>
+                  <a:xfrm>
+                    <a:off x="3698906" y="2120588"/>
+                    <a:ext cx="244790" cy="251991"/>
+                  </a:xfrm>
+                  <a:prstGeom prst="rect">
+                    <a:avLst/>
+                  </a:prstGeom>
+                  <a:noFill/>
+                </p:spPr>
+                <p:txBody>
+                  <a:bodyPr wrap="none" lIns="0" tIns="0" rIns="0" bIns="0" rtlCol="0">
+                    <a:spAutoFit/>
+                  </a:bodyPr>
+                  <a:lstStyle/>
+                  <a:p>
+                    <a:pPr marL="0" marR="0" lvl="0" indent="0" defTabSz="914400" eaLnBrk="0" fontAlgn="base" latinLnBrk="0" hangingPunct="0">
+                      <a:lnSpc>
+                        <a:spcPct val="100000"/>
+                      </a:lnSpc>
+                      <a:spcBef>
+                        <a:spcPct val="50000"/>
+                      </a:spcBef>
+                      <a:spcAft>
+                        <a:spcPct val="0"/>
+                      </a:spcAft>
+                      <a:buClrTx/>
+                      <a:buSzTx/>
+                      <a:buFontTx/>
+                      <a:buNone/>
+                      <a:tabLst/>
+                      <a:defRPr/>
+                    </a:pPr>
+                    <a14:m>
+                      <m:oMathPara xmlns:m="http://schemas.openxmlformats.org/officeDocument/2006/math">
+                        <m:oMathParaPr>
+                          <m:jc m:val="centerGroup"/>
+                        </m:oMathParaPr>
+                        <m:oMath xmlns:m="http://schemas.openxmlformats.org/officeDocument/2006/math">
+                          <m:sSub>
+                            <m:sSubPr>
+                              <m:ctrlPr>
+                                <a:rPr kumimoji="0" lang="en-US" sz="1400" b="0" i="1" u="none" strike="noStrike" kern="0" cap="none" spc="0" normalizeH="0" baseline="0" noProof="0" smtClean="0">
+                                  <a:ln>
+                                    <a:noFill/>
+                                  </a:ln>
+                                  <a:solidFill>
+                                    <a:prstClr val="black"/>
+                                  </a:solidFill>
+                                  <a:effectLst/>
+                                  <a:uLnTx/>
+                                  <a:uFillTx/>
+                                  <a:latin typeface="Cambria Math" panose="02040503050406030204" pitchFamily="18" charset="0"/>
+                                  <a:ea typeface="Cambria Math" panose="02040503050406030204" pitchFamily="18" charset="0"/>
+                                </a:rPr>
+                              </m:ctrlPr>
+                            </m:sSubPr>
+                            <m:e>
+                              <m:r>
+                                <a:rPr kumimoji="0" lang="en-US" sz="1400" b="0" i="1" u="none" strike="noStrike" kern="0" cap="none" spc="0" normalizeH="0" baseline="0" noProof="0" smtClean="0">
+                                  <a:ln>
+                                    <a:noFill/>
+                                  </a:ln>
+                                  <a:solidFill>
+                                    <a:prstClr val="black"/>
+                                  </a:solidFill>
+                                  <a:effectLst/>
+                                  <a:uLnTx/>
+                                  <a:uFillTx/>
+                                  <a:latin typeface="Cambria Math" panose="02040503050406030204" pitchFamily="18" charset="0"/>
+                                  <a:ea typeface="Cambria Math" panose="02040503050406030204" pitchFamily="18" charset="0"/>
+                                </a:rPr>
+                                <m:t>𝑒</m:t>
+                              </m:r>
+                            </m:e>
+                            <m:sub>
+                              <m:r>
+                                <a:rPr kumimoji="0" lang="en-US" sz="1400" b="0" i="1" u="none" strike="noStrike" kern="0" cap="none" spc="0" normalizeH="0" baseline="0" noProof="0" smtClean="0">
+                                  <a:ln>
+                                    <a:noFill/>
+                                  </a:ln>
+                                  <a:solidFill>
+                                    <a:prstClr val="black"/>
+                                  </a:solidFill>
+                                  <a:effectLst/>
+                                  <a:uLnTx/>
+                                  <a:uFillTx/>
+                                  <a:latin typeface="Cambria Math" panose="02040503050406030204" pitchFamily="18" charset="0"/>
+                                  <a:ea typeface="Cambria Math" panose="02040503050406030204" pitchFamily="18" charset="0"/>
+                                </a:rPr>
+                                <m:t>𝑡</m:t>
+                              </m:r>
+                            </m:sub>
+                          </m:sSub>
+                        </m:oMath>
+                      </m:oMathPara>
+                    </a14:m>
+                    <a:endParaRPr kumimoji="0" lang="en-US" sz="1400" b="0" i="0" u="none" strike="noStrike" kern="0" cap="none" spc="0" normalizeH="0" baseline="0" noProof="0">
+                      <a:ln>
+                        <a:noFill/>
+                      </a:ln>
+                      <a:solidFill>
+                        <a:prstClr val="black"/>
+                      </a:solidFill>
+                      <a:effectLst/>
+                      <a:uLnTx/>
+                      <a:uFillTx/>
+                      <a:latin typeface="Tahoma" pitchFamily="34" charset="0"/>
+                    </a:endParaRPr>
+                  </a:p>
+                </p:txBody>
+              </p:sp>
+            </mc:Choice>
+            <mc:Fallback>
+              <p:sp>
+                <p:nvSpPr>
+                  <p:cNvPr id="93" name="TextBox 92">
+                    <a:extLst>
+                      <a:ext uri="{FF2B5EF4-FFF2-40B4-BE49-F238E27FC236}">
+                        <a16:creationId xmlns:a16="http://schemas.microsoft.com/office/drawing/2014/main" id="{276CC573-E68A-7F4E-AC90-A74DD2579DCD}"/>
+                      </a:ext>
+                    </a:extLst>
+                  </p:cNvPr>
+                  <p:cNvSpPr txBox="1">
+                    <a:spLocks noRot="1" noChangeAspect="1" noMove="1" noResize="1" noEditPoints="1" noAdjustHandles="1" noChangeArrowheads="1" noChangeShapeType="1" noTextEdit="1"/>
+                  </p:cNvSpPr>
+                  <p:nvPr/>
+                </p:nvSpPr>
+                <p:spPr>
+                  <a:xfrm>
+                    <a:off x="3698906" y="2120588"/>
+                    <a:ext cx="244790" cy="251991"/>
+                  </a:xfrm>
+                  <a:prstGeom prst="rect">
+                    <a:avLst/>
+                  </a:prstGeom>
+                  <a:blipFill>
+                    <a:blip r:embed="rId15"/>
+                    <a:stretch>
+                      <a:fillRect l="-5882" b="-16667"/>
+                    </a:stretch>
+                  </a:blipFill>
+                </p:spPr>
+                <p:txBody>
+                  <a:bodyPr/>
+                  <a:lstStyle/>
+                  <a:p>
+                    <a:r>
+                      <a:rPr lang="en-US">
+                        <a:noFill/>
+                      </a:rPr>
+                      <a:t> </a:t>
+                    </a:r>
+                  </a:p>
+                </p:txBody>
+              </p:sp>
+            </mc:Fallback>
+          </mc:AlternateContent>
+        </p:grpSp>
+        <p:grpSp>
+          <p:nvGrpSpPr>
+            <p:cNvPr id="44" name="Group 43">
+              <a:extLst>
+                <a:ext uri="{FF2B5EF4-FFF2-40B4-BE49-F238E27FC236}">
+                  <a16:creationId xmlns:a16="http://schemas.microsoft.com/office/drawing/2014/main" id="{73957F43-CEB2-C84E-B44F-209B268D62E8}"/>
+                </a:ext>
+              </a:extLst>
+            </p:cNvPr>
+            <p:cNvGrpSpPr/>
+            <p:nvPr/>
+          </p:nvGrpSpPr>
+          <p:grpSpPr>
+            <a:xfrm>
+              <a:off x="3848046" y="1366298"/>
+              <a:ext cx="300788" cy="931939"/>
+              <a:chOff x="5540910" y="2120588"/>
+              <a:chExt cx="351812" cy="1090028"/>
+            </a:xfrm>
+          </p:grpSpPr>
+          <p:sp>
+            <p:nvSpPr>
+              <p:cNvPr id="90" name="Rectangle 89">
+                <a:extLst>
+                  <a:ext uri="{FF2B5EF4-FFF2-40B4-BE49-F238E27FC236}">
+                    <a16:creationId xmlns:a16="http://schemas.microsoft.com/office/drawing/2014/main" id="{C92D8953-661C-8B45-A033-2EE4C1888F99}"/>
+                  </a:ext>
+                </a:extLst>
+              </p:cNvPr>
+              <p:cNvSpPr/>
+              <p:nvPr/>
+            </p:nvSpPr>
+            <p:spPr>
+              <a:xfrm>
+                <a:off x="5545814" y="2418136"/>
+                <a:ext cx="314960" cy="792480"/>
+              </a:xfrm>
+              <a:prstGeom prst="rect">
+                <a:avLst/>
+              </a:prstGeom>
+              <a:solidFill>
+                <a:srgbClr val="70AD47">
+                  <a:lumMod val="60000"/>
+                  <a:lumOff val="40000"/>
+                </a:srgbClr>
+              </a:solidFill>
+              <a:ln w="12700" cap="flat" cmpd="sng" algn="ctr">
+                <a:solidFill>
+                  <a:srgbClr val="70AD47">
+                    <a:lumMod val="50000"/>
+                  </a:srgbClr>
+                </a:solidFill>
+                <a:prstDash val="solid"/>
+                <a:miter lim="800000"/>
+              </a:ln>
+              <a:effectLst/>
+            </p:spPr>
+            <p:txBody>
+              <a:bodyPr rtlCol="0" anchor="ctr"/>
+              <a:lstStyle/>
+              <a:p>
+                <a:pPr marL="0" marR="0" lvl="0" indent="0" algn="ctr" defTabSz="914400" eaLnBrk="0" fontAlgn="base" latinLnBrk="0" hangingPunct="0">
+                  <a:lnSpc>
+                    <a:spcPct val="100000"/>
+                  </a:lnSpc>
+                  <a:spcBef>
+                    <a:spcPct val="50000"/>
+                  </a:spcBef>
+                  <a:spcAft>
+                    <a:spcPct val="0"/>
+                  </a:spcAft>
+                  <a:buClrTx/>
+                  <a:buSzTx/>
+                  <a:buFontTx/>
+                  <a:buNone/>
+                  <a:tabLst/>
+                  <a:defRPr/>
+                </a:pPr>
+                <a:endParaRPr kumimoji="0" lang="en-US" sz="1800" b="0" i="0" u="none" strike="noStrike" kern="0" cap="none" spc="0" normalizeH="0" baseline="0" noProof="0">
+                  <a:ln>
+                    <a:noFill/>
+                  </a:ln>
+                  <a:solidFill>
+                    <a:prstClr val="white"/>
+                  </a:solidFill>
+                  <a:effectLst>
+                    <a:outerShdw blurRad="38100" dist="38100" dir="2700000" algn="tl">
+                      <a:srgbClr val="000000">
+                        <a:alpha val="43137"/>
+                      </a:srgbClr>
+                    </a:outerShdw>
+                  </a:effectLst>
+                  <a:uLnTx/>
+                  <a:uFillTx/>
+                  <a:latin typeface="Calibri" panose="020F0502020204030204"/>
+                  <a:ea typeface="+mn-ea"/>
+                  <a:cs typeface="+mn-cs"/>
+                </a:endParaRPr>
+              </a:p>
+            </p:txBody>
+          </p:sp>
+          <mc:AlternateContent xmlns:mc="http://schemas.openxmlformats.org/markup-compatibility/2006">
+            <mc:Choice xmlns:a14="http://schemas.microsoft.com/office/drawing/2010/main" Requires="a14">
+              <p:sp>
+                <p:nvSpPr>
+                  <p:cNvPr id="91" name="TextBox 90">
+                    <a:extLst>
+                      <a:ext uri="{FF2B5EF4-FFF2-40B4-BE49-F238E27FC236}">
+                        <a16:creationId xmlns:a16="http://schemas.microsoft.com/office/drawing/2014/main" id="{0B77D2BB-D8A8-6540-8A9A-416553487BC9}"/>
+                      </a:ext>
+                    </a:extLst>
+                  </p:cNvPr>
+                  <p:cNvSpPr txBox="1"/>
+                  <p:nvPr/>
+                </p:nvSpPr>
+                <p:spPr>
+                  <a:xfrm>
+                    <a:off x="5540910" y="2120588"/>
+                    <a:ext cx="351812" cy="271865"/>
+                  </a:xfrm>
+                  <a:prstGeom prst="rect">
+                    <a:avLst/>
+                  </a:prstGeom>
+                  <a:noFill/>
+                </p:spPr>
+                <p:txBody>
+                  <a:bodyPr wrap="none" lIns="0" tIns="0" rIns="0" bIns="0" rtlCol="0">
+                    <a:spAutoFit/>
+                  </a:bodyPr>
+                  <a:lstStyle/>
+                  <a:p>
+                    <a:pPr marL="0" marR="0" lvl="0" indent="0" defTabSz="914400" eaLnBrk="0" fontAlgn="base" latinLnBrk="0" hangingPunct="0">
+                      <a:lnSpc>
+                        <a:spcPct val="100000"/>
+                      </a:lnSpc>
+                      <a:spcBef>
+                        <a:spcPct val="50000"/>
+                      </a:spcBef>
+                      <a:spcAft>
+                        <a:spcPct val="0"/>
+                      </a:spcAft>
+                      <a:buClrTx/>
+                      <a:buSzTx/>
+                      <a:buFontTx/>
+                      <a:buNone/>
+                      <a:tabLst/>
+                      <a:defRPr/>
+                    </a:pPr>
+                    <a14:m>
+                      <m:oMathPara xmlns:m="http://schemas.openxmlformats.org/officeDocument/2006/math">
+                        <m:oMathParaPr>
+                          <m:jc m:val="centerGroup"/>
+                        </m:oMathParaPr>
+                        <m:oMath xmlns:m="http://schemas.openxmlformats.org/officeDocument/2006/math">
+                          <m:sSub>
+                            <m:sSubPr>
+                              <m:ctrlPr>
+                                <a:rPr kumimoji="0" lang="en-US" sz="1400" b="0" i="1" u="none" strike="noStrike" kern="0" cap="none" spc="0" normalizeH="0" baseline="0" noProof="0" smtClean="0">
+                                  <a:ln>
+                                    <a:noFill/>
+                                  </a:ln>
+                                  <a:solidFill>
+                                    <a:prstClr val="black"/>
+                                  </a:solidFill>
+                                  <a:effectLst/>
+                                  <a:uLnTx/>
+                                  <a:uFillTx/>
+                                  <a:latin typeface="Cambria Math" panose="02040503050406030204" pitchFamily="18" charset="0"/>
+                                  <a:ea typeface="Cambria Math" panose="02040503050406030204" pitchFamily="18" charset="0"/>
+                                </a:rPr>
+                              </m:ctrlPr>
+                            </m:sSubPr>
+                            <m:e>
+                              <m:r>
+                                <a:rPr kumimoji="0" lang="en-US" sz="1400" b="0" i="1" u="none" strike="noStrike" kern="0" cap="none" spc="0" normalizeH="0" baseline="0" noProof="0" smtClean="0">
+                                  <a:ln>
+                                    <a:noFill/>
+                                  </a:ln>
+                                  <a:solidFill>
+                                    <a:prstClr val="black"/>
+                                  </a:solidFill>
+                                  <a:effectLst/>
+                                  <a:uLnTx/>
+                                  <a:uFillTx/>
+                                  <a:latin typeface="Cambria Math" panose="02040503050406030204" pitchFamily="18" charset="0"/>
+                                  <a:ea typeface="Cambria Math" panose="02040503050406030204" pitchFamily="18" charset="0"/>
+                                </a:rPr>
+                                <m:t>𝑚</m:t>
+                              </m:r>
+                            </m:e>
+                            <m:sub>
+                              <m:r>
+                                <a:rPr kumimoji="0" lang="en-US" sz="1400" b="0" i="1" u="none" strike="noStrike" kern="0" cap="none" spc="0" normalizeH="0" baseline="0" noProof="0" smtClean="0">
+                                  <a:ln>
+                                    <a:noFill/>
+                                  </a:ln>
+                                  <a:solidFill>
+                                    <a:prstClr val="black"/>
+                                  </a:solidFill>
+                                  <a:effectLst/>
+                                  <a:uLnTx/>
+                                  <a:uFillTx/>
+                                  <a:latin typeface="Cambria Math" panose="02040503050406030204" pitchFamily="18" charset="0"/>
+                                  <a:ea typeface="Cambria Math" panose="02040503050406030204" pitchFamily="18" charset="0"/>
+                                </a:rPr>
+                                <m:t>𝑦</m:t>
+                              </m:r>
+                            </m:sub>
+                          </m:sSub>
+                        </m:oMath>
+                      </m:oMathPara>
+                    </a14:m>
+                    <a:endParaRPr kumimoji="0" lang="en-US" sz="1400" b="0" i="0" u="none" strike="noStrike" kern="0" cap="none" spc="0" normalizeH="0" baseline="0" noProof="0">
+                      <a:ln>
+                        <a:noFill/>
+                      </a:ln>
+                      <a:solidFill>
+                        <a:prstClr val="black"/>
+                      </a:solidFill>
+                      <a:effectLst/>
+                      <a:uLnTx/>
+                      <a:uFillTx/>
+                      <a:latin typeface="Tahoma" pitchFamily="34" charset="0"/>
+                    </a:endParaRPr>
+                  </a:p>
+                </p:txBody>
+              </p:sp>
+            </mc:Choice>
+            <mc:Fallback>
+              <p:sp>
+                <p:nvSpPr>
+                  <p:cNvPr id="91" name="TextBox 90">
+                    <a:extLst>
+                      <a:ext uri="{FF2B5EF4-FFF2-40B4-BE49-F238E27FC236}">
+                        <a16:creationId xmlns:a16="http://schemas.microsoft.com/office/drawing/2014/main" id="{0B77D2BB-D8A8-6540-8A9A-416553487BC9}"/>
+                      </a:ext>
+                    </a:extLst>
+                  </p:cNvPr>
+                  <p:cNvSpPr txBox="1">
+                    <a:spLocks noRot="1" noChangeAspect="1" noMove="1" noResize="1" noEditPoints="1" noAdjustHandles="1" noChangeArrowheads="1" noChangeShapeType="1" noTextEdit="1"/>
+                  </p:cNvSpPr>
+                  <p:nvPr/>
+                </p:nvSpPr>
+                <p:spPr>
+                  <a:xfrm>
+                    <a:off x="5540910" y="2120588"/>
+                    <a:ext cx="351812" cy="271865"/>
+                  </a:xfrm>
+                  <a:prstGeom prst="rect">
+                    <a:avLst/>
+                  </a:prstGeom>
+                  <a:blipFill>
+                    <a:blip r:embed="rId16"/>
+                    <a:stretch>
+                      <a:fillRect l="-4000" r="-4000" b="-21053"/>
+                    </a:stretch>
+                  </a:blipFill>
+                </p:spPr>
+                <p:txBody>
+                  <a:bodyPr/>
+                  <a:lstStyle/>
+                  <a:p>
+                    <a:r>
+                      <a:rPr lang="en-US">
+                        <a:noFill/>
+                      </a:rPr>
+                      <a:t> </a:t>
+                    </a:r>
+                  </a:p>
+                </p:txBody>
+              </p:sp>
+            </mc:Fallback>
+          </mc:AlternateContent>
+        </p:grpSp>
+        <p:grpSp>
+          <p:nvGrpSpPr>
+            <p:cNvPr id="45" name="Group 44">
+              <a:extLst>
+                <a:ext uri="{FF2B5EF4-FFF2-40B4-BE49-F238E27FC236}">
+                  <a16:creationId xmlns:a16="http://schemas.microsoft.com/office/drawing/2014/main" id="{35157CDF-9DA0-EF46-BB0F-57F393AD6004}"/>
+                </a:ext>
+              </a:extLst>
+            </p:cNvPr>
+            <p:cNvGrpSpPr/>
+            <p:nvPr/>
+          </p:nvGrpSpPr>
+          <p:grpSpPr>
+            <a:xfrm>
+              <a:off x="5502763" y="2557364"/>
+              <a:ext cx="1575077" cy="677545"/>
+              <a:chOff x="7432783" y="3287599"/>
+              <a:chExt cx="1842264" cy="792480"/>
+            </a:xfrm>
+          </p:grpSpPr>
+          <p:sp>
+            <p:nvSpPr>
+              <p:cNvPr id="88" name="Rectangle 87">
+                <a:extLst>
+                  <a:ext uri="{FF2B5EF4-FFF2-40B4-BE49-F238E27FC236}">
+                    <a16:creationId xmlns:a16="http://schemas.microsoft.com/office/drawing/2014/main" id="{4F88FB32-8AD5-7C4B-A3B1-30E94AC6F1B7}"/>
+                  </a:ext>
+                </a:extLst>
+              </p:cNvPr>
+              <p:cNvSpPr/>
+              <p:nvPr/>
+            </p:nvSpPr>
+            <p:spPr>
+              <a:xfrm>
+                <a:off x="7432783" y="3287599"/>
+                <a:ext cx="1842264" cy="792480"/>
+              </a:xfrm>
+              <a:prstGeom prst="rect">
+                <a:avLst/>
+              </a:prstGeom>
+              <a:solidFill>
+                <a:srgbClr val="5B9BD5">
+                  <a:lumMod val="60000"/>
+                  <a:lumOff val="40000"/>
+                </a:srgbClr>
+              </a:solidFill>
+              <a:ln w="12700" cap="flat" cmpd="sng" algn="ctr">
+                <a:solidFill>
+                  <a:srgbClr val="4472C4"/>
+                </a:solidFill>
+                <a:prstDash val="solid"/>
+                <a:miter lim="800000"/>
+              </a:ln>
+              <a:effectLst/>
+            </p:spPr>
+            <p:txBody>
+              <a:bodyPr rtlCol="0" anchor="ctr"/>
+              <a:lstStyle/>
+              <a:p>
+                <a:pPr marL="0" marR="0" lvl="0" indent="0" algn="ctr" defTabSz="914400" eaLnBrk="0" fontAlgn="base" latinLnBrk="0" hangingPunct="0">
+                  <a:lnSpc>
+                    <a:spcPct val="100000"/>
+                  </a:lnSpc>
+                  <a:spcBef>
+                    <a:spcPct val="50000"/>
+                  </a:spcBef>
+                  <a:spcAft>
+                    <a:spcPct val="0"/>
+                  </a:spcAft>
+                  <a:buClrTx/>
+                  <a:buSzTx/>
+                  <a:buFontTx/>
+                  <a:buNone/>
+                  <a:tabLst/>
+                  <a:defRPr/>
+                </a:pPr>
+                <a:endParaRPr kumimoji="0" lang="en-US" sz="1800" b="0" i="0" u="none" strike="noStrike" kern="0" cap="none" spc="0" normalizeH="0" baseline="0" noProof="0">
+                  <a:ln>
+                    <a:noFill/>
+                  </a:ln>
+                  <a:solidFill>
+                    <a:prstClr val="white"/>
+                  </a:solidFill>
+                  <a:effectLst>
+                    <a:outerShdw blurRad="38100" dist="38100" dir="2700000" algn="tl">
+                      <a:srgbClr val="000000">
+                        <a:alpha val="43137"/>
+                      </a:srgbClr>
+                    </a:outerShdw>
+                  </a:effectLst>
+                  <a:uLnTx/>
+                  <a:uFillTx/>
+                  <a:latin typeface="Calibri" panose="020F0502020204030204"/>
+                  <a:ea typeface="+mn-ea"/>
+                  <a:cs typeface="+mn-cs"/>
+                </a:endParaRPr>
+              </a:p>
+            </p:txBody>
+          </p:sp>
+          <mc:AlternateContent xmlns:mc="http://schemas.openxmlformats.org/markup-compatibility/2006">
+            <mc:Choice xmlns:a14="http://schemas.microsoft.com/office/drawing/2010/main" Requires="a14">
+              <p:sp>
+                <p:nvSpPr>
+                  <p:cNvPr id="89" name="TextBox 88">
+                    <a:extLst>
+                      <a:ext uri="{FF2B5EF4-FFF2-40B4-BE49-F238E27FC236}">
+                        <a16:creationId xmlns:a16="http://schemas.microsoft.com/office/drawing/2014/main" id="{11914C28-8781-3B46-B64D-1FB387DB8DC5}"/>
+                      </a:ext>
+                    </a:extLst>
+                  </p:cNvPr>
+                  <p:cNvSpPr txBox="1"/>
+                  <p:nvPr/>
+                </p:nvSpPr>
+                <p:spPr>
+                  <a:xfrm>
+                    <a:off x="8278574" y="3560729"/>
+                    <a:ext cx="165110" cy="246221"/>
+                  </a:xfrm>
+                  <a:prstGeom prst="rect">
+                    <a:avLst/>
+                  </a:prstGeom>
+                  <a:noFill/>
+                </p:spPr>
+                <p:txBody>
+                  <a:bodyPr wrap="none" lIns="0" tIns="0" rIns="0" bIns="0" rtlCol="0">
+                    <a:spAutoFit/>
+                  </a:bodyPr>
+                  <a:lstStyle/>
+                  <a:p>
+                    <a:pPr marL="0" marR="0" lvl="0" indent="0" defTabSz="914400" eaLnBrk="0" fontAlgn="base" latinLnBrk="0" hangingPunct="0">
+                      <a:lnSpc>
+                        <a:spcPct val="100000"/>
+                      </a:lnSpc>
+                      <a:spcBef>
+                        <a:spcPct val="50000"/>
+                      </a:spcBef>
+                      <a:spcAft>
+                        <a:spcPct val="0"/>
+                      </a:spcAft>
+                      <a:buClrTx/>
+                      <a:buSzTx/>
+                      <a:buFontTx/>
+                      <a:buNone/>
+                      <a:tabLst/>
+                      <a:defRPr/>
+                    </a:pPr>
+                    <a14:m>
+                      <m:oMathPara xmlns:m="http://schemas.openxmlformats.org/officeDocument/2006/math">
+                        <m:oMathParaPr>
+                          <m:jc m:val="centerGroup"/>
+                        </m:oMathParaPr>
+                        <m:oMath xmlns:m="http://schemas.openxmlformats.org/officeDocument/2006/math">
+                          <m:r>
+                            <a:rPr kumimoji="0" lang="en-US" sz="1600" b="1" i="1" u="none" strike="noStrike" kern="0" cap="none" spc="0" normalizeH="0" baseline="0" noProof="0" smtClean="0">
+                              <a:ln>
+                                <a:noFill/>
+                              </a:ln>
+                              <a:solidFill>
+                                <a:prstClr val="black"/>
+                              </a:solidFill>
+                              <a:effectLst/>
+                              <a:uLnTx/>
+                              <a:uFillTx/>
+                              <a:latin typeface="Cambria Math" panose="02040503050406030204" pitchFamily="18" charset="0"/>
+                              <a:ea typeface="Cambria Math" panose="02040503050406030204" pitchFamily="18" charset="0"/>
+                            </a:rPr>
+                            <m:t>𝒄</m:t>
+                          </m:r>
+                        </m:oMath>
+                      </m:oMathPara>
+                    </a14:m>
+                    <a:endParaRPr kumimoji="0" lang="en-US" sz="1600" b="1" i="0" u="none" strike="noStrike" kern="0" cap="none" spc="0" normalizeH="0" baseline="0" noProof="0">
+                      <a:ln>
+                        <a:noFill/>
+                      </a:ln>
+                      <a:solidFill>
+                        <a:prstClr val="black"/>
+                      </a:solidFill>
+                      <a:effectLst/>
+                      <a:uLnTx/>
+                      <a:uFillTx/>
+                      <a:latin typeface="Tahoma" pitchFamily="34" charset="0"/>
+                    </a:endParaRPr>
+                  </a:p>
+                </p:txBody>
+              </p:sp>
+            </mc:Choice>
+            <mc:Fallback>
+              <p:sp>
+                <p:nvSpPr>
+                  <p:cNvPr id="89" name="TextBox 88">
+                    <a:extLst>
+                      <a:ext uri="{FF2B5EF4-FFF2-40B4-BE49-F238E27FC236}">
+                        <a16:creationId xmlns:a16="http://schemas.microsoft.com/office/drawing/2014/main" id="{11914C28-8781-3B46-B64D-1FB387DB8DC5}"/>
+                      </a:ext>
+                    </a:extLst>
+                  </p:cNvPr>
+                  <p:cNvSpPr txBox="1">
+                    <a:spLocks noRot="1" noChangeAspect="1" noMove="1" noResize="1" noEditPoints="1" noAdjustHandles="1" noChangeArrowheads="1" noChangeShapeType="1" noTextEdit="1"/>
+                  </p:cNvSpPr>
+                  <p:nvPr/>
+                </p:nvSpPr>
+                <p:spPr>
+                  <a:xfrm>
+                    <a:off x="8278574" y="3560729"/>
+                    <a:ext cx="165110" cy="246221"/>
+                  </a:xfrm>
+                  <a:prstGeom prst="rect">
+                    <a:avLst/>
+                  </a:prstGeom>
+                  <a:blipFill>
+                    <a:blip r:embed="rId17"/>
+                    <a:stretch>
+                      <a:fillRect l="-25000" r="-25000" b="-22222"/>
+                    </a:stretch>
+                  </a:blipFill>
+                </p:spPr>
+                <p:txBody>
+                  <a:bodyPr/>
+                  <a:lstStyle/>
+                  <a:p>
+                    <a:r>
+                      <a:rPr lang="en-US">
+                        <a:noFill/>
+                      </a:rPr>
+                      <a:t> </a:t>
+                    </a:r>
+                  </a:p>
+                </p:txBody>
+              </p:sp>
+            </mc:Fallback>
+          </mc:AlternateContent>
+        </p:grpSp>
+        <p:grpSp>
+          <p:nvGrpSpPr>
+            <p:cNvPr id="46" name="Group 45">
+              <a:extLst>
+                <a:ext uri="{FF2B5EF4-FFF2-40B4-BE49-F238E27FC236}">
+                  <a16:creationId xmlns:a16="http://schemas.microsoft.com/office/drawing/2014/main" id="{0C42FDFF-EF5C-F943-8AC0-52F07E7C00FC}"/>
+                </a:ext>
+              </a:extLst>
+            </p:cNvPr>
+            <p:cNvGrpSpPr/>
+            <p:nvPr/>
+          </p:nvGrpSpPr>
+          <p:grpSpPr>
+            <a:xfrm>
+              <a:off x="3197724" y="2575162"/>
+              <a:ext cx="1590350" cy="659748"/>
+              <a:chOff x="4760925" y="3308415"/>
+              <a:chExt cx="1860128" cy="771664"/>
+            </a:xfrm>
+          </p:grpSpPr>
+          <p:sp>
+            <p:nvSpPr>
+              <p:cNvPr id="86" name="Rectangle 85">
+                <a:extLst>
+                  <a:ext uri="{FF2B5EF4-FFF2-40B4-BE49-F238E27FC236}">
+                    <a16:creationId xmlns:a16="http://schemas.microsoft.com/office/drawing/2014/main" id="{544F1ED2-9DB5-E544-A0E7-B806653F4DE1}"/>
+                  </a:ext>
+                </a:extLst>
+              </p:cNvPr>
+              <p:cNvSpPr/>
+              <p:nvPr/>
+            </p:nvSpPr>
+            <p:spPr>
+              <a:xfrm>
+                <a:off x="4760925" y="3308415"/>
+                <a:ext cx="1860128" cy="771664"/>
+              </a:xfrm>
+              <a:prstGeom prst="rect">
+                <a:avLst/>
+              </a:prstGeom>
+              <a:solidFill>
+                <a:srgbClr val="5B9BD5">
+                  <a:lumMod val="60000"/>
+                  <a:lumOff val="40000"/>
+                </a:srgbClr>
+              </a:solidFill>
+              <a:ln w="12700" cap="flat" cmpd="sng" algn="ctr">
+                <a:solidFill>
+                  <a:srgbClr val="4472C4"/>
+                </a:solidFill>
+                <a:prstDash val="solid"/>
+                <a:miter lim="800000"/>
+              </a:ln>
+              <a:effectLst/>
+            </p:spPr>
+            <p:txBody>
+              <a:bodyPr rtlCol="0" anchor="ctr"/>
+              <a:lstStyle/>
+              <a:p>
+                <a:pPr marL="0" marR="0" lvl="0" indent="0" algn="ctr" defTabSz="914400" eaLnBrk="0" fontAlgn="base" latinLnBrk="0" hangingPunct="0">
+                  <a:lnSpc>
+                    <a:spcPct val="100000"/>
+                  </a:lnSpc>
+                  <a:spcBef>
+                    <a:spcPct val="50000"/>
+                  </a:spcBef>
+                  <a:spcAft>
+                    <a:spcPct val="0"/>
+                  </a:spcAft>
+                  <a:buClrTx/>
+                  <a:buSzTx/>
+                  <a:buFontTx/>
+                  <a:buNone/>
+                  <a:tabLst/>
+                  <a:defRPr/>
+                </a:pPr>
+                <a:endParaRPr kumimoji="0" lang="en-US" sz="1800" b="0" i="0" u="none" strike="noStrike" kern="0" cap="none" spc="0" normalizeH="0" baseline="0" noProof="0">
+                  <a:ln>
+                    <a:noFill/>
+                  </a:ln>
+                  <a:solidFill>
+                    <a:prstClr val="white"/>
+                  </a:solidFill>
+                  <a:effectLst>
+                    <a:outerShdw blurRad="38100" dist="38100" dir="2700000" algn="tl">
+                      <a:srgbClr val="000000">
+                        <a:alpha val="43137"/>
+                      </a:srgbClr>
+                    </a:outerShdw>
+                  </a:effectLst>
+                  <a:uLnTx/>
+                  <a:uFillTx/>
+                  <a:latin typeface="Calibri" panose="020F0502020204030204"/>
+                  <a:ea typeface="+mn-ea"/>
+                  <a:cs typeface="+mn-cs"/>
+                </a:endParaRPr>
+              </a:p>
+            </p:txBody>
+          </p:sp>
+          <mc:AlternateContent xmlns:mc="http://schemas.openxmlformats.org/markup-compatibility/2006">
+            <mc:Choice xmlns:a14="http://schemas.microsoft.com/office/drawing/2010/main" Requires="a14">
+              <p:sp>
+                <p:nvSpPr>
+                  <p:cNvPr id="87" name="TextBox 86">
+                    <a:extLst>
+                      <a:ext uri="{FF2B5EF4-FFF2-40B4-BE49-F238E27FC236}">
+                        <a16:creationId xmlns:a16="http://schemas.microsoft.com/office/drawing/2014/main" id="{91AB5039-BF7A-CA4E-94FD-B08CEE446557}"/>
+                      </a:ext>
+                    </a:extLst>
+                  </p:cNvPr>
+                  <p:cNvSpPr txBox="1"/>
+                  <p:nvPr/>
+                </p:nvSpPr>
+                <p:spPr>
+                  <a:xfrm>
+                    <a:off x="5624579" y="3560729"/>
+                    <a:ext cx="165110" cy="246221"/>
+                  </a:xfrm>
+                  <a:prstGeom prst="rect">
+                    <a:avLst/>
+                  </a:prstGeom>
+                  <a:noFill/>
+                </p:spPr>
+                <p:txBody>
+                  <a:bodyPr wrap="none" lIns="0" tIns="0" rIns="0" bIns="0" rtlCol="0">
+                    <a:spAutoFit/>
+                  </a:bodyPr>
+                  <a:lstStyle/>
+                  <a:p>
+                    <a:pPr marL="0" marR="0" lvl="0" indent="0" defTabSz="914400" eaLnBrk="0" fontAlgn="base" latinLnBrk="0" hangingPunct="0">
+                      <a:lnSpc>
+                        <a:spcPct val="100000"/>
+                      </a:lnSpc>
+                      <a:spcBef>
+                        <a:spcPct val="50000"/>
+                      </a:spcBef>
+                      <a:spcAft>
+                        <a:spcPct val="0"/>
+                      </a:spcAft>
+                      <a:buClrTx/>
+                      <a:buSzTx/>
+                      <a:buFontTx/>
+                      <a:buNone/>
+                      <a:tabLst/>
+                      <a:defRPr/>
+                    </a:pPr>
+                    <a14:m>
+                      <m:oMathPara xmlns:m="http://schemas.openxmlformats.org/officeDocument/2006/math">
+                        <m:oMathParaPr>
+                          <m:jc m:val="centerGroup"/>
+                        </m:oMathParaPr>
+                        <m:oMath xmlns:m="http://schemas.openxmlformats.org/officeDocument/2006/math">
+                          <m:r>
+                            <a:rPr kumimoji="0" lang="en-US" sz="1600" b="1" i="1" u="none" strike="noStrike" kern="0" cap="none" spc="0" normalizeH="0" baseline="0" noProof="0" smtClean="0">
+                              <a:ln>
+                                <a:noFill/>
+                              </a:ln>
+                              <a:solidFill>
+                                <a:prstClr val="black"/>
+                              </a:solidFill>
+                              <a:effectLst/>
+                              <a:uLnTx/>
+                              <a:uFillTx/>
+                              <a:latin typeface="Cambria Math" panose="02040503050406030204" pitchFamily="18" charset="0"/>
+                              <a:ea typeface="Cambria Math" panose="02040503050406030204" pitchFamily="18" charset="0"/>
+                            </a:rPr>
+                            <m:t>𝒄</m:t>
+                          </m:r>
+                        </m:oMath>
+                      </m:oMathPara>
+                    </a14:m>
+                    <a:endParaRPr kumimoji="0" lang="en-US" sz="1600" b="1" i="0" u="none" strike="noStrike" kern="0" cap="none" spc="0" normalizeH="0" baseline="0" noProof="0">
+                      <a:ln>
+                        <a:noFill/>
+                      </a:ln>
+                      <a:solidFill>
+                        <a:prstClr val="black"/>
+                      </a:solidFill>
+                      <a:effectLst/>
+                      <a:uLnTx/>
+                      <a:uFillTx/>
+                      <a:latin typeface="Tahoma" pitchFamily="34" charset="0"/>
+                    </a:endParaRPr>
+                  </a:p>
+                </p:txBody>
+              </p:sp>
+            </mc:Choice>
+            <mc:Fallback>
+              <p:sp>
+                <p:nvSpPr>
+                  <p:cNvPr id="87" name="TextBox 86">
+                    <a:extLst>
+                      <a:ext uri="{FF2B5EF4-FFF2-40B4-BE49-F238E27FC236}">
+                        <a16:creationId xmlns:a16="http://schemas.microsoft.com/office/drawing/2014/main" id="{91AB5039-BF7A-CA4E-94FD-B08CEE446557}"/>
+                      </a:ext>
+                    </a:extLst>
+                  </p:cNvPr>
+                  <p:cNvSpPr txBox="1">
+                    <a:spLocks noRot="1" noChangeAspect="1" noMove="1" noResize="1" noEditPoints="1" noAdjustHandles="1" noChangeArrowheads="1" noChangeShapeType="1" noTextEdit="1"/>
+                  </p:cNvSpPr>
+                  <p:nvPr/>
+                </p:nvSpPr>
+                <p:spPr>
+                  <a:xfrm>
+                    <a:off x="5624579" y="3560729"/>
+                    <a:ext cx="165110" cy="246221"/>
+                  </a:xfrm>
+                  <a:prstGeom prst="rect">
+                    <a:avLst/>
+                  </a:prstGeom>
+                  <a:blipFill>
+                    <a:blip r:embed="rId18"/>
+                    <a:stretch>
+                      <a:fillRect l="-25000" r="-16667" b="-22222"/>
+                    </a:stretch>
+                  </a:blipFill>
+                </p:spPr>
+                <p:txBody>
+                  <a:bodyPr/>
+                  <a:lstStyle/>
+                  <a:p>
+                    <a:r>
+                      <a:rPr lang="en-US">
+                        <a:noFill/>
+                      </a:rPr>
+                      <a:t> </a:t>
+                    </a:r>
+                  </a:p>
+                </p:txBody>
+              </p:sp>
+            </mc:Fallback>
+          </mc:AlternateContent>
+        </p:grpSp>
+        <p:grpSp>
+          <p:nvGrpSpPr>
+            <p:cNvPr id="47" name="Group 46">
+              <a:extLst>
+                <a:ext uri="{FF2B5EF4-FFF2-40B4-BE49-F238E27FC236}">
+                  <a16:creationId xmlns:a16="http://schemas.microsoft.com/office/drawing/2014/main" id="{D8718BD6-9C6F-D74A-AC2D-9D2D8FDED3A7}"/>
+                </a:ext>
+              </a:extLst>
+            </p:cNvPr>
+            <p:cNvGrpSpPr/>
+            <p:nvPr/>
+          </p:nvGrpSpPr>
+          <p:grpSpPr>
+            <a:xfrm>
+              <a:off x="940780" y="2557364"/>
+              <a:ext cx="1607084" cy="677543"/>
+              <a:chOff x="2087357" y="3287601"/>
+              <a:chExt cx="1879701" cy="792478"/>
+            </a:xfrm>
+          </p:grpSpPr>
+          <p:sp>
+            <p:nvSpPr>
+              <p:cNvPr id="84" name="Rectangle 83">
+                <a:extLst>
+                  <a:ext uri="{FF2B5EF4-FFF2-40B4-BE49-F238E27FC236}">
+                    <a16:creationId xmlns:a16="http://schemas.microsoft.com/office/drawing/2014/main" id="{A43F2350-6D3F-3940-90B4-1C3D6DA2FE3A}"/>
+                  </a:ext>
+                </a:extLst>
+              </p:cNvPr>
+              <p:cNvSpPr/>
+              <p:nvPr/>
+            </p:nvSpPr>
+            <p:spPr>
+              <a:xfrm>
+                <a:off x="2087357" y="3287601"/>
+                <a:ext cx="1879701" cy="792478"/>
+              </a:xfrm>
+              <a:prstGeom prst="rect">
+                <a:avLst/>
+              </a:prstGeom>
+              <a:solidFill>
+                <a:srgbClr val="5B9BD5">
+                  <a:lumMod val="60000"/>
+                  <a:lumOff val="40000"/>
+                </a:srgbClr>
+              </a:solidFill>
+              <a:ln w="12700" cap="flat" cmpd="sng" algn="ctr">
+                <a:solidFill>
+                  <a:srgbClr val="4472C4"/>
+                </a:solidFill>
+                <a:prstDash val="solid"/>
+                <a:miter lim="800000"/>
+              </a:ln>
+              <a:effectLst/>
+            </p:spPr>
+            <p:txBody>
+              <a:bodyPr rtlCol="0" anchor="ctr"/>
+              <a:lstStyle/>
+              <a:p>
+                <a:pPr marL="0" marR="0" lvl="0" indent="0" algn="ctr" defTabSz="914400" eaLnBrk="0" fontAlgn="base" latinLnBrk="0" hangingPunct="0">
+                  <a:lnSpc>
+                    <a:spcPct val="100000"/>
+                  </a:lnSpc>
+                  <a:spcBef>
+                    <a:spcPct val="50000"/>
+                  </a:spcBef>
+                  <a:spcAft>
+                    <a:spcPct val="0"/>
+                  </a:spcAft>
+                  <a:buClrTx/>
+                  <a:buSzTx/>
+                  <a:buFontTx/>
+                  <a:buNone/>
+                  <a:tabLst/>
+                  <a:defRPr/>
+                </a:pPr>
+                <a:endParaRPr kumimoji="0" lang="en-US" sz="1800" b="0" i="0" u="none" strike="noStrike" kern="0" cap="none" spc="0" normalizeH="0" baseline="0" noProof="0">
+                  <a:ln>
+                    <a:noFill/>
+                  </a:ln>
+                  <a:solidFill>
+                    <a:prstClr val="white"/>
+                  </a:solidFill>
+                  <a:effectLst>
+                    <a:outerShdw blurRad="38100" dist="38100" dir="2700000" algn="tl">
+                      <a:srgbClr val="000000">
+                        <a:alpha val="43137"/>
+                      </a:srgbClr>
+                    </a:outerShdw>
+                  </a:effectLst>
+                  <a:uLnTx/>
+                  <a:uFillTx/>
+                  <a:latin typeface="Calibri" panose="020F0502020204030204"/>
+                  <a:ea typeface="+mn-ea"/>
+                  <a:cs typeface="+mn-cs"/>
+                </a:endParaRPr>
+              </a:p>
+            </p:txBody>
+          </p:sp>
+          <mc:AlternateContent xmlns:mc="http://schemas.openxmlformats.org/markup-compatibility/2006">
+            <mc:Choice xmlns:a14="http://schemas.microsoft.com/office/drawing/2010/main" Requires="a14">
+              <p:sp>
+                <p:nvSpPr>
+                  <p:cNvPr id="85" name="TextBox 84">
+                    <a:extLst>
+                      <a:ext uri="{FF2B5EF4-FFF2-40B4-BE49-F238E27FC236}">
+                        <a16:creationId xmlns:a16="http://schemas.microsoft.com/office/drawing/2014/main" id="{4D899372-54EA-CC4F-A53D-CE79A9587771}"/>
+                      </a:ext>
+                    </a:extLst>
+                  </p:cNvPr>
+                  <p:cNvSpPr txBox="1"/>
+                  <p:nvPr/>
+                </p:nvSpPr>
+                <p:spPr>
+                  <a:xfrm>
+                    <a:off x="2970584" y="3560729"/>
+                    <a:ext cx="165110" cy="246221"/>
+                  </a:xfrm>
+                  <a:prstGeom prst="rect">
+                    <a:avLst/>
+                  </a:prstGeom>
+                  <a:noFill/>
+                </p:spPr>
+                <p:txBody>
+                  <a:bodyPr wrap="none" lIns="0" tIns="0" rIns="0" bIns="0" rtlCol="0">
+                    <a:spAutoFit/>
+                  </a:bodyPr>
+                  <a:lstStyle/>
+                  <a:p>
+                    <a:pPr marL="0" marR="0" lvl="0" indent="0" defTabSz="914400" eaLnBrk="0" fontAlgn="base" latinLnBrk="0" hangingPunct="0">
+                      <a:lnSpc>
+                        <a:spcPct val="100000"/>
+                      </a:lnSpc>
+                      <a:spcBef>
+                        <a:spcPct val="50000"/>
+                      </a:spcBef>
+                      <a:spcAft>
+                        <a:spcPct val="0"/>
+                      </a:spcAft>
+                      <a:buClrTx/>
+                      <a:buSzTx/>
+                      <a:buFontTx/>
+                      <a:buNone/>
+                      <a:tabLst/>
+                      <a:defRPr/>
+                    </a:pPr>
+                    <a14:m>
+                      <m:oMathPara xmlns:m="http://schemas.openxmlformats.org/officeDocument/2006/math">
+                        <m:oMathParaPr>
+                          <m:jc m:val="centerGroup"/>
+                        </m:oMathParaPr>
+                        <m:oMath xmlns:m="http://schemas.openxmlformats.org/officeDocument/2006/math">
+                          <m:r>
+                            <a:rPr kumimoji="0" lang="en-US" sz="1600" b="1" i="1" u="none" strike="noStrike" kern="0" cap="none" spc="0" normalizeH="0" baseline="0" noProof="0" smtClean="0">
+                              <a:ln>
+                                <a:noFill/>
+                              </a:ln>
+                              <a:solidFill>
+                                <a:prstClr val="black"/>
+                              </a:solidFill>
+                              <a:effectLst/>
+                              <a:uLnTx/>
+                              <a:uFillTx/>
+                              <a:latin typeface="Cambria Math" panose="02040503050406030204" pitchFamily="18" charset="0"/>
+                              <a:ea typeface="Cambria Math" panose="02040503050406030204" pitchFamily="18" charset="0"/>
+                            </a:rPr>
+                            <m:t>𝒄</m:t>
+                          </m:r>
+                        </m:oMath>
+                      </m:oMathPara>
+                    </a14:m>
+                    <a:endParaRPr kumimoji="0" lang="en-US" sz="1600" b="1" i="0" u="none" strike="noStrike" kern="0" cap="none" spc="0" normalizeH="0" baseline="0" noProof="0" dirty="0">
+                      <a:ln>
+                        <a:noFill/>
+                      </a:ln>
+                      <a:solidFill>
+                        <a:prstClr val="black"/>
+                      </a:solidFill>
+                      <a:effectLst/>
+                      <a:uLnTx/>
+                      <a:uFillTx/>
+                      <a:latin typeface="Tahoma" pitchFamily="34" charset="0"/>
+                    </a:endParaRPr>
+                  </a:p>
+                </p:txBody>
+              </p:sp>
+            </mc:Choice>
+            <mc:Fallback>
+              <p:sp>
+                <p:nvSpPr>
+                  <p:cNvPr id="85" name="TextBox 84">
+                    <a:extLst>
+                      <a:ext uri="{FF2B5EF4-FFF2-40B4-BE49-F238E27FC236}">
+                        <a16:creationId xmlns:a16="http://schemas.microsoft.com/office/drawing/2014/main" id="{4D899372-54EA-CC4F-A53D-CE79A9587771}"/>
+                      </a:ext>
+                    </a:extLst>
+                  </p:cNvPr>
+                  <p:cNvSpPr txBox="1">
+                    <a:spLocks noRot="1" noChangeAspect="1" noMove="1" noResize="1" noEditPoints="1" noAdjustHandles="1" noChangeArrowheads="1" noChangeShapeType="1" noTextEdit="1"/>
+                  </p:cNvSpPr>
+                  <p:nvPr/>
+                </p:nvSpPr>
+                <p:spPr>
+                  <a:xfrm>
+                    <a:off x="2970584" y="3560729"/>
+                    <a:ext cx="165110" cy="246221"/>
+                  </a:xfrm>
+                  <a:prstGeom prst="rect">
+                    <a:avLst/>
+                  </a:prstGeom>
+                  <a:blipFill>
+                    <a:blip r:embed="rId19"/>
+                    <a:stretch>
+                      <a:fillRect l="-25000" r="-25000" b="-22222"/>
+                    </a:stretch>
+                  </a:blipFill>
+                </p:spPr>
+                <p:txBody>
+                  <a:bodyPr/>
+                  <a:lstStyle/>
+                  <a:p>
+                    <a:r>
+                      <a:rPr lang="en-US">
+                        <a:noFill/>
+                      </a:rPr>
+                      <a:t> </a:t>
+                    </a:r>
+                  </a:p>
+                </p:txBody>
+              </p:sp>
+            </mc:Fallback>
+          </mc:AlternateContent>
+        </p:grpSp>
+        <mc:AlternateContent xmlns:mc="http://schemas.openxmlformats.org/markup-compatibility/2006">
+          <mc:Choice xmlns:a14="http://schemas.microsoft.com/office/drawing/2010/main" Requires="a14">
+            <p:sp>
+              <p:nvSpPr>
+                <p:cNvPr id="76" name="TextBox 75">
+                  <a:extLst>
+                    <a:ext uri="{FF2B5EF4-FFF2-40B4-BE49-F238E27FC236}">
+                      <a16:creationId xmlns:a16="http://schemas.microsoft.com/office/drawing/2014/main" id="{76BFEB98-322C-4E41-BBDB-B466D9C40D12}"/>
+                    </a:ext>
+                  </a:extLst>
+                </p:cNvPr>
+                <p:cNvSpPr txBox="1"/>
+                <p:nvPr/>
+              </p:nvSpPr>
+              <p:spPr>
+                <a:xfrm>
+                  <a:off x="1527655" y="1004949"/>
+                  <a:ext cx="190501" cy="210511"/>
+                </a:xfrm>
+                <a:prstGeom prst="rect">
+                  <a:avLst/>
+                </a:prstGeom>
+                <a:noFill/>
+              </p:spPr>
+              <p:txBody>
+                <a:bodyPr wrap="none" lIns="0" tIns="0" rIns="0" bIns="0" rtlCol="0">
+                  <a:spAutoFit/>
+                </a:bodyPr>
+                <a:lstStyle/>
+                <a:p>
+                  <a:pPr marL="0" marR="0" lvl="0" indent="0" defTabSz="914400" eaLnBrk="0" fontAlgn="base" latinLnBrk="0" hangingPunct="0">
+                    <a:lnSpc>
+                      <a:spcPct val="100000"/>
+                    </a:lnSpc>
+                    <a:spcBef>
+                      <a:spcPct val="50000"/>
+                    </a:spcBef>
+                    <a:spcAft>
+                      <a:spcPct val="0"/>
+                    </a:spcAft>
+                    <a:buClrTx/>
+                    <a:buSzTx/>
+                    <a:buFontTx/>
+                    <a:buNone/>
+                    <a:tabLst/>
+                    <a:defRPr/>
+                  </a:pPr>
+                  <a14:m>
+                    <m:oMathPara xmlns:m="http://schemas.openxmlformats.org/officeDocument/2006/math">
+                      <m:oMathParaPr>
+                        <m:jc m:val="centerGroup"/>
+                      </m:oMathParaPr>
+                      <m:oMath xmlns:m="http://schemas.openxmlformats.org/officeDocument/2006/math">
+                        <m:r>
+                          <a:rPr kumimoji="0" lang="en-US" sz="1600" b="1" i="1" u="none" strike="noStrike" kern="0" cap="none" spc="0" normalizeH="0" baseline="0" noProof="0" smtClean="0">
+                            <a:ln>
+                              <a:noFill/>
+                            </a:ln>
+                            <a:solidFill>
+                              <a:prstClr val="black"/>
+                            </a:solidFill>
+                            <a:effectLst/>
+                            <a:uLnTx/>
+                            <a:uFillTx/>
+                            <a:latin typeface="Cambria Math" panose="02040503050406030204" pitchFamily="18" charset="0"/>
+                            <a:ea typeface="Cambria Math" panose="02040503050406030204" pitchFamily="18" charset="0"/>
+                          </a:rPr>
+                          <m:t>𝒘</m:t>
+                        </m:r>
+                      </m:oMath>
+                    </m:oMathPara>
+                  </a14:m>
+                  <a:endParaRPr kumimoji="0" lang="en-US" sz="1600" b="1" i="0" u="none" strike="noStrike" kern="0" cap="none" spc="0" normalizeH="0" baseline="0" noProof="0">
+                    <a:ln>
+                      <a:noFill/>
+                    </a:ln>
+                    <a:solidFill>
+                      <a:prstClr val="black"/>
+                    </a:solidFill>
+                    <a:effectLst/>
+                    <a:uLnTx/>
+                    <a:uFillTx/>
+                    <a:latin typeface="Tahoma" pitchFamily="34" charset="0"/>
+                  </a:endParaRPr>
+                </a:p>
+              </p:txBody>
+            </p:sp>
+          </mc:Choice>
+          <mc:Fallback>
+            <p:sp>
+              <p:nvSpPr>
+                <p:cNvPr id="76" name="TextBox 75">
+                  <a:extLst>
+                    <a:ext uri="{FF2B5EF4-FFF2-40B4-BE49-F238E27FC236}">
+                      <a16:creationId xmlns:a16="http://schemas.microsoft.com/office/drawing/2014/main" id="{76BFEB98-322C-4E41-BBDB-B466D9C40D12}"/>
+                    </a:ext>
+                  </a:extLst>
+                </p:cNvPr>
+                <p:cNvSpPr txBox="1">
+                  <a:spLocks noRot="1" noChangeAspect="1" noMove="1" noResize="1" noEditPoints="1" noAdjustHandles="1" noChangeArrowheads="1" noChangeShapeType="1" noTextEdit="1"/>
+                </p:cNvSpPr>
+                <p:nvPr/>
+              </p:nvSpPr>
+              <p:spPr>
+                <a:xfrm>
+                  <a:off x="1527655" y="1004949"/>
+                  <a:ext cx="190501" cy="210511"/>
+                </a:xfrm>
+                <a:prstGeom prst="rect">
+                  <a:avLst/>
+                </a:prstGeom>
+                <a:blipFill>
+                  <a:blip r:embed="rId20"/>
+                  <a:stretch>
+                    <a:fillRect l="-18750" r="-18750" b="-23529"/>
+                  </a:stretch>
+                </a:blipFill>
+              </p:spPr>
+              <p:txBody>
+                <a:bodyPr/>
+                <a:lstStyle/>
+                <a:p>
+                  <a:r>
+                    <a:rPr lang="en-US">
+                      <a:noFill/>
+                    </a:rPr>
+                    <a:t> </a:t>
+                  </a:r>
+                </a:p>
+              </p:txBody>
+            </p:sp>
+          </mc:Fallback>
+        </mc:AlternateContent>
+        <mc:AlternateContent xmlns:mc="http://schemas.openxmlformats.org/markup-compatibility/2006">
+          <mc:Choice xmlns:a14="http://schemas.microsoft.com/office/drawing/2010/main" Requires="a14">
+            <p:sp>
+              <p:nvSpPr>
+                <p:cNvPr id="77" name="TextBox 76">
+                  <a:extLst>
+                    <a:ext uri="{FF2B5EF4-FFF2-40B4-BE49-F238E27FC236}">
+                      <a16:creationId xmlns:a16="http://schemas.microsoft.com/office/drawing/2014/main" id="{E2749816-B6E2-8C42-A442-108D069155E1}"/>
+                    </a:ext>
+                  </a:extLst>
+                </p:cNvPr>
+                <p:cNvSpPr txBox="1"/>
+                <p:nvPr/>
+              </p:nvSpPr>
+              <p:spPr>
+                <a:xfrm>
+                  <a:off x="3786161" y="1004949"/>
+                  <a:ext cx="190501" cy="210511"/>
+                </a:xfrm>
+                <a:prstGeom prst="rect">
+                  <a:avLst/>
+                </a:prstGeom>
+                <a:noFill/>
+              </p:spPr>
+              <p:txBody>
+                <a:bodyPr wrap="none" lIns="0" tIns="0" rIns="0" bIns="0" rtlCol="0">
+                  <a:spAutoFit/>
+                </a:bodyPr>
+                <a:lstStyle/>
+                <a:p>
+                  <a:pPr marL="0" marR="0" lvl="0" indent="0" defTabSz="914400" eaLnBrk="0" fontAlgn="base" latinLnBrk="0" hangingPunct="0">
+                    <a:lnSpc>
+                      <a:spcPct val="100000"/>
+                    </a:lnSpc>
+                    <a:spcBef>
+                      <a:spcPct val="50000"/>
+                    </a:spcBef>
+                    <a:spcAft>
+                      <a:spcPct val="0"/>
+                    </a:spcAft>
+                    <a:buClrTx/>
+                    <a:buSzTx/>
+                    <a:buFontTx/>
+                    <a:buNone/>
+                    <a:tabLst/>
+                    <a:defRPr/>
+                  </a:pPr>
+                  <a14:m>
+                    <m:oMathPara xmlns:m="http://schemas.openxmlformats.org/officeDocument/2006/math">
+                      <m:oMathParaPr>
+                        <m:jc m:val="centerGroup"/>
+                      </m:oMathParaPr>
+                      <m:oMath xmlns:m="http://schemas.openxmlformats.org/officeDocument/2006/math">
+                        <m:r>
+                          <a:rPr kumimoji="0" lang="en-US" sz="1600" b="1" i="1" u="none" strike="noStrike" kern="0" cap="none" spc="0" normalizeH="0" baseline="0" noProof="0" smtClean="0">
+                            <a:ln>
+                              <a:noFill/>
+                            </a:ln>
+                            <a:solidFill>
+                              <a:prstClr val="black"/>
+                            </a:solidFill>
+                            <a:effectLst/>
+                            <a:uLnTx/>
+                            <a:uFillTx/>
+                            <a:latin typeface="Cambria Math" panose="02040503050406030204" pitchFamily="18" charset="0"/>
+                            <a:ea typeface="Cambria Math" panose="02040503050406030204" pitchFamily="18" charset="0"/>
+                          </a:rPr>
+                          <m:t>𝒘</m:t>
+                        </m:r>
+                      </m:oMath>
+                    </m:oMathPara>
+                  </a14:m>
+                  <a:endParaRPr kumimoji="0" lang="en-US" sz="1600" b="1" i="0" u="none" strike="noStrike" kern="0" cap="none" spc="0" normalizeH="0" baseline="0" noProof="0">
+                    <a:ln>
+                      <a:noFill/>
+                    </a:ln>
+                    <a:solidFill>
+                      <a:prstClr val="black"/>
+                    </a:solidFill>
+                    <a:effectLst/>
+                    <a:uLnTx/>
+                    <a:uFillTx/>
+                    <a:latin typeface="Tahoma" pitchFamily="34" charset="0"/>
+                  </a:endParaRPr>
+                </a:p>
+              </p:txBody>
+            </p:sp>
+          </mc:Choice>
+          <mc:Fallback>
+            <p:sp>
+              <p:nvSpPr>
+                <p:cNvPr id="77" name="TextBox 76">
+                  <a:extLst>
+                    <a:ext uri="{FF2B5EF4-FFF2-40B4-BE49-F238E27FC236}">
+                      <a16:creationId xmlns:a16="http://schemas.microsoft.com/office/drawing/2014/main" id="{E2749816-B6E2-8C42-A442-108D069155E1}"/>
+                    </a:ext>
+                  </a:extLst>
+                </p:cNvPr>
+                <p:cNvSpPr txBox="1">
+                  <a:spLocks noRot="1" noChangeAspect="1" noMove="1" noResize="1" noEditPoints="1" noAdjustHandles="1" noChangeArrowheads="1" noChangeShapeType="1" noTextEdit="1"/>
+                </p:cNvSpPr>
+                <p:nvPr/>
+              </p:nvSpPr>
+              <p:spPr>
+                <a:xfrm>
+                  <a:off x="3786161" y="1004949"/>
+                  <a:ext cx="190501" cy="210511"/>
+                </a:xfrm>
+                <a:prstGeom prst="rect">
+                  <a:avLst/>
+                </a:prstGeom>
+                <a:blipFill>
+                  <a:blip r:embed="rId21"/>
+                  <a:stretch>
+                    <a:fillRect l="-20000" r="-26667" b="-23529"/>
+                  </a:stretch>
+                </a:blipFill>
+              </p:spPr>
+              <p:txBody>
+                <a:bodyPr/>
+                <a:lstStyle/>
+                <a:p>
+                  <a:r>
+                    <a:rPr lang="en-US">
+                      <a:noFill/>
+                    </a:rPr>
+                    <a:t> </a:t>
+                  </a:r>
+                </a:p>
+              </p:txBody>
+            </p:sp>
+          </mc:Fallback>
+        </mc:AlternateContent>
+        <mc:AlternateContent xmlns:mc="http://schemas.openxmlformats.org/markup-compatibility/2006">
+          <mc:Choice xmlns:a14="http://schemas.microsoft.com/office/drawing/2010/main" Requires="a14">
+            <p:sp>
+              <p:nvSpPr>
+                <p:cNvPr id="78" name="TextBox 77">
+                  <a:extLst>
+                    <a:ext uri="{FF2B5EF4-FFF2-40B4-BE49-F238E27FC236}">
+                      <a16:creationId xmlns:a16="http://schemas.microsoft.com/office/drawing/2014/main" id="{4738B5C1-1F4F-ED47-B837-7C3593753B51}"/>
+                    </a:ext>
+                  </a:extLst>
+                </p:cNvPr>
+                <p:cNvSpPr txBox="1"/>
+                <p:nvPr/>
+              </p:nvSpPr>
+              <p:spPr>
+                <a:xfrm>
+                  <a:off x="6066579" y="1004949"/>
+                  <a:ext cx="190501" cy="210511"/>
+                </a:xfrm>
+                <a:prstGeom prst="rect">
+                  <a:avLst/>
+                </a:prstGeom>
+                <a:noFill/>
+              </p:spPr>
+              <p:txBody>
+                <a:bodyPr wrap="none" lIns="0" tIns="0" rIns="0" bIns="0" rtlCol="0">
+                  <a:spAutoFit/>
+                </a:bodyPr>
+                <a:lstStyle/>
+                <a:p>
+                  <a:pPr marL="0" marR="0" lvl="0" indent="0" defTabSz="914400" eaLnBrk="0" fontAlgn="base" latinLnBrk="0" hangingPunct="0">
+                    <a:lnSpc>
+                      <a:spcPct val="100000"/>
+                    </a:lnSpc>
+                    <a:spcBef>
+                      <a:spcPct val="50000"/>
+                    </a:spcBef>
+                    <a:spcAft>
+                      <a:spcPct val="0"/>
+                    </a:spcAft>
+                    <a:buClrTx/>
+                    <a:buSzTx/>
+                    <a:buFontTx/>
+                    <a:buNone/>
+                    <a:tabLst/>
+                    <a:defRPr/>
+                  </a:pPr>
+                  <a14:m>
+                    <m:oMathPara xmlns:m="http://schemas.openxmlformats.org/officeDocument/2006/math">
+                      <m:oMathParaPr>
+                        <m:jc m:val="centerGroup"/>
+                      </m:oMathParaPr>
+                      <m:oMath xmlns:m="http://schemas.openxmlformats.org/officeDocument/2006/math">
+                        <m:r>
+                          <a:rPr kumimoji="0" lang="en-US" sz="1600" b="1" i="1" u="none" strike="noStrike" kern="0" cap="none" spc="0" normalizeH="0" baseline="0" noProof="0" smtClean="0">
+                            <a:ln>
+                              <a:noFill/>
+                            </a:ln>
+                            <a:solidFill>
+                              <a:prstClr val="black"/>
+                            </a:solidFill>
+                            <a:effectLst/>
+                            <a:uLnTx/>
+                            <a:uFillTx/>
+                            <a:latin typeface="Cambria Math" panose="02040503050406030204" pitchFamily="18" charset="0"/>
+                            <a:ea typeface="Cambria Math" panose="02040503050406030204" pitchFamily="18" charset="0"/>
+                          </a:rPr>
+                          <m:t>𝒘</m:t>
+                        </m:r>
+                      </m:oMath>
+                    </m:oMathPara>
+                  </a14:m>
+                  <a:endParaRPr kumimoji="0" lang="en-US" sz="1600" b="1" i="0" u="none" strike="noStrike" kern="0" cap="none" spc="0" normalizeH="0" baseline="0" noProof="0">
+                    <a:ln>
+                      <a:noFill/>
+                    </a:ln>
+                    <a:solidFill>
+                      <a:prstClr val="black"/>
+                    </a:solidFill>
+                    <a:effectLst/>
+                    <a:uLnTx/>
+                    <a:uFillTx/>
+                    <a:latin typeface="Tahoma" pitchFamily="34" charset="0"/>
+                  </a:endParaRPr>
+                </a:p>
+              </p:txBody>
+            </p:sp>
+          </mc:Choice>
+          <mc:Fallback>
+            <p:sp>
+              <p:nvSpPr>
+                <p:cNvPr id="78" name="TextBox 77">
+                  <a:extLst>
+                    <a:ext uri="{FF2B5EF4-FFF2-40B4-BE49-F238E27FC236}">
+                      <a16:creationId xmlns:a16="http://schemas.microsoft.com/office/drawing/2014/main" id="{4738B5C1-1F4F-ED47-B837-7C3593753B51}"/>
+                    </a:ext>
+                  </a:extLst>
+                </p:cNvPr>
+                <p:cNvSpPr txBox="1">
+                  <a:spLocks noRot="1" noChangeAspect="1" noMove="1" noResize="1" noEditPoints="1" noAdjustHandles="1" noChangeArrowheads="1" noChangeShapeType="1" noTextEdit="1"/>
+                </p:cNvSpPr>
+                <p:nvPr/>
+              </p:nvSpPr>
+              <p:spPr>
+                <a:xfrm>
+                  <a:off x="6066579" y="1004949"/>
+                  <a:ext cx="190501" cy="210511"/>
+                </a:xfrm>
+                <a:prstGeom prst="rect">
+                  <a:avLst/>
+                </a:prstGeom>
+                <a:blipFill>
+                  <a:blip r:embed="rId22"/>
+                  <a:stretch>
+                    <a:fillRect l="-18750" r="-18750" b="-23529"/>
+                  </a:stretch>
+                </a:blipFill>
+              </p:spPr>
+              <p:txBody>
+                <a:bodyPr/>
+                <a:lstStyle/>
+                <a:p>
+                  <a:r>
+                    <a:rPr lang="en-US">
+                      <a:noFill/>
+                    </a:rPr>
+                    <a:t> </a:t>
+                  </a:r>
+                </a:p>
+              </p:txBody>
+            </p:sp>
+          </mc:Fallback>
+        </mc:AlternateContent>
+        <p:cxnSp>
+          <p:nvCxnSpPr>
+            <p:cNvPr id="79" name="Curved Connector 78">
+              <a:extLst>
+                <a:ext uri="{FF2B5EF4-FFF2-40B4-BE49-F238E27FC236}">
+                  <a16:creationId xmlns:a16="http://schemas.microsoft.com/office/drawing/2014/main" id="{B0C9BF71-3513-364B-9468-C3E36647E685}"/>
+                </a:ext>
+              </a:extLst>
+            </p:cNvPr>
+            <p:cNvCxnSpPr>
+              <a:cxnSpLocks/>
+              <a:stCxn id="19" idx="0"/>
+              <a:endCxn id="77" idx="0"/>
+            </p:cNvCxnSpPr>
+            <p:nvPr/>
+          </p:nvCxnSpPr>
+          <p:spPr>
+            <a:xfrm rot="16200000" flipH="1">
+              <a:off x="2749505" y="-126957"/>
+              <a:ext cx="4029" cy="2259783"/>
+            </a:xfrm>
+            <a:prstGeom prst="curvedConnector3">
+              <a:avLst>
+                <a:gd name="adj1" fmla="val -5673864"/>
+              </a:avLst>
+            </a:prstGeom>
+            <a:noFill/>
+            <a:ln w="15875" cap="flat" cmpd="sng" algn="ctr">
+              <a:solidFill>
+                <a:sysClr val="windowText" lastClr="000000"/>
+              </a:solidFill>
+              <a:prstDash val="solid"/>
+              <a:miter lim="800000"/>
+              <a:headEnd type="triangle"/>
+              <a:tailEnd type="triangle"/>
+            </a:ln>
+            <a:effectLst/>
+          </p:spPr>
+        </p:cxnSp>
+        <p:cxnSp>
+          <p:nvCxnSpPr>
+            <p:cNvPr id="80" name="Curved Connector 79">
+              <a:extLst>
+                <a:ext uri="{FF2B5EF4-FFF2-40B4-BE49-F238E27FC236}">
+                  <a16:creationId xmlns:a16="http://schemas.microsoft.com/office/drawing/2014/main" id="{A73D718F-4CE7-4C49-9649-40FFE21CB469}"/>
+                </a:ext>
+              </a:extLst>
+            </p:cNvPr>
+            <p:cNvCxnSpPr>
+              <a:cxnSpLocks/>
+              <a:stCxn id="18" idx="0"/>
+              <a:endCxn id="17" idx="0"/>
+            </p:cNvCxnSpPr>
+            <p:nvPr/>
+          </p:nvCxnSpPr>
+          <p:spPr>
+            <a:xfrm rot="5400000" flipH="1" flipV="1">
+              <a:off x="5041380" y="-138300"/>
+              <a:ext cx="12700" cy="2278442"/>
+            </a:xfrm>
+            <a:prstGeom prst="curvedConnector3">
+              <a:avLst>
+                <a:gd name="adj1" fmla="val 1800000"/>
+              </a:avLst>
+            </a:prstGeom>
+            <a:noFill/>
+            <a:ln w="15875" cap="flat" cmpd="sng" algn="ctr">
+              <a:solidFill>
+                <a:sysClr val="windowText" lastClr="000000"/>
+              </a:solidFill>
+              <a:prstDash val="solid"/>
+              <a:miter lim="800000"/>
+              <a:headEnd type="triangle"/>
+              <a:tailEnd type="triangle"/>
+            </a:ln>
+            <a:effectLst/>
+          </p:spPr>
+        </p:cxnSp>
+        <p:sp>
+          <p:nvSpPr>
+            <p:cNvPr id="81" name="TextBox 80">
+              <a:extLst>
+                <a:ext uri="{FF2B5EF4-FFF2-40B4-BE49-F238E27FC236}">
+                  <a16:creationId xmlns:a16="http://schemas.microsoft.com/office/drawing/2014/main" id="{1846A507-47DD-5647-A711-25C78DA40CD2}"/>
+                </a:ext>
+              </a:extLst>
+            </p:cNvPr>
+            <p:cNvSpPr txBox="1"/>
+            <p:nvPr/>
+          </p:nvSpPr>
+          <p:spPr>
+            <a:xfrm>
+              <a:off x="1198343" y="605914"/>
+              <a:ext cx="872262" cy="293593"/>
+            </a:xfrm>
+            <a:prstGeom prst="rect">
+              <a:avLst/>
+            </a:prstGeom>
+            <a:noFill/>
+          </p:spPr>
+          <p:txBody>
+            <a:bodyPr wrap="square" rtlCol="0">
+              <a:spAutoFit/>
+            </a:bodyPr>
+            <a:lstStyle/>
+            <a:p>
+              <a:pPr marL="0" marR="0" lvl="0" indent="0" algn="ctr" defTabSz="914400" eaLnBrk="0" fontAlgn="base" latinLnBrk="0" hangingPunct="0">
+                <a:lnSpc>
+                  <a:spcPct val="100000"/>
+                </a:lnSpc>
+                <a:spcBef>
+                  <a:spcPct val="50000"/>
+                </a:spcBef>
+                <a:spcAft>
+                  <a:spcPct val="0"/>
+                </a:spcAft>
+                <a:buClrTx/>
+                <a:buSzTx/>
+                <a:buFontTx/>
+                <a:buNone/>
+                <a:tabLst/>
+                <a:defRPr/>
+              </a:pPr>
+              <a:r>
+                <a:rPr kumimoji="0" lang="en-US" sz="1400" b="0" i="0" u="none" strike="noStrike" kern="0" cap="none" spc="0" normalizeH="0" baseline="0" noProof="0">
+                  <a:ln>
+                    <a:noFill/>
+                  </a:ln>
+                  <a:solidFill>
+                    <a:prstClr val="black"/>
+                  </a:solidFill>
+                  <a:effectLst/>
+                  <a:uLnTx/>
+                  <a:uFillTx/>
+                  <a:latin typeface="Tahoma" pitchFamily="34" charset="0"/>
+                </a:rPr>
+                <a:t>Task 0</a:t>
+              </a:r>
+            </a:p>
+          </p:txBody>
+        </p:sp>
+        <p:sp>
+          <p:nvSpPr>
+            <p:cNvPr id="82" name="TextBox 81">
+              <a:extLst>
+                <a:ext uri="{FF2B5EF4-FFF2-40B4-BE49-F238E27FC236}">
+                  <a16:creationId xmlns:a16="http://schemas.microsoft.com/office/drawing/2014/main" id="{FD40BBAA-DCDB-394B-8D1F-16E027CCCF9B}"/>
+                </a:ext>
+              </a:extLst>
+            </p:cNvPr>
+            <p:cNvSpPr txBox="1"/>
+            <p:nvPr/>
+          </p:nvSpPr>
+          <p:spPr>
+            <a:xfrm>
+              <a:off x="3447471" y="605914"/>
+              <a:ext cx="872262" cy="293593"/>
+            </a:xfrm>
+            <a:prstGeom prst="rect">
+              <a:avLst/>
+            </a:prstGeom>
+            <a:noFill/>
+          </p:spPr>
+          <p:txBody>
+            <a:bodyPr wrap="square" rtlCol="0">
+              <a:spAutoFit/>
+            </a:bodyPr>
+            <a:lstStyle/>
+            <a:p>
+              <a:pPr marL="0" marR="0" lvl="0" indent="0" algn="ctr" defTabSz="914400" eaLnBrk="0" fontAlgn="base" latinLnBrk="0" hangingPunct="0">
+                <a:lnSpc>
+                  <a:spcPct val="100000"/>
+                </a:lnSpc>
+                <a:spcBef>
+                  <a:spcPct val="50000"/>
+                </a:spcBef>
+                <a:spcAft>
+                  <a:spcPct val="0"/>
+                </a:spcAft>
+                <a:buClrTx/>
+                <a:buSzTx/>
+                <a:buFontTx/>
+                <a:buNone/>
+                <a:tabLst/>
+                <a:defRPr/>
+              </a:pPr>
+              <a:r>
+                <a:rPr kumimoji="0" lang="en-US" sz="1400" b="0" i="0" u="none" strike="noStrike" kern="0" cap="none" spc="0" normalizeH="0" baseline="0" noProof="0">
+                  <a:ln>
+                    <a:noFill/>
+                  </a:ln>
+                  <a:solidFill>
+                    <a:prstClr val="black"/>
+                  </a:solidFill>
+                  <a:effectLst/>
+                  <a:uLnTx/>
+                  <a:uFillTx/>
+                  <a:latin typeface="Tahoma" pitchFamily="34" charset="0"/>
+                </a:rPr>
+                <a:t>Task 1</a:t>
+              </a:r>
+            </a:p>
+          </p:txBody>
+        </p:sp>
+        <p:sp>
+          <p:nvSpPr>
+            <p:cNvPr id="83" name="TextBox 82">
+              <a:extLst>
+                <a:ext uri="{FF2B5EF4-FFF2-40B4-BE49-F238E27FC236}">
+                  <a16:creationId xmlns:a16="http://schemas.microsoft.com/office/drawing/2014/main" id="{3C26CA63-1A6E-1A46-851B-9EA796B36126}"/>
+                </a:ext>
+              </a:extLst>
+            </p:cNvPr>
+            <p:cNvSpPr txBox="1"/>
+            <p:nvPr/>
+          </p:nvSpPr>
+          <p:spPr>
+            <a:xfrm>
+              <a:off x="5718510" y="605914"/>
+              <a:ext cx="872262" cy="293593"/>
+            </a:xfrm>
+            <a:prstGeom prst="rect">
+              <a:avLst/>
+            </a:prstGeom>
+            <a:noFill/>
+          </p:spPr>
+          <p:txBody>
+            <a:bodyPr wrap="square" rtlCol="0">
+              <a:spAutoFit/>
+            </a:bodyPr>
+            <a:lstStyle/>
+            <a:p>
+              <a:pPr marL="0" marR="0" lvl="0" indent="0" algn="ctr" defTabSz="914400" eaLnBrk="0" fontAlgn="base" latinLnBrk="0" hangingPunct="0">
+                <a:lnSpc>
+                  <a:spcPct val="100000"/>
+                </a:lnSpc>
+                <a:spcBef>
+                  <a:spcPct val="50000"/>
+                </a:spcBef>
+                <a:spcAft>
+                  <a:spcPct val="0"/>
+                </a:spcAft>
+                <a:buClrTx/>
+                <a:buSzTx/>
+                <a:buFontTx/>
+                <a:buNone/>
+                <a:tabLst/>
+                <a:defRPr/>
+              </a:pPr>
+              <a:r>
+                <a:rPr kumimoji="0" lang="en-US" sz="1400" b="0" i="0" u="none" strike="noStrike" kern="0" cap="none" spc="0" normalizeH="0" baseline="0" noProof="0">
+                  <a:ln>
+                    <a:noFill/>
+                  </a:ln>
+                  <a:solidFill>
+                    <a:prstClr val="black"/>
+                  </a:solidFill>
+                  <a:effectLst/>
+                  <a:uLnTx/>
+                  <a:uFillTx/>
+                  <a:latin typeface="Tahoma" pitchFamily="34" charset="0"/>
+                </a:rPr>
+                <a:t>Task 2</a:t>
+              </a:r>
+            </a:p>
+          </p:txBody>
+        </p:sp>
+        <mc:AlternateContent xmlns:mc="http://schemas.openxmlformats.org/markup-compatibility/2006">
+          <mc:Choice xmlns:a14="http://schemas.microsoft.com/office/drawing/2010/main" Requires="a14">
+            <p:sp>
+              <p:nvSpPr>
+                <p:cNvPr id="122" name="TextBox 121">
+                  <a:extLst>
+                    <a:ext uri="{FF2B5EF4-FFF2-40B4-BE49-F238E27FC236}">
+                      <a16:creationId xmlns:a16="http://schemas.microsoft.com/office/drawing/2014/main" id="{524C076E-F49B-1D7F-DCC1-5C9451B696C7}"/>
+                    </a:ext>
+                  </a:extLst>
+                </p:cNvPr>
+                <p:cNvSpPr txBox="1"/>
+                <p:nvPr/>
+              </p:nvSpPr>
+              <p:spPr>
+                <a:xfrm rot="16200000">
+                  <a:off x="582789" y="1766678"/>
+                  <a:ext cx="429743" cy="246221"/>
+                </a:xfrm>
+                <a:prstGeom prst="rect">
+                  <a:avLst/>
+                </a:prstGeom>
+                <a:noFill/>
+              </p:spPr>
+              <p:txBody>
+                <a:bodyPr wrap="square" lIns="0" tIns="0" rIns="0" bIns="0" rtlCol="0">
+                  <a:spAutoFit/>
+                </a:bodyPr>
+                <a:lstStyle/>
+                <a:p>
+                  <a:pPr marL="0" marR="0" lvl="0" indent="0" defTabSz="914400" eaLnBrk="0" fontAlgn="base" latinLnBrk="0" hangingPunct="0">
+                    <a:lnSpc>
+                      <a:spcPct val="100000"/>
+                    </a:lnSpc>
+                    <a:spcBef>
+                      <a:spcPct val="50000"/>
+                    </a:spcBef>
+                    <a:spcAft>
+                      <a:spcPct val="0"/>
+                    </a:spcAft>
+                    <a:buClrTx/>
+                    <a:buSzTx/>
+                    <a:buFontTx/>
+                    <a:buNone/>
+                    <a:tabLst/>
+                    <a:defRPr/>
+                  </a:pPr>
+                  <a14:m>
+                    <m:oMathPara xmlns:m="http://schemas.openxmlformats.org/officeDocument/2006/math">
+                      <m:oMathParaPr>
+                        <m:jc m:val="centerGroup"/>
+                      </m:oMathParaPr>
+                      <m:oMath xmlns:m="http://schemas.openxmlformats.org/officeDocument/2006/math">
+                        <m:r>
+                          <a:rPr kumimoji="0" lang="en-US" sz="1600" b="1" i="0" u="none" strike="noStrike" kern="0" cap="none" spc="0" normalizeH="0" baseline="0" noProof="0" smtClean="0">
+                            <a:ln>
+                              <a:noFill/>
+                            </a:ln>
+                            <a:solidFill>
+                              <a:prstClr val="black"/>
+                            </a:solidFill>
+                            <a:effectLst/>
+                            <a:uLnTx/>
+                            <a:uFillTx/>
+                            <a:latin typeface="Cambria Math" panose="02040503050406030204" pitchFamily="18" charset="0"/>
+                            <a:ea typeface="Cambria Math" panose="02040503050406030204" pitchFamily="18" charset="0"/>
+                          </a:rPr>
+                          <m:t>𝐂𝐏𝐔</m:t>
+                        </m:r>
+                      </m:oMath>
+                    </m:oMathPara>
+                  </a14:m>
+                  <a:endParaRPr kumimoji="0" lang="en-US" sz="1600" b="1" u="none" strike="noStrike" kern="0" cap="none" spc="0" normalizeH="0" baseline="0" noProof="0" dirty="0">
+                    <a:ln>
+                      <a:noFill/>
+                    </a:ln>
+                    <a:solidFill>
+                      <a:prstClr val="black"/>
+                    </a:solidFill>
+                    <a:effectLst/>
+                    <a:uLnTx/>
+                    <a:uFillTx/>
+                    <a:latin typeface="Cambria" panose="02040503050406030204" pitchFamily="18" charset="0"/>
+                  </a:endParaRPr>
+                </a:p>
+              </p:txBody>
+            </p:sp>
+          </mc:Choice>
+          <mc:Fallback>
+            <p:sp>
+              <p:nvSpPr>
+                <p:cNvPr id="122" name="TextBox 121">
+                  <a:extLst>
+                    <a:ext uri="{FF2B5EF4-FFF2-40B4-BE49-F238E27FC236}">
+                      <a16:creationId xmlns:a16="http://schemas.microsoft.com/office/drawing/2014/main" id="{524C076E-F49B-1D7F-DCC1-5C9451B696C7}"/>
+                    </a:ext>
+                  </a:extLst>
+                </p:cNvPr>
+                <p:cNvSpPr txBox="1">
+                  <a:spLocks noRot="1" noChangeAspect="1" noMove="1" noResize="1" noEditPoints="1" noAdjustHandles="1" noChangeArrowheads="1" noChangeShapeType="1" noTextEdit="1"/>
+                </p:cNvSpPr>
+                <p:nvPr/>
+              </p:nvSpPr>
+              <p:spPr>
+                <a:xfrm rot="16200000">
+                  <a:off x="582789" y="1766678"/>
+                  <a:ext cx="429743" cy="246221"/>
+                </a:xfrm>
+                <a:prstGeom prst="rect">
+                  <a:avLst/>
+                </a:prstGeom>
+                <a:blipFill>
+                  <a:blip r:embed="rId23"/>
+                  <a:stretch>
+                    <a:fillRect t="-11765" r="-10000" b="-11765"/>
+                  </a:stretch>
+                </a:blipFill>
+              </p:spPr>
+              <p:txBody>
+                <a:bodyPr/>
+                <a:lstStyle/>
+                <a:p>
+                  <a:r>
+                    <a:rPr lang="en-US">
+                      <a:noFill/>
+                    </a:rPr>
+                    <a:t> </a:t>
+                  </a:r>
+                </a:p>
+              </p:txBody>
+            </p:sp>
+          </mc:Fallback>
+        </mc:AlternateContent>
+        <mc:AlternateContent xmlns:mc="http://schemas.openxmlformats.org/markup-compatibility/2006">
+          <mc:Choice xmlns:a14="http://schemas.microsoft.com/office/drawing/2010/main" Requires="a14">
+            <p:sp>
+              <p:nvSpPr>
+                <p:cNvPr id="124" name="TextBox 123">
+                  <a:extLst>
+                    <a:ext uri="{FF2B5EF4-FFF2-40B4-BE49-F238E27FC236}">
+                      <a16:creationId xmlns:a16="http://schemas.microsoft.com/office/drawing/2014/main" id="{9BC08269-5745-8C0F-16F7-054613D018A2}"/>
+                    </a:ext>
+                  </a:extLst>
+                </p:cNvPr>
+                <p:cNvSpPr txBox="1"/>
+                <p:nvPr/>
+              </p:nvSpPr>
+              <p:spPr>
+                <a:xfrm rot="16200000">
+                  <a:off x="5178469" y="1766678"/>
+                  <a:ext cx="429743" cy="246221"/>
+                </a:xfrm>
+                <a:prstGeom prst="rect">
+                  <a:avLst/>
+                </a:prstGeom>
+                <a:noFill/>
+              </p:spPr>
+              <p:txBody>
+                <a:bodyPr wrap="square" lIns="0" tIns="0" rIns="0" bIns="0" rtlCol="0">
+                  <a:spAutoFit/>
+                </a:bodyPr>
+                <a:lstStyle/>
+                <a:p>
+                  <a:pPr marL="0" marR="0" lvl="0" indent="0" defTabSz="914400" eaLnBrk="0" fontAlgn="base" latinLnBrk="0" hangingPunct="0">
+                    <a:lnSpc>
+                      <a:spcPct val="100000"/>
+                    </a:lnSpc>
+                    <a:spcBef>
+                      <a:spcPct val="50000"/>
+                    </a:spcBef>
+                    <a:spcAft>
+                      <a:spcPct val="0"/>
+                    </a:spcAft>
+                    <a:buClrTx/>
+                    <a:buSzTx/>
+                    <a:buFontTx/>
+                    <a:buNone/>
+                    <a:tabLst/>
+                    <a:defRPr/>
+                  </a:pPr>
+                  <a14:m>
+                    <m:oMathPara xmlns:m="http://schemas.openxmlformats.org/officeDocument/2006/math">
+                      <m:oMathParaPr>
+                        <m:jc m:val="centerGroup"/>
+                      </m:oMathParaPr>
+                      <m:oMath xmlns:m="http://schemas.openxmlformats.org/officeDocument/2006/math">
+                        <m:r>
+                          <a:rPr kumimoji="0" lang="en-US" sz="1600" b="1" i="0" u="none" strike="noStrike" kern="0" cap="none" spc="0" normalizeH="0" baseline="0" noProof="0" smtClean="0">
+                            <a:ln>
+                              <a:noFill/>
+                            </a:ln>
+                            <a:solidFill>
+                              <a:prstClr val="black"/>
+                            </a:solidFill>
+                            <a:effectLst/>
+                            <a:uLnTx/>
+                            <a:uFillTx/>
+                            <a:latin typeface="Cambria Math" panose="02040503050406030204" pitchFamily="18" charset="0"/>
+                            <a:ea typeface="Cambria Math" panose="02040503050406030204" pitchFamily="18" charset="0"/>
+                          </a:rPr>
+                          <m:t>𝐂𝐏𝐔</m:t>
+                        </m:r>
+                      </m:oMath>
+                    </m:oMathPara>
+                  </a14:m>
+                  <a:endParaRPr kumimoji="0" lang="en-US" sz="1600" b="1" u="none" strike="noStrike" kern="0" cap="none" spc="0" normalizeH="0" baseline="0" noProof="0" dirty="0">
+                    <a:ln>
+                      <a:noFill/>
+                    </a:ln>
+                    <a:solidFill>
+                      <a:prstClr val="black"/>
+                    </a:solidFill>
+                    <a:effectLst/>
+                    <a:uLnTx/>
+                    <a:uFillTx/>
+                    <a:latin typeface="Cambria" panose="02040503050406030204" pitchFamily="18" charset="0"/>
+                  </a:endParaRPr>
+                </a:p>
+              </p:txBody>
+            </p:sp>
+          </mc:Choice>
+          <mc:Fallback>
+            <p:sp>
+              <p:nvSpPr>
+                <p:cNvPr id="124" name="TextBox 123">
+                  <a:extLst>
+                    <a:ext uri="{FF2B5EF4-FFF2-40B4-BE49-F238E27FC236}">
+                      <a16:creationId xmlns:a16="http://schemas.microsoft.com/office/drawing/2014/main" id="{9BC08269-5745-8C0F-16F7-054613D018A2}"/>
+                    </a:ext>
+                  </a:extLst>
+                </p:cNvPr>
+                <p:cNvSpPr txBox="1">
+                  <a:spLocks noRot="1" noChangeAspect="1" noMove="1" noResize="1" noEditPoints="1" noAdjustHandles="1" noChangeArrowheads="1" noChangeShapeType="1" noTextEdit="1"/>
+                </p:cNvSpPr>
+                <p:nvPr/>
+              </p:nvSpPr>
+              <p:spPr>
+                <a:xfrm rot="16200000">
+                  <a:off x="5178469" y="1766678"/>
+                  <a:ext cx="429743" cy="246221"/>
+                </a:xfrm>
+                <a:prstGeom prst="rect">
+                  <a:avLst/>
+                </a:prstGeom>
+                <a:blipFill>
+                  <a:blip r:embed="rId24"/>
+                  <a:stretch>
+                    <a:fillRect t="-11765" r="-10000" b="-11765"/>
+                  </a:stretch>
+                </a:blipFill>
+              </p:spPr>
+              <p:txBody>
+                <a:bodyPr/>
+                <a:lstStyle/>
+                <a:p>
+                  <a:r>
+                    <a:rPr lang="en-US">
+                      <a:noFill/>
+                    </a:rPr>
+                    <a:t> </a:t>
+                  </a:r>
+                </a:p>
+              </p:txBody>
+            </p:sp>
+          </mc:Fallback>
+        </mc:AlternateContent>
+        <mc:AlternateContent xmlns:mc="http://schemas.openxmlformats.org/markup-compatibility/2006">
+          <mc:Choice xmlns:a14="http://schemas.microsoft.com/office/drawing/2010/main" Requires="a14">
+            <p:sp>
+              <p:nvSpPr>
+                <p:cNvPr id="125" name="TextBox 124">
+                  <a:extLst>
+                    <a:ext uri="{FF2B5EF4-FFF2-40B4-BE49-F238E27FC236}">
+                      <a16:creationId xmlns:a16="http://schemas.microsoft.com/office/drawing/2014/main" id="{3DF0A939-2958-470A-42B9-A456D0CB9EC3}"/>
+                    </a:ext>
+                  </a:extLst>
+                </p:cNvPr>
+                <p:cNvSpPr txBox="1"/>
+                <p:nvPr/>
+              </p:nvSpPr>
+              <p:spPr>
+                <a:xfrm rot="16200000">
+                  <a:off x="2857790" y="1766677"/>
+                  <a:ext cx="429743" cy="246221"/>
+                </a:xfrm>
+                <a:prstGeom prst="rect">
+                  <a:avLst/>
+                </a:prstGeom>
+                <a:noFill/>
+              </p:spPr>
+              <p:txBody>
+                <a:bodyPr wrap="square" lIns="0" tIns="0" rIns="0" bIns="0" rtlCol="0">
+                  <a:spAutoFit/>
+                </a:bodyPr>
+                <a:lstStyle/>
+                <a:p>
+                  <a:pPr marL="0" marR="0" lvl="0" indent="0" defTabSz="914400" eaLnBrk="0" fontAlgn="base" latinLnBrk="0" hangingPunct="0">
+                    <a:lnSpc>
+                      <a:spcPct val="100000"/>
+                    </a:lnSpc>
+                    <a:spcBef>
+                      <a:spcPct val="50000"/>
+                    </a:spcBef>
+                    <a:spcAft>
+                      <a:spcPct val="0"/>
+                    </a:spcAft>
+                    <a:buClrTx/>
+                    <a:buSzTx/>
+                    <a:buFontTx/>
+                    <a:buNone/>
+                    <a:tabLst/>
+                    <a:defRPr/>
+                  </a:pPr>
+                  <a14:m>
+                    <m:oMathPara xmlns:m="http://schemas.openxmlformats.org/officeDocument/2006/math">
+                      <m:oMathParaPr>
+                        <m:jc m:val="centerGroup"/>
+                      </m:oMathParaPr>
+                      <m:oMath xmlns:m="http://schemas.openxmlformats.org/officeDocument/2006/math">
+                        <m:r>
+                          <a:rPr kumimoji="0" lang="en-US" sz="1600" b="1" i="0" u="none" strike="noStrike" kern="0" cap="none" spc="0" normalizeH="0" baseline="0" noProof="0" smtClean="0">
+                            <a:ln>
+                              <a:noFill/>
+                            </a:ln>
+                            <a:solidFill>
+                              <a:prstClr val="black"/>
+                            </a:solidFill>
+                            <a:effectLst/>
+                            <a:uLnTx/>
+                            <a:uFillTx/>
+                            <a:latin typeface="Cambria Math" panose="02040503050406030204" pitchFamily="18" charset="0"/>
+                            <a:ea typeface="Cambria Math" panose="02040503050406030204" pitchFamily="18" charset="0"/>
+                          </a:rPr>
+                          <m:t>𝐂𝐏𝐔</m:t>
+                        </m:r>
+                      </m:oMath>
+                    </m:oMathPara>
+                  </a14:m>
+                  <a:endParaRPr kumimoji="0" lang="en-US" sz="1600" b="1" u="none" strike="noStrike" kern="0" cap="none" spc="0" normalizeH="0" baseline="0" noProof="0" dirty="0">
+                    <a:ln>
+                      <a:noFill/>
+                    </a:ln>
+                    <a:solidFill>
+                      <a:prstClr val="black"/>
+                    </a:solidFill>
+                    <a:effectLst/>
+                    <a:uLnTx/>
+                    <a:uFillTx/>
+                    <a:latin typeface="Cambria" panose="02040503050406030204" pitchFamily="18" charset="0"/>
+                  </a:endParaRPr>
+                </a:p>
+              </p:txBody>
+            </p:sp>
+          </mc:Choice>
+          <mc:Fallback>
+            <p:sp>
+              <p:nvSpPr>
+                <p:cNvPr id="125" name="TextBox 124">
+                  <a:extLst>
+                    <a:ext uri="{FF2B5EF4-FFF2-40B4-BE49-F238E27FC236}">
+                      <a16:creationId xmlns:a16="http://schemas.microsoft.com/office/drawing/2014/main" id="{3DF0A939-2958-470A-42B9-A456D0CB9EC3}"/>
+                    </a:ext>
+                  </a:extLst>
+                </p:cNvPr>
+                <p:cNvSpPr txBox="1">
+                  <a:spLocks noRot="1" noChangeAspect="1" noMove="1" noResize="1" noEditPoints="1" noAdjustHandles="1" noChangeArrowheads="1" noChangeShapeType="1" noTextEdit="1"/>
+                </p:cNvSpPr>
+                <p:nvPr/>
+              </p:nvSpPr>
+              <p:spPr>
+                <a:xfrm rot="16200000">
+                  <a:off x="2857790" y="1766677"/>
+                  <a:ext cx="429743" cy="246221"/>
+                </a:xfrm>
+                <a:prstGeom prst="rect">
+                  <a:avLst/>
+                </a:prstGeom>
+                <a:blipFill>
+                  <a:blip r:embed="rId23"/>
+                  <a:stretch>
+                    <a:fillRect t="-11765" r="-10000" b="-11765"/>
+                  </a:stretch>
+                </a:blipFill>
+              </p:spPr>
+              <p:txBody>
+                <a:bodyPr/>
+                <a:lstStyle/>
+                <a:p>
+                  <a:r>
+                    <a:rPr lang="en-US">
+                      <a:noFill/>
+                    </a:rPr>
+                    <a:t> </a:t>
+                  </a:r>
+                </a:p>
+              </p:txBody>
+            </p:sp>
+          </mc:Fallback>
+        </mc:AlternateContent>
+        <mc:AlternateContent xmlns:mc="http://schemas.openxmlformats.org/markup-compatibility/2006">
+          <mc:Choice xmlns:a14="http://schemas.microsoft.com/office/drawing/2010/main" Requires="a14">
+            <p:sp>
+              <p:nvSpPr>
+                <p:cNvPr id="126" name="TextBox 125">
+                  <a:extLst>
+                    <a:ext uri="{FF2B5EF4-FFF2-40B4-BE49-F238E27FC236}">
+                      <a16:creationId xmlns:a16="http://schemas.microsoft.com/office/drawing/2014/main" id="{E30572FE-2BED-26BE-7317-BD3740655C23}"/>
+                    </a:ext>
+                  </a:extLst>
+                </p:cNvPr>
+                <p:cNvSpPr txBox="1"/>
+                <p:nvPr/>
+              </p:nvSpPr>
+              <p:spPr>
+                <a:xfrm rot="16200000">
+                  <a:off x="882017" y="2754620"/>
+                  <a:ext cx="429743" cy="246221"/>
+                </a:xfrm>
+                <a:prstGeom prst="rect">
+                  <a:avLst/>
+                </a:prstGeom>
+                <a:noFill/>
+              </p:spPr>
+              <p:txBody>
+                <a:bodyPr wrap="square" lIns="0" tIns="0" rIns="0" bIns="0" rtlCol="0">
+                  <a:spAutoFit/>
+                </a:bodyPr>
+                <a:lstStyle/>
+                <a:p>
+                  <a:pPr marL="0" marR="0" lvl="0" indent="0" defTabSz="914400" eaLnBrk="0" fontAlgn="base" latinLnBrk="0" hangingPunct="0">
+                    <a:lnSpc>
+                      <a:spcPct val="100000"/>
+                    </a:lnSpc>
+                    <a:spcBef>
+                      <a:spcPct val="50000"/>
+                    </a:spcBef>
+                    <a:spcAft>
+                      <a:spcPct val="0"/>
+                    </a:spcAft>
+                    <a:buClrTx/>
+                    <a:buSzTx/>
+                    <a:buFontTx/>
+                    <a:buNone/>
+                    <a:tabLst/>
+                    <a:defRPr/>
+                  </a:pPr>
+                  <a14:m>
+                    <m:oMathPara xmlns:m="http://schemas.openxmlformats.org/officeDocument/2006/math">
+                      <m:oMathParaPr>
+                        <m:jc m:val="centerGroup"/>
+                      </m:oMathParaPr>
+                      <m:oMath xmlns:m="http://schemas.openxmlformats.org/officeDocument/2006/math">
+                        <m:r>
+                          <a:rPr kumimoji="0" lang="en-US" sz="1600" b="1" i="0" u="none" strike="noStrike" kern="0" cap="none" spc="0" normalizeH="0" baseline="0" noProof="0" smtClean="0">
+                            <a:ln>
+                              <a:noFill/>
+                            </a:ln>
+                            <a:solidFill>
+                              <a:prstClr val="black"/>
+                            </a:solidFill>
+                            <a:effectLst/>
+                            <a:uLnTx/>
+                            <a:uFillTx/>
+                            <a:latin typeface="Cambria Math" panose="02040503050406030204" pitchFamily="18" charset="0"/>
+                            <a:ea typeface="Cambria Math" panose="02040503050406030204" pitchFamily="18" charset="0"/>
+                          </a:rPr>
+                          <m:t>𝐆𝐏𝐔</m:t>
+                        </m:r>
+                      </m:oMath>
+                    </m:oMathPara>
+                  </a14:m>
+                  <a:endParaRPr kumimoji="0" lang="en-US" sz="1600" b="1" u="none" strike="noStrike" kern="0" cap="none" spc="0" normalizeH="0" baseline="0" noProof="0" dirty="0">
+                    <a:ln>
+                      <a:noFill/>
+                    </a:ln>
+                    <a:solidFill>
+                      <a:prstClr val="black"/>
+                    </a:solidFill>
+                    <a:effectLst/>
+                    <a:uLnTx/>
+                    <a:uFillTx/>
+                    <a:latin typeface="Cambria" panose="02040503050406030204" pitchFamily="18" charset="0"/>
+                  </a:endParaRPr>
+                </a:p>
+              </p:txBody>
+            </p:sp>
+          </mc:Choice>
+          <mc:Fallback>
+            <p:sp>
+              <p:nvSpPr>
+                <p:cNvPr id="126" name="TextBox 125">
+                  <a:extLst>
+                    <a:ext uri="{FF2B5EF4-FFF2-40B4-BE49-F238E27FC236}">
+                      <a16:creationId xmlns:a16="http://schemas.microsoft.com/office/drawing/2014/main" id="{E30572FE-2BED-26BE-7317-BD3740655C23}"/>
+                    </a:ext>
+                  </a:extLst>
+                </p:cNvPr>
+                <p:cNvSpPr txBox="1">
+                  <a:spLocks noRot="1" noChangeAspect="1" noMove="1" noResize="1" noEditPoints="1" noAdjustHandles="1" noChangeArrowheads="1" noChangeShapeType="1" noTextEdit="1"/>
+                </p:cNvSpPr>
+                <p:nvPr/>
+              </p:nvSpPr>
+              <p:spPr>
+                <a:xfrm rot="16200000">
+                  <a:off x="882017" y="2754620"/>
+                  <a:ext cx="429743" cy="246221"/>
+                </a:xfrm>
+                <a:prstGeom prst="rect">
+                  <a:avLst/>
+                </a:prstGeom>
+                <a:blipFill>
+                  <a:blip r:embed="rId25"/>
+                  <a:stretch>
+                    <a:fillRect t="-14286" r="-15000" b="-14286"/>
+                  </a:stretch>
+                </a:blipFill>
+              </p:spPr>
+              <p:txBody>
+                <a:bodyPr/>
+                <a:lstStyle/>
+                <a:p>
+                  <a:r>
+                    <a:rPr lang="en-US">
+                      <a:noFill/>
+                    </a:rPr>
+                    <a:t> </a:t>
+                  </a:r>
+                </a:p>
+              </p:txBody>
+            </p:sp>
+          </mc:Fallback>
+        </mc:AlternateContent>
+        <mc:AlternateContent xmlns:mc="http://schemas.openxmlformats.org/markup-compatibility/2006">
+          <mc:Choice xmlns:a14="http://schemas.microsoft.com/office/drawing/2010/main" Requires="a14">
+            <p:sp>
+              <p:nvSpPr>
+                <p:cNvPr id="127" name="TextBox 126">
+                  <a:extLst>
+                    <a:ext uri="{FF2B5EF4-FFF2-40B4-BE49-F238E27FC236}">
+                      <a16:creationId xmlns:a16="http://schemas.microsoft.com/office/drawing/2014/main" id="{3F3F3565-9A9C-B41A-7641-14BC58CD21D9}"/>
+                    </a:ext>
+                  </a:extLst>
+                </p:cNvPr>
+                <p:cNvSpPr txBox="1"/>
+                <p:nvPr/>
+              </p:nvSpPr>
+              <p:spPr>
+                <a:xfrm rot="16200000">
+                  <a:off x="3117492" y="2754619"/>
+                  <a:ext cx="429743" cy="246221"/>
+                </a:xfrm>
+                <a:prstGeom prst="rect">
+                  <a:avLst/>
+                </a:prstGeom>
+                <a:noFill/>
+              </p:spPr>
+              <p:txBody>
+                <a:bodyPr wrap="square" lIns="0" tIns="0" rIns="0" bIns="0" rtlCol="0">
+                  <a:spAutoFit/>
+                </a:bodyPr>
+                <a:lstStyle/>
+                <a:p>
+                  <a:pPr lvl="0" defTabSz="914400" eaLnBrk="0" fontAlgn="base" hangingPunct="0">
+                    <a:spcBef>
+                      <a:spcPct val="50000"/>
+                    </a:spcBef>
+                    <a:spcAft>
+                      <a:spcPct val="0"/>
+                    </a:spcAft>
+                    <a:defRPr/>
+                  </a:pPr>
+                  <a14:m>
+                    <m:oMathPara xmlns:m="http://schemas.openxmlformats.org/officeDocument/2006/math">
+                      <m:oMathParaPr>
+                        <m:jc m:val="centerGroup"/>
+                      </m:oMathParaPr>
+                      <m:oMath xmlns:m="http://schemas.openxmlformats.org/officeDocument/2006/math">
+                        <m:r>
+                          <a:rPr lang="en-US" sz="1600" b="1" kern="0">
+                            <a:solidFill>
+                              <a:prstClr val="black"/>
+                            </a:solidFill>
+                            <a:latin typeface="Cambria Math" panose="02040503050406030204" pitchFamily="18" charset="0"/>
+                            <a:ea typeface="Cambria Math" panose="02040503050406030204" pitchFamily="18" charset="0"/>
+                          </a:rPr>
+                          <m:t>𝐆𝐏𝐔</m:t>
+                        </m:r>
+                      </m:oMath>
+                    </m:oMathPara>
+                  </a14:m>
+                  <a:endParaRPr lang="en-US" sz="1600" b="1" kern="0" dirty="0">
+                    <a:solidFill>
+                      <a:prstClr val="black"/>
+                    </a:solidFill>
+                    <a:latin typeface="Cambria" panose="02040503050406030204" pitchFamily="18" charset="0"/>
+                  </a:endParaRPr>
+                </a:p>
+              </p:txBody>
+            </p:sp>
+          </mc:Choice>
+          <mc:Fallback>
+            <p:sp>
+              <p:nvSpPr>
+                <p:cNvPr id="127" name="TextBox 126">
+                  <a:extLst>
+                    <a:ext uri="{FF2B5EF4-FFF2-40B4-BE49-F238E27FC236}">
+                      <a16:creationId xmlns:a16="http://schemas.microsoft.com/office/drawing/2014/main" id="{3F3F3565-9A9C-B41A-7641-14BC58CD21D9}"/>
+                    </a:ext>
+                  </a:extLst>
+                </p:cNvPr>
+                <p:cNvSpPr txBox="1">
+                  <a:spLocks noRot="1" noChangeAspect="1" noMove="1" noResize="1" noEditPoints="1" noAdjustHandles="1" noChangeArrowheads="1" noChangeShapeType="1" noTextEdit="1"/>
+                </p:cNvSpPr>
+                <p:nvPr/>
+              </p:nvSpPr>
+              <p:spPr>
+                <a:xfrm rot="16200000">
+                  <a:off x="3117492" y="2754619"/>
+                  <a:ext cx="429743" cy="246221"/>
+                </a:xfrm>
+                <a:prstGeom prst="rect">
+                  <a:avLst/>
+                </a:prstGeom>
+                <a:blipFill>
+                  <a:blip r:embed="rId25"/>
+                  <a:stretch>
+                    <a:fillRect t="-14286" r="-9524" b="-14286"/>
+                  </a:stretch>
+                </a:blipFill>
+              </p:spPr>
+              <p:txBody>
+                <a:bodyPr/>
+                <a:lstStyle/>
+                <a:p>
+                  <a:r>
+                    <a:rPr lang="en-US">
+                      <a:noFill/>
+                    </a:rPr>
+                    <a:t> </a:t>
+                  </a:r>
+                </a:p>
+              </p:txBody>
+            </p:sp>
+          </mc:Fallback>
+        </mc:AlternateContent>
+        <mc:AlternateContent xmlns:mc="http://schemas.openxmlformats.org/markup-compatibility/2006">
+          <mc:Choice xmlns:a14="http://schemas.microsoft.com/office/drawing/2010/main" Requires="a14">
+            <p:sp>
+              <p:nvSpPr>
+                <p:cNvPr id="128" name="TextBox 127">
+                  <a:extLst>
+                    <a:ext uri="{FF2B5EF4-FFF2-40B4-BE49-F238E27FC236}">
+                      <a16:creationId xmlns:a16="http://schemas.microsoft.com/office/drawing/2014/main" id="{6B05B80B-B83F-4646-06F5-EDE25DBCBF44}"/>
+                    </a:ext>
+                  </a:extLst>
+                </p:cNvPr>
+                <p:cNvSpPr txBox="1"/>
+                <p:nvPr/>
+              </p:nvSpPr>
+              <p:spPr>
+                <a:xfrm rot="16200000">
+                  <a:off x="5441376" y="2754618"/>
+                  <a:ext cx="429743" cy="246221"/>
+                </a:xfrm>
+                <a:prstGeom prst="rect">
+                  <a:avLst/>
+                </a:prstGeom>
+                <a:noFill/>
+              </p:spPr>
+              <p:txBody>
+                <a:bodyPr wrap="square" lIns="0" tIns="0" rIns="0" bIns="0" rtlCol="0">
+                  <a:spAutoFit/>
+                </a:bodyPr>
+                <a:lstStyle/>
+                <a:p>
+                  <a:pPr lvl="0" defTabSz="914400" eaLnBrk="0" fontAlgn="base" hangingPunct="0">
+                    <a:spcBef>
+                      <a:spcPct val="50000"/>
+                    </a:spcBef>
+                    <a:spcAft>
+                      <a:spcPct val="0"/>
+                    </a:spcAft>
+                    <a:defRPr/>
+                  </a:pPr>
+                  <a14:m>
+                    <m:oMathPara xmlns:m="http://schemas.openxmlformats.org/officeDocument/2006/math">
+                      <m:oMathParaPr>
+                        <m:jc m:val="centerGroup"/>
+                      </m:oMathParaPr>
+                      <m:oMath xmlns:m="http://schemas.openxmlformats.org/officeDocument/2006/math">
+                        <m:r>
+                          <a:rPr lang="en-US" sz="1600" b="1" kern="0">
+                            <a:solidFill>
+                              <a:prstClr val="black"/>
+                            </a:solidFill>
+                            <a:latin typeface="Cambria Math" panose="02040503050406030204" pitchFamily="18" charset="0"/>
+                            <a:ea typeface="Cambria Math" panose="02040503050406030204" pitchFamily="18" charset="0"/>
+                          </a:rPr>
+                          <m:t>𝐆𝐏𝐔</m:t>
+                        </m:r>
+                      </m:oMath>
+                    </m:oMathPara>
+                  </a14:m>
+                  <a:endParaRPr lang="en-US" sz="1600" b="1" kern="0" dirty="0">
+                    <a:solidFill>
+                      <a:prstClr val="black"/>
+                    </a:solidFill>
+                    <a:latin typeface="Cambria" panose="02040503050406030204" pitchFamily="18" charset="0"/>
+                  </a:endParaRPr>
+                </a:p>
+              </p:txBody>
+            </p:sp>
+          </mc:Choice>
+          <mc:Fallback>
+            <p:sp>
+              <p:nvSpPr>
+                <p:cNvPr id="128" name="TextBox 127">
+                  <a:extLst>
+                    <a:ext uri="{FF2B5EF4-FFF2-40B4-BE49-F238E27FC236}">
+                      <a16:creationId xmlns:a16="http://schemas.microsoft.com/office/drawing/2014/main" id="{6B05B80B-B83F-4646-06F5-EDE25DBCBF44}"/>
+                    </a:ext>
+                  </a:extLst>
+                </p:cNvPr>
+                <p:cNvSpPr txBox="1">
+                  <a:spLocks noRot="1" noChangeAspect="1" noMove="1" noResize="1" noEditPoints="1" noAdjustHandles="1" noChangeArrowheads="1" noChangeShapeType="1" noTextEdit="1"/>
+                </p:cNvSpPr>
+                <p:nvPr/>
+              </p:nvSpPr>
+              <p:spPr>
+                <a:xfrm rot="16200000">
+                  <a:off x="5441376" y="2754618"/>
+                  <a:ext cx="429743" cy="246221"/>
+                </a:xfrm>
+                <a:prstGeom prst="rect">
+                  <a:avLst/>
+                </a:prstGeom>
+                <a:blipFill>
+                  <a:blip r:embed="rId25"/>
+                  <a:stretch>
+                    <a:fillRect t="-14286" r="-9524" b="-14286"/>
+                  </a:stretch>
+                </a:blipFill>
+              </p:spPr>
+              <p:txBody>
+                <a:bodyPr/>
+                <a:lstStyle/>
+                <a:p>
+                  <a:r>
+                    <a:rPr lang="en-US">
+                      <a:noFill/>
+                    </a:rPr>
+                    <a:t> </a:t>
+                  </a:r>
+                </a:p>
+              </p:txBody>
+            </p:sp>
+          </mc:Fallback>
+        </mc:AlternateContent>
+      </p:grpSp>
+    </p:spTree>
+    <p:extLst>
+      <p:ext uri="{BB962C8B-B14F-4D97-AF65-F5344CB8AC3E}">
+        <p14:creationId xmlns:p14="http://schemas.microsoft.com/office/powerpoint/2010/main" val="3231207858"/>
+      </p:ext>
+    </p:extLst>
+  </p:cSld>
+  <p:clrMapOvr>
+    <a:masterClrMapping/>
+  </p:clrMapOvr>
+</p:sld>
+</file>
+
 <file path=ppt/slides/slide3.xml><?xml version="1.0" encoding="utf-8"?>
 <p:sld xmlns:a="http://schemas.openxmlformats.org/drawingml/2006/main" xmlns:r="http://schemas.openxmlformats.org/officeDocument/2006/relationships" xmlns:p="http://schemas.openxmlformats.org/presentationml/2006/main">
   <p:cSld>
